--- a/ppt/14-svd.pptx
+++ b/ppt/14-svd.pptx
@@ -6,28 +6,40 @@
   </p:sldMasterIdLst>
   <p:sldIdLst>
     <p:sldId id="256" r:id="rId2"/>
-    <p:sldId id="265" r:id="rId3"/>
-    <p:sldId id="266" r:id="rId4"/>
-    <p:sldId id="277" r:id="rId5"/>
-    <p:sldId id="293" r:id="rId6"/>
-    <p:sldId id="283" r:id="rId7"/>
-    <p:sldId id="284" r:id="rId8"/>
-    <p:sldId id="285" r:id="rId9"/>
-    <p:sldId id="288" r:id="rId10"/>
-    <p:sldId id="287" r:id="rId11"/>
-    <p:sldId id="289" r:id="rId12"/>
-    <p:sldId id="290" r:id="rId13"/>
-    <p:sldId id="291" r:id="rId14"/>
-    <p:sldId id="278" r:id="rId15"/>
-    <p:sldId id="294" r:id="rId16"/>
-    <p:sldId id="310" r:id="rId17"/>
-    <p:sldId id="295" r:id="rId18"/>
-    <p:sldId id="312" r:id="rId19"/>
-    <p:sldId id="279" r:id="rId20"/>
-    <p:sldId id="301" r:id="rId21"/>
-    <p:sldId id="394" r:id="rId22"/>
-    <p:sldId id="395" r:id="rId23"/>
-    <p:sldId id="396" r:id="rId24"/>
+    <p:sldId id="266" r:id="rId3"/>
+    <p:sldId id="277" r:id="rId4"/>
+    <p:sldId id="293" r:id="rId5"/>
+    <p:sldId id="283" r:id="rId6"/>
+    <p:sldId id="284" r:id="rId7"/>
+    <p:sldId id="285" r:id="rId8"/>
+    <p:sldId id="288" r:id="rId9"/>
+    <p:sldId id="287" r:id="rId10"/>
+    <p:sldId id="289" r:id="rId11"/>
+    <p:sldId id="290" r:id="rId12"/>
+    <p:sldId id="291" r:id="rId13"/>
+    <p:sldId id="278" r:id="rId14"/>
+    <p:sldId id="294" r:id="rId15"/>
+    <p:sldId id="310" r:id="rId16"/>
+    <p:sldId id="295" r:id="rId17"/>
+    <p:sldId id="312" r:id="rId18"/>
+    <p:sldId id="261" r:id="rId19"/>
+    <p:sldId id="397" r:id="rId20"/>
+    <p:sldId id="262" r:id="rId21"/>
+    <p:sldId id="270" r:id="rId22"/>
+    <p:sldId id="269" r:id="rId23"/>
+    <p:sldId id="267" r:id="rId24"/>
+    <p:sldId id="322" r:id="rId25"/>
+    <p:sldId id="268" r:id="rId26"/>
+    <p:sldId id="271" r:id="rId27"/>
+    <p:sldId id="398" r:id="rId28"/>
+    <p:sldId id="399" r:id="rId29"/>
+    <p:sldId id="400" r:id="rId30"/>
+    <p:sldId id="304" r:id="rId31"/>
+    <p:sldId id="279" r:id="rId32"/>
+    <p:sldId id="301" r:id="rId33"/>
+    <p:sldId id="394" r:id="rId34"/>
+    <p:sldId id="395" r:id="rId35"/>
+    <p:sldId id="396" r:id="rId36"/>
   </p:sldIdLst>
   <p:sldSz cx="9144000" cy="6858000" type="screen4x3"/>
   <p:notesSz cx="6858000" cy="9144000"/>
@@ -265,7 +277,7 @@
           <a:p>
             <a:fld id="{67C652CF-EB17-BC4A-9A2F-CB5D72CE5B16}" type="datetimeFigureOut">
               <a:rPr kumimoji="1" lang="zh-CN" altLang="en-US" smtClean="0"/>
-              <a:t>2020/10/13</a:t>
+              <a:t>2024/9/14</a:t>
             </a:fld>
             <a:endParaRPr kumimoji="1" lang="zh-CN" altLang="en-US"/>
           </a:p>
@@ -411,7 +423,7 @@
           <a:p>
             <a:fld id="{67C652CF-EB17-BC4A-9A2F-CB5D72CE5B16}" type="datetimeFigureOut">
               <a:rPr kumimoji="1" lang="zh-CN" altLang="en-US" smtClean="0"/>
-              <a:t>2020/10/13</a:t>
+              <a:t>2024/9/14</a:t>
             </a:fld>
             <a:endParaRPr kumimoji="1" lang="zh-CN" altLang="en-US"/>
           </a:p>
@@ -567,7 +579,7 @@
           <a:p>
             <a:fld id="{67C652CF-EB17-BC4A-9A2F-CB5D72CE5B16}" type="datetimeFigureOut">
               <a:rPr kumimoji="1" lang="zh-CN" altLang="en-US" smtClean="0"/>
-              <a:t>2020/10/13</a:t>
+              <a:t>2024/9/14</a:t>
             </a:fld>
             <a:endParaRPr kumimoji="1" lang="zh-CN" altLang="en-US"/>
           </a:p>
@@ -713,7 +725,7 @@
           <a:p>
             <a:fld id="{67C652CF-EB17-BC4A-9A2F-CB5D72CE5B16}" type="datetimeFigureOut">
               <a:rPr kumimoji="1" lang="zh-CN" altLang="en-US" smtClean="0"/>
-              <a:t>2020/10/13</a:t>
+              <a:t>2024/9/14</a:t>
             </a:fld>
             <a:endParaRPr kumimoji="1" lang="zh-CN" altLang="en-US"/>
           </a:p>
@@ -962,7 +974,7 @@
           <a:p>
             <a:fld id="{67C652CF-EB17-BC4A-9A2F-CB5D72CE5B16}" type="datetimeFigureOut">
               <a:rPr kumimoji="1" lang="zh-CN" altLang="en-US" smtClean="0"/>
-              <a:t>2020/10/13</a:t>
+              <a:t>2024/9/14</a:t>
             </a:fld>
             <a:endParaRPr kumimoji="1" lang="zh-CN" altLang="en-US"/>
           </a:p>
@@ -1146,7 +1158,7 @@
           <a:p>
             <a:fld id="{67C652CF-EB17-BC4A-9A2F-CB5D72CE5B16}" type="datetimeFigureOut">
               <a:rPr kumimoji="1" lang="zh-CN" altLang="en-US" smtClean="0"/>
-              <a:t>2020/10/13</a:t>
+              <a:t>2024/9/14</a:t>
             </a:fld>
             <a:endParaRPr kumimoji="1" lang="zh-CN" altLang="en-US"/>
           </a:p>
@@ -1475,7 +1487,7 @@
           <a:p>
             <a:fld id="{67C652CF-EB17-BC4A-9A2F-CB5D72CE5B16}" type="datetimeFigureOut">
               <a:rPr kumimoji="1" lang="zh-CN" altLang="en-US" smtClean="0"/>
-              <a:t>2020/10/13</a:t>
+              <a:t>2024/9/14</a:t>
             </a:fld>
             <a:endParaRPr kumimoji="1" lang="zh-CN" altLang="en-US"/>
           </a:p>
@@ -1593,7 +1605,7 @@
           <a:p>
             <a:fld id="{67C652CF-EB17-BC4A-9A2F-CB5D72CE5B16}" type="datetimeFigureOut">
               <a:rPr kumimoji="1" lang="zh-CN" altLang="en-US" smtClean="0"/>
-              <a:t>2020/10/13</a:t>
+              <a:t>2024/9/14</a:t>
             </a:fld>
             <a:endParaRPr kumimoji="1" lang="zh-CN" altLang="en-US"/>
           </a:p>
@@ -1688,7 +1700,7 @@
           <a:p>
             <a:fld id="{67C652CF-EB17-BC4A-9A2F-CB5D72CE5B16}" type="datetimeFigureOut">
               <a:rPr kumimoji="1" lang="zh-CN" altLang="en-US" smtClean="0"/>
-              <a:t>2020/10/13</a:t>
+              <a:t>2024/9/14</a:t>
             </a:fld>
             <a:endParaRPr kumimoji="1" lang="zh-CN" altLang="en-US"/>
           </a:p>
@@ -1946,7 +1958,7 @@
           <a:p>
             <a:fld id="{67C652CF-EB17-BC4A-9A2F-CB5D72CE5B16}" type="datetimeFigureOut">
               <a:rPr kumimoji="1" lang="zh-CN" altLang="en-US" smtClean="0"/>
-              <a:t>2020/10/13</a:t>
+              <a:t>2024/9/14</a:t>
             </a:fld>
             <a:endParaRPr kumimoji="1" lang="zh-CN" altLang="en-US"/>
           </a:p>
@@ -2208,7 +2220,7 @@
           <a:p>
             <a:fld id="{67C652CF-EB17-BC4A-9A2F-CB5D72CE5B16}" type="datetimeFigureOut">
               <a:rPr kumimoji="1" lang="zh-CN" altLang="en-US" smtClean="0"/>
-              <a:t>2020/10/13</a:t>
+              <a:t>2024/9/14</a:t>
             </a:fld>
             <a:endParaRPr kumimoji="1" lang="zh-CN" altLang="en-US"/>
           </a:p>
@@ -2397,7 +2409,7 @@
           <a:p>
             <a:fld id="{67C652CF-EB17-BC4A-9A2F-CB5D72CE5B16}" type="datetimeFigureOut">
               <a:rPr kumimoji="1" lang="zh-CN" altLang="en-US" smtClean="0"/>
-              <a:t>2020/10/13</a:t>
+              <a:t>2024/9/14</a:t>
             </a:fld>
             <a:endParaRPr kumimoji="1" lang="zh-CN" altLang="en-US"/>
           </a:p>
@@ -2829,8 +2841,13 @@
             </a:r>
             <a:r>
               <a:rPr kumimoji="1" lang="zh-CN" altLang="en-US" dirty="0"/>
-              <a:t> 第十一章 降维</a:t>
-            </a:r>
+              <a:t> </a:t>
+            </a:r>
+            <a:r>
+              <a:rPr kumimoji="1" lang="en-US" altLang="zh-CN" dirty="0"/>
+              <a:t>SVD</a:t>
+            </a:r>
+            <a:endParaRPr kumimoji="1" lang="zh-CN" altLang="en-US" dirty="0"/>
           </a:p>
         </p:txBody>
       </p:sp>
@@ -2906,27 +2923,14 @@
             <p:ph type="title"/>
           </p:nvPr>
         </p:nvSpPr>
-        <p:spPr>
-          <a:xfrm>
-            <a:off x="751480" y="365770"/>
-            <a:ext cx="7886700" cy="1325563"/>
-          </a:xfrm>
-        </p:spPr>
-        <p:txBody>
-          <a:bodyPr/>
-          <a:lstStyle/>
-          <a:p>
-            <a:r>
-              <a:rPr lang="zh-CN" altLang="en-US" dirty="0"/>
-              <a:t>基于</a:t>
-            </a:r>
-            <a:r>
-              <a:rPr lang="en-US" altLang="zh-CN" dirty="0"/>
-              <a:t>SVD</a:t>
-            </a:r>
-            <a:r>
-              <a:rPr lang="zh-CN" altLang="en-US" dirty="0"/>
-              <a:t>的降维</a:t>
+        <p:spPr/>
+        <p:txBody>
+          <a:bodyPr/>
+          <a:lstStyle/>
+          <a:p>
+            <a:r>
+              <a:rPr lang="zh-CN" altLang="en-US" dirty="0"/>
+              <a:t>降维结果</a:t>
             </a:r>
           </a:p>
         </p:txBody>
@@ -2941,26 +2945,18 @@
             <p:ph idx="1"/>
           </p:nvPr>
         </p:nvSpPr>
-        <p:spPr>
-          <a:xfrm>
-            <a:off x="751480" y="1787229"/>
-            <a:ext cx="7886700" cy="4024609"/>
-          </a:xfrm>
-        </p:spPr>
-        <p:txBody>
-          <a:bodyPr/>
-          <a:lstStyle/>
-          <a:p>
-            <a:r>
-              <a:rPr lang="zh-CN" altLang="en-US" dirty="0"/>
-              <a:t>降概念强度最低那一维</a:t>
-            </a:r>
+        <p:spPr/>
+        <p:txBody>
+          <a:bodyPr/>
+          <a:lstStyle/>
+          <a:p>
+            <a:endParaRPr lang="zh-CN" altLang="en-US"/>
           </a:p>
         </p:txBody>
       </p:sp>
       <p:pic>
         <p:nvPicPr>
-          <p:cNvPr id="6" name="图片 5"/>
+          <p:cNvPr id="4" name="图片 3"/>
           <p:cNvPicPr>
             <a:picLocks noChangeAspect="1"/>
           </p:cNvPicPr>
@@ -2974,14 +2970,62 @@
         </p:blipFill>
         <p:spPr>
           <a:xfrm>
-            <a:off x="751480" y="2951064"/>
-            <a:ext cx="8004376" cy="2995711"/>
+            <a:off x="559477" y="1476191"/>
+            <a:ext cx="8025046" cy="3353354"/>
           </a:xfrm>
           <a:prstGeom prst="rect">
             <a:avLst/>
           </a:prstGeom>
         </p:spPr>
       </p:pic>
+      <p:pic>
+        <p:nvPicPr>
+          <p:cNvPr id="5" name="图片 4"/>
+          <p:cNvPicPr>
+            <a:picLocks noChangeAspect="1"/>
+          </p:cNvPicPr>
+          <p:nvPr/>
+        </p:nvPicPr>
+        <p:blipFill>
+          <a:blip r:embed="rId3"/>
+          <a:stretch>
+            <a:fillRect/>
+          </a:stretch>
+        </p:blipFill>
+        <p:spPr>
+          <a:xfrm>
+            <a:off x="443483" y="5503255"/>
+            <a:ext cx="3045209" cy="1104899"/>
+          </a:xfrm>
+          <a:prstGeom prst="rect">
+            <a:avLst/>
+          </a:prstGeom>
+        </p:spPr>
+      </p:pic>
+      <p:pic>
+        <p:nvPicPr>
+          <p:cNvPr id="6" name="图片 5"/>
+          <p:cNvPicPr>
+            <a:picLocks noChangeAspect="1"/>
+          </p:cNvPicPr>
+          <p:nvPr/>
+        </p:nvPicPr>
+        <p:blipFill>
+          <a:blip r:embed="rId4"/>
+          <a:stretch>
+            <a:fillRect/>
+          </a:stretch>
+        </p:blipFill>
+        <p:spPr>
+          <a:xfrm>
+            <a:off x="4095750" y="5592188"/>
+            <a:ext cx="4419600" cy="1038225"/>
+          </a:xfrm>
+          <a:prstGeom prst="rect">
+            <a:avLst/>
+          </a:prstGeom>
+        </p:spPr>
+      </p:pic>
       <p:sp>
         <p:nvSpPr>
           <p:cNvPr id="7" name="文本框 6"/>
@@ -2990,8 +3034,8 @@
         </p:nvSpPr>
         <p:spPr>
           <a:xfrm>
-            <a:off x="2715905" y="2489399"/>
-            <a:ext cx="2440092" cy="461665"/>
+            <a:off x="3077478" y="4918480"/>
+            <a:ext cx="1832553" cy="584775"/>
           </a:xfrm>
           <a:prstGeom prst="rect">
             <a:avLst/>
@@ -3005,110 +3049,8 @@
           <a:lstStyle/>
           <a:p>
             <a:r>
-              <a:rPr lang="zh-CN" altLang="en-US" sz="2400" b="1" dirty="0">
-                <a:solidFill>
-                  <a:schemeClr val="accent2"/>
-                </a:solidFill>
-              </a:rPr>
-              <a:t>用户 </a:t>
-            </a:r>
-            <a:r>
-              <a:rPr lang="en-US" altLang="zh-CN" sz="2400" b="1" dirty="0">
-                <a:solidFill>
-                  <a:schemeClr val="accent2"/>
-                </a:solidFill>
-              </a:rPr>
-              <a:t>– </a:t>
-            </a:r>
-            <a:r>
-              <a:rPr lang="zh-CN" altLang="en-US" sz="2400" b="1" dirty="0">
-                <a:solidFill>
-                  <a:schemeClr val="accent2"/>
-                </a:solidFill>
-              </a:rPr>
-              <a:t>概念 矩阵</a:t>
-            </a:r>
-          </a:p>
-        </p:txBody>
-      </p:sp>
-      <p:sp>
-        <p:nvSpPr>
-          <p:cNvPr id="8" name="文本框 7"/>
-          <p:cNvSpPr txBox="1"/>
-          <p:nvPr/>
-        </p:nvSpPr>
-        <p:spPr>
-          <a:xfrm>
-            <a:off x="5117526" y="3073195"/>
-            <a:ext cx="2109873" cy="461665"/>
-          </a:xfrm>
-          <a:prstGeom prst="rect">
-            <a:avLst/>
-          </a:prstGeom>
-          <a:noFill/>
-        </p:spPr>
-        <p:txBody>
-          <a:bodyPr wrap="none" rtlCol="0">
-            <a:spAutoFit/>
-          </a:bodyPr>
-          <a:lstStyle/>
-          <a:p>
-            <a:r>
-              <a:rPr lang="zh-CN" altLang="en-US" sz="2400" b="1" dirty="0">
-                <a:solidFill>
-                  <a:schemeClr val="accent2"/>
-                </a:solidFill>
-              </a:rPr>
-              <a:t>概念强度矩阵</a:t>
-            </a:r>
-          </a:p>
-        </p:txBody>
-      </p:sp>
-      <p:sp>
-        <p:nvSpPr>
-          <p:cNvPr id="9" name="文本框 8"/>
-          <p:cNvSpPr txBox="1"/>
-          <p:nvPr/>
-        </p:nvSpPr>
-        <p:spPr>
-          <a:xfrm>
-            <a:off x="5827593" y="6042671"/>
-            <a:ext cx="2440092" cy="461665"/>
-          </a:xfrm>
-          <a:prstGeom prst="rect">
-            <a:avLst/>
-          </a:prstGeom>
-          <a:noFill/>
-        </p:spPr>
-        <p:txBody>
-          <a:bodyPr wrap="none" rtlCol="0">
-            <a:spAutoFit/>
-          </a:bodyPr>
-          <a:lstStyle/>
-          <a:p>
-            <a:r>
-              <a:rPr lang="zh-CN" altLang="en-US" sz="2400" b="1" dirty="0">
-                <a:solidFill>
-                  <a:schemeClr val="accent2"/>
-                </a:solidFill>
-              </a:rPr>
-              <a:t>电影 </a:t>
-            </a:r>
-            <a:r>
-              <a:rPr lang="en-US" altLang="zh-CN" sz="2400" b="1" dirty="0">
-                <a:solidFill>
-                  <a:schemeClr val="accent2"/>
-                </a:solidFill>
-              </a:rPr>
-              <a:t>– </a:t>
-            </a:r>
-            <a:r>
-              <a:rPr lang="zh-CN" altLang="en-US" sz="2400" b="1" dirty="0">
-                <a:solidFill>
-                  <a:schemeClr val="accent2"/>
-                </a:solidFill>
-              </a:rPr>
-              <a:t>概念 矩阵</a:t>
+              <a:rPr lang="zh-CN" altLang="en-US" sz="3200" b="1" dirty="0"/>
+              <a:t>误差评估</a:t>
             </a:r>
           </a:p>
         </p:txBody>
@@ -3116,7 +3058,7 @@
     </p:spTree>
     <p:extLst>
       <p:ext uri="{BB962C8B-B14F-4D97-AF65-F5344CB8AC3E}">
-        <p14:creationId xmlns:p14="http://schemas.microsoft.com/office/powerpoint/2010/main" val="195295800"/>
+        <p14:creationId xmlns:p14="http://schemas.microsoft.com/office/powerpoint/2010/main" val="1303820419"/>
       </p:ext>
     </p:extLst>
   </p:cSld>
@@ -3160,7 +3102,7 @@
           <a:p>
             <a:r>
               <a:rPr lang="zh-CN" altLang="en-US" dirty="0"/>
-              <a:t>降维结果</a:t>
+              <a:t>降维</a:t>
             </a:r>
           </a:p>
         </p:txBody>
@@ -3200,95 +3142,18 @@
         </p:blipFill>
         <p:spPr>
           <a:xfrm>
-            <a:off x="559477" y="1476191"/>
-            <a:ext cx="8025046" cy="3353354"/>
+            <a:off x="672152" y="1690689"/>
+            <a:ext cx="7799696" cy="4690158"/>
           </a:xfrm>
           <a:prstGeom prst="rect">
             <a:avLst/>
           </a:prstGeom>
         </p:spPr>
       </p:pic>
-      <p:pic>
-        <p:nvPicPr>
-          <p:cNvPr id="5" name="图片 4"/>
-          <p:cNvPicPr>
-            <a:picLocks noChangeAspect="1"/>
-          </p:cNvPicPr>
-          <p:nvPr/>
-        </p:nvPicPr>
-        <p:blipFill>
-          <a:blip r:embed="rId3"/>
-          <a:stretch>
-            <a:fillRect/>
-          </a:stretch>
-        </p:blipFill>
-        <p:spPr>
-          <a:xfrm>
-            <a:off x="443483" y="5503255"/>
-            <a:ext cx="3045209" cy="1104899"/>
-          </a:xfrm>
-          <a:prstGeom prst="rect">
-            <a:avLst/>
-          </a:prstGeom>
-        </p:spPr>
-      </p:pic>
-      <p:pic>
-        <p:nvPicPr>
-          <p:cNvPr id="6" name="图片 5"/>
-          <p:cNvPicPr>
-            <a:picLocks noChangeAspect="1"/>
-          </p:cNvPicPr>
-          <p:nvPr/>
-        </p:nvPicPr>
-        <p:blipFill>
-          <a:blip r:embed="rId4"/>
-          <a:stretch>
-            <a:fillRect/>
-          </a:stretch>
-        </p:blipFill>
-        <p:spPr>
-          <a:xfrm>
-            <a:off x="4095750" y="5592188"/>
-            <a:ext cx="4419600" cy="1038225"/>
-          </a:xfrm>
-          <a:prstGeom prst="rect">
-            <a:avLst/>
-          </a:prstGeom>
-        </p:spPr>
-      </p:pic>
-      <p:sp>
-        <p:nvSpPr>
-          <p:cNvPr id="7" name="文本框 6"/>
-          <p:cNvSpPr txBox="1"/>
-          <p:nvPr/>
-        </p:nvSpPr>
-        <p:spPr>
-          <a:xfrm>
-            <a:off x="3077478" y="4918480"/>
-            <a:ext cx="1832553" cy="584775"/>
-          </a:xfrm>
-          <a:prstGeom prst="rect">
-            <a:avLst/>
-          </a:prstGeom>
-          <a:noFill/>
-        </p:spPr>
-        <p:txBody>
-          <a:bodyPr wrap="none" rtlCol="0">
-            <a:spAutoFit/>
-          </a:bodyPr>
-          <a:lstStyle/>
-          <a:p>
-            <a:r>
-              <a:rPr lang="zh-CN" altLang="en-US" sz="3200" b="1" dirty="0"/>
-              <a:t>误差评估</a:t>
-            </a:r>
-          </a:p>
-        </p:txBody>
-      </p:sp>
     </p:spTree>
     <p:extLst>
       <p:ext uri="{BB962C8B-B14F-4D97-AF65-F5344CB8AC3E}">
-        <p14:creationId xmlns:p14="http://schemas.microsoft.com/office/powerpoint/2010/main" val="1303820419"/>
+        <p14:creationId xmlns:p14="http://schemas.microsoft.com/office/powerpoint/2010/main" val="1033523052"/>
       </p:ext>
     </p:extLst>
   </p:cSld>
@@ -3332,7 +3197,7 @@
           <a:p>
             <a:r>
               <a:rPr lang="zh-CN" altLang="en-US" dirty="0"/>
-              <a:t>降维</a:t>
+              <a:t>实践中</a:t>
             </a:r>
           </a:p>
         </p:txBody>
@@ -3352,7 +3217,86 @@
           <a:bodyPr/>
           <a:lstStyle/>
           <a:p>
-            <a:endParaRPr lang="zh-CN" altLang="en-US"/>
+            <a:r>
+              <a:rPr lang="zh-CN" altLang="en-US" dirty="0"/>
+              <a:t>保持</a:t>
+            </a:r>
+            <a:r>
+              <a:rPr lang="en-US" altLang="zh-CN" dirty="0"/>
+              <a:t>80</a:t>
+            </a:r>
+            <a:r>
+              <a:rPr lang="zh-CN" altLang="en-US" dirty="0"/>
+              <a:t>～</a:t>
+            </a:r>
+            <a:r>
+              <a:rPr lang="en-US" altLang="zh-CN" dirty="0"/>
+              <a:t>90%</a:t>
+            </a:r>
+            <a:r>
+              <a:rPr lang="zh-CN" altLang="en-US" dirty="0"/>
+              <a:t>的能量</a:t>
+            </a:r>
+            <a:endParaRPr lang="en-US" altLang="zh-CN" dirty="0"/>
+          </a:p>
+          <a:p>
+            <a:endParaRPr lang="en-US" altLang="zh-CN" dirty="0"/>
+          </a:p>
+          <a:p>
+            <a:endParaRPr lang="en-US" altLang="zh-CN" dirty="0"/>
+          </a:p>
+          <a:p>
+            <a:r>
+              <a:rPr lang="zh-CN" altLang="en-US" dirty="0"/>
+              <a:t>计算复杂度</a:t>
+            </a:r>
+            <a:endParaRPr lang="en-US" altLang="zh-CN" dirty="0"/>
+          </a:p>
+          <a:p>
+            <a:endParaRPr lang="en-US" altLang="zh-CN" dirty="0"/>
+          </a:p>
+          <a:p>
+            <a:pPr lvl="1"/>
+            <a:r>
+              <a:rPr lang="zh-CN" altLang="en-US" dirty="0"/>
+              <a:t>看哪个小</a:t>
+            </a:r>
+            <a:endParaRPr lang="en-US" altLang="zh-CN" dirty="0"/>
+          </a:p>
+          <a:p>
+            <a:r>
+              <a:rPr lang="en-US" altLang="zh-CN" dirty="0"/>
+              <a:t>LINPACK, </a:t>
+            </a:r>
+            <a:r>
+              <a:rPr lang="en-US" altLang="zh-CN" dirty="0" err="1"/>
+              <a:t>Matlab</a:t>
+            </a:r>
+            <a:r>
+              <a:rPr lang="en-US" altLang="zh-CN" dirty="0"/>
+              <a:t>, </a:t>
+            </a:r>
+            <a:r>
+              <a:rPr lang="en-US" altLang="zh-CN" dirty="0" err="1"/>
+              <a:t>SPlus</a:t>
+            </a:r>
+            <a:r>
+              <a:rPr lang="en-US" altLang="zh-CN" dirty="0"/>
+              <a:t>, </a:t>
+            </a:r>
+            <a:r>
+              <a:rPr lang="en-US" altLang="zh-CN" dirty="0" err="1"/>
+              <a:t>Mathematica</a:t>
+            </a:r>
+            <a:r>
+              <a:rPr lang="zh-CN" altLang="en-US" dirty="0"/>
+              <a:t>都有实现</a:t>
+            </a:r>
+            <a:endParaRPr lang="en-US" altLang="zh-CN" dirty="0"/>
+          </a:p>
+          <a:p>
+            <a:pPr lvl="1"/>
+            <a:endParaRPr lang="zh-CN" altLang="en-US" dirty="0"/>
           </a:p>
         </p:txBody>
       </p:sp>
@@ -3372,8 +3316,32 @@
         </p:blipFill>
         <p:spPr>
           <a:xfrm>
-            <a:off x="672152" y="1690689"/>
-            <a:ext cx="7799696" cy="4690158"/>
+            <a:off x="3351167" y="2427668"/>
+            <a:ext cx="885825" cy="571500"/>
+          </a:xfrm>
+          <a:prstGeom prst="rect">
+            <a:avLst/>
+          </a:prstGeom>
+        </p:spPr>
+      </p:pic>
+      <p:pic>
+        <p:nvPicPr>
+          <p:cNvPr id="5" name="图片 4"/>
+          <p:cNvPicPr>
+            <a:picLocks noChangeAspect="1"/>
+          </p:cNvPicPr>
+          <p:nvPr/>
+        </p:nvPicPr>
+        <p:blipFill>
+          <a:blip r:embed="rId3"/>
+          <a:stretch>
+            <a:fillRect/>
+          </a:stretch>
+        </p:blipFill>
+        <p:spPr>
+          <a:xfrm>
+            <a:off x="2909889" y="3730815"/>
+            <a:ext cx="3324225" cy="571500"/>
           </a:xfrm>
           <a:prstGeom prst="rect">
             <a:avLst/>
@@ -3383,7 +3351,7 @@
     </p:spTree>
     <p:extLst>
       <p:ext uri="{BB962C8B-B14F-4D97-AF65-F5344CB8AC3E}">
-        <p14:creationId xmlns:p14="http://schemas.microsoft.com/office/powerpoint/2010/main" val="1033523052"/>
+        <p14:creationId xmlns:p14="http://schemas.microsoft.com/office/powerpoint/2010/main" val="401710309"/>
       </p:ext>
     </p:extLst>
   </p:cSld>
@@ -3427,7 +3395,7 @@
           <a:p>
             <a:r>
               <a:rPr lang="zh-CN" altLang="en-US" dirty="0"/>
-              <a:t>实践中</a:t>
+              <a:t>应用</a:t>
             </a:r>
           </a:p>
         </p:txBody>
@@ -3449,84 +3417,46 @@
           <a:p>
             <a:r>
               <a:rPr lang="zh-CN" altLang="en-US" dirty="0"/>
-              <a:t>保持</a:t>
+              <a:t>已知：李老师喜欢</a:t>
             </a:r>
             <a:r>
               <a:rPr lang="en-US" altLang="zh-CN" dirty="0"/>
-              <a:t>80</a:t>
-            </a:r>
-            <a:r>
-              <a:rPr lang="zh-CN" altLang="en-US" dirty="0"/>
-              <a:t>～</a:t>
+              <a:t>Matrix</a:t>
+            </a:r>
+            <a:r>
+              <a:rPr lang="zh-CN" altLang="en-US" dirty="0"/>
+              <a:t>，给它评分为</a:t>
             </a:r>
             <a:r>
               <a:rPr lang="en-US" altLang="zh-CN" dirty="0"/>
-              <a:t>90%</a:t>
-            </a:r>
-            <a:r>
-              <a:rPr lang="zh-CN" altLang="en-US" dirty="0"/>
-              <a:t>的能量</a:t>
+              <a:t>5</a:t>
+            </a:r>
+            <a:r>
+              <a:rPr lang="zh-CN" altLang="en-US" dirty="0"/>
+              <a:t>，</a:t>
             </a:r>
             <a:endParaRPr lang="en-US" altLang="zh-CN" dirty="0"/>
           </a:p>
           <a:p>
+            <a:r>
+              <a:rPr lang="zh-CN" altLang="en-US" dirty="0"/>
+              <a:t>问：李老师喜欢什么类型的片</a:t>
+            </a:r>
+            <a:r>
+              <a:rPr lang="en-US" altLang="zh-CN" dirty="0"/>
+              <a:t>?</a:t>
+            </a:r>
+          </a:p>
+          <a:p>
+            <a:r>
+              <a:rPr lang="en-US" altLang="zh-CN" dirty="0" err="1"/>
+              <a:t>qV</a:t>
+            </a:r>
+            <a:r>
+              <a:rPr lang="zh-CN" altLang="en-US" dirty="0"/>
+              <a:t>计算，把李老师投影到概念空间上</a:t>
+            </a:r>
             <a:endParaRPr lang="en-US" altLang="zh-CN" dirty="0"/>
-          </a:p>
-          <a:p>
-            <a:endParaRPr lang="en-US" altLang="zh-CN" dirty="0"/>
-          </a:p>
-          <a:p>
-            <a:r>
-              <a:rPr lang="zh-CN" altLang="en-US" dirty="0"/>
-              <a:t>计算复杂度</a:t>
-            </a:r>
-            <a:endParaRPr lang="en-US" altLang="zh-CN" dirty="0"/>
-          </a:p>
-          <a:p>
-            <a:endParaRPr lang="en-US" altLang="zh-CN" dirty="0"/>
-          </a:p>
-          <a:p>
-            <a:pPr lvl="1"/>
-            <a:r>
-              <a:rPr lang="zh-CN" altLang="en-US" dirty="0"/>
-              <a:t>看哪个小</a:t>
-            </a:r>
-            <a:endParaRPr lang="en-US" altLang="zh-CN" dirty="0"/>
-          </a:p>
-          <a:p>
-            <a:r>
-              <a:rPr lang="en-US" altLang="zh-CN" dirty="0"/>
-              <a:t>LINPACK, </a:t>
-            </a:r>
-            <a:r>
-              <a:rPr lang="en-US" altLang="zh-CN" dirty="0" err="1"/>
-              <a:t>Matlab</a:t>
-            </a:r>
-            <a:r>
-              <a:rPr lang="en-US" altLang="zh-CN" dirty="0"/>
-              <a:t>, </a:t>
-            </a:r>
-            <a:r>
-              <a:rPr lang="en-US" altLang="zh-CN" dirty="0" err="1"/>
-              <a:t>SPlus</a:t>
-            </a:r>
-            <a:r>
-              <a:rPr lang="en-US" altLang="zh-CN" dirty="0"/>
-              <a:t>, </a:t>
-            </a:r>
-            <a:r>
-              <a:rPr lang="en-US" altLang="zh-CN" dirty="0" err="1"/>
-              <a:t>Mathematica</a:t>
-            </a:r>
-            <a:r>
-              <a:rPr lang="zh-CN" altLang="en-US" dirty="0"/>
-              <a:t>都有实现</a:t>
-            </a:r>
-            <a:endParaRPr lang="en-US" altLang="zh-CN" dirty="0"/>
-          </a:p>
-          <a:p>
-            <a:pPr lvl="1"/>
-            <a:endParaRPr lang="zh-CN" altLang="en-US" dirty="0"/>
           </a:p>
         </p:txBody>
       </p:sp>
@@ -3546,32 +3476,8 @@
         </p:blipFill>
         <p:spPr>
           <a:xfrm>
-            <a:off x="3351167" y="2427668"/>
-            <a:ext cx="885825" cy="571500"/>
-          </a:xfrm>
-          <a:prstGeom prst="rect">
-            <a:avLst/>
-          </a:prstGeom>
-        </p:spPr>
-      </p:pic>
-      <p:pic>
-        <p:nvPicPr>
-          <p:cNvPr id="5" name="图片 4"/>
-          <p:cNvPicPr>
-            <a:picLocks noChangeAspect="1"/>
-          </p:cNvPicPr>
-          <p:nvPr/>
-        </p:nvPicPr>
-        <p:blipFill>
-          <a:blip r:embed="rId3"/>
-          <a:stretch>
-            <a:fillRect/>
-          </a:stretch>
-        </p:blipFill>
-        <p:spPr>
-          <a:xfrm>
-            <a:off x="2909889" y="3730815"/>
-            <a:ext cx="3324225" cy="571500"/>
+            <a:off x="778421" y="3457423"/>
+            <a:ext cx="7887909" cy="3093149"/>
           </a:xfrm>
           <a:prstGeom prst="rect">
             <a:avLst/>
@@ -3581,7 +3487,7 @@
     </p:spTree>
     <p:extLst>
       <p:ext uri="{BB962C8B-B14F-4D97-AF65-F5344CB8AC3E}">
-        <p14:creationId xmlns:p14="http://schemas.microsoft.com/office/powerpoint/2010/main" val="401710309"/>
+        <p14:creationId xmlns:p14="http://schemas.microsoft.com/office/powerpoint/2010/main" val="3713240641"/>
       </p:ext>
     </p:extLst>
   </p:cSld>
@@ -3640,53 +3546,107 @@
             <p:ph idx="1"/>
           </p:nvPr>
         </p:nvSpPr>
-        <p:spPr/>
-        <p:txBody>
-          <a:bodyPr/>
-          <a:lstStyle/>
-          <a:p>
-            <a:r>
-              <a:rPr lang="zh-CN" altLang="en-US" dirty="0"/>
-              <a:t>已知：李老师喜欢</a:t>
-            </a:r>
-            <a:r>
-              <a:rPr lang="en-US" altLang="zh-CN" dirty="0"/>
-              <a:t>Matrix</a:t>
-            </a:r>
-            <a:r>
-              <a:rPr lang="zh-CN" altLang="en-US" dirty="0"/>
-              <a:t>，给它评分为</a:t>
-            </a:r>
-            <a:r>
-              <a:rPr lang="en-US" altLang="zh-CN" dirty="0"/>
-              <a:t>5</a:t>
-            </a:r>
-            <a:r>
-              <a:rPr lang="zh-CN" altLang="en-US" dirty="0"/>
-              <a:t>，</a:t>
+        <p:spPr>
+          <a:xfrm>
+            <a:off x="628650" y="1583142"/>
+            <a:ext cx="7886700" cy="4593823"/>
+          </a:xfrm>
+        </p:spPr>
+        <p:txBody>
+          <a:bodyPr>
+            <a:normAutofit/>
+          </a:bodyPr>
+          <a:lstStyle/>
+          <a:p>
+            <a:r>
+              <a:rPr lang="zh-CN" altLang="en-US" dirty="0"/>
+              <a:t>给李老师推荐什么片？</a:t>
             </a:r>
             <a:endParaRPr lang="en-US" altLang="zh-CN" dirty="0"/>
           </a:p>
           <a:p>
             <a:r>
               <a:rPr lang="zh-CN" altLang="en-US" dirty="0"/>
-              <a:t>问：李老师喜欢什么类型的片</a:t>
-            </a:r>
-            <a:r>
-              <a:rPr lang="en-US" altLang="zh-CN" dirty="0"/>
-              <a:t>?</a:t>
-            </a:r>
-          </a:p>
-          <a:p>
+              <a:t>把李老师的概念向量</a:t>
+            </a:r>
             <a:r>
               <a:rPr lang="en-US" altLang="zh-CN" dirty="0" err="1"/>
               <a:t>qV</a:t>
             </a:r>
             <a:r>
               <a:rPr lang="zh-CN" altLang="en-US" dirty="0"/>
-              <a:t>计算，把李老师投影到概念空间上</a:t>
+              <a:t>，乘视频的概念向量</a:t>
+            </a:r>
+            <a:r>
+              <a:rPr lang="en-US" altLang="zh-CN" dirty="0"/>
+              <a:t>V</a:t>
+            </a:r>
+            <a:r>
+              <a:rPr lang="en-US" altLang="zh-CN" baseline="30000" dirty="0"/>
+              <a:t>T</a:t>
+            </a:r>
+            <a:r>
+              <a:rPr lang="zh-CN" altLang="en-US" dirty="0"/>
+              <a:t>，得到推荐的视频向量</a:t>
             </a:r>
             <a:endParaRPr lang="en-US" altLang="zh-CN" dirty="0"/>
+          </a:p>
+          <a:p>
+            <a:endParaRPr lang="en-US" altLang="zh-CN" dirty="0"/>
+          </a:p>
+          <a:p>
+            <a:endParaRPr lang="en-US" altLang="zh-CN" dirty="0"/>
+          </a:p>
+          <a:p>
+            <a:endParaRPr lang="en-US" altLang="zh-CN" dirty="0"/>
+          </a:p>
+          <a:p>
+            <a:pPr marL="0" indent="0">
+              <a:buNone/>
+            </a:pPr>
+            <a:endParaRPr lang="en-US" altLang="zh-CN" dirty="0"/>
+          </a:p>
+          <a:p>
+            <a:pPr marL="0" indent="0">
+              <a:buNone/>
+            </a:pPr>
+            <a:r>
+              <a:rPr lang="en-US" altLang="zh-CN" dirty="0"/>
+              <a:t>               </a:t>
+            </a:r>
+            <a:r>
+              <a:rPr lang="en-US" altLang="zh-CN" sz="3200" dirty="0"/>
+              <a:t>   = [1.64    1.64    1.64   -0.16   -0.16]</a:t>
+            </a:r>
+            <a:endParaRPr lang="en-US" altLang="zh-CN" dirty="0"/>
+          </a:p>
+          <a:p>
+            <a:r>
+              <a:rPr lang="zh-CN" altLang="en-US" dirty="0"/>
+              <a:t>给他推荐</a:t>
+            </a:r>
+            <a:r>
+              <a:rPr lang="en-US" altLang="zh-CN" dirty="0"/>
+              <a:t>《</a:t>
+            </a:r>
+            <a:r>
+              <a:rPr lang="zh-CN" altLang="en-US" dirty="0"/>
+              <a:t>异形</a:t>
+            </a:r>
+            <a:r>
+              <a:rPr lang="en-US" altLang="zh-CN" dirty="0"/>
+              <a:t>》 </a:t>
+            </a:r>
+            <a:r>
+              <a:rPr lang="zh-CN" altLang="en-US" dirty="0">
+                <a:sym typeface="Wingdings" panose="05000000000000000000" pitchFamily="2" charset="2"/>
+              </a:rPr>
+              <a:t></a:t>
+            </a:r>
+            <a:endParaRPr lang="en-US" altLang="zh-CN" dirty="0"/>
+          </a:p>
+          <a:p>
+            <a:endParaRPr lang="zh-CN" altLang="en-US" dirty="0"/>
           </a:p>
         </p:txBody>
       </p:sp>
@@ -3706,8 +3666,56 @@
         </p:blipFill>
         <p:spPr>
           <a:xfrm>
-            <a:off x="778421" y="3457423"/>
-            <a:ext cx="7887909" cy="3093149"/>
+            <a:off x="847016" y="3622772"/>
+            <a:ext cx="1855243" cy="745269"/>
+          </a:xfrm>
+          <a:prstGeom prst="rect">
+            <a:avLst/>
+          </a:prstGeom>
+        </p:spPr>
+      </p:pic>
+      <p:pic>
+        <p:nvPicPr>
+          <p:cNvPr id="5" name="图片 4"/>
+          <p:cNvPicPr>
+            <a:picLocks noChangeAspect="1"/>
+          </p:cNvPicPr>
+          <p:nvPr/>
+        </p:nvPicPr>
+        <p:blipFill>
+          <a:blip r:embed="rId3"/>
+          <a:stretch>
+            <a:fillRect/>
+          </a:stretch>
+        </p:blipFill>
+        <p:spPr>
+          <a:xfrm>
+            <a:off x="2702259" y="3819193"/>
+            <a:ext cx="447675" cy="352425"/>
+          </a:xfrm>
+          <a:prstGeom prst="rect">
+            <a:avLst/>
+          </a:prstGeom>
+        </p:spPr>
+      </p:pic>
+      <p:pic>
+        <p:nvPicPr>
+          <p:cNvPr id="6" name="图片 5"/>
+          <p:cNvPicPr>
+            <a:picLocks noChangeAspect="1"/>
+          </p:cNvPicPr>
+          <p:nvPr/>
+        </p:nvPicPr>
+        <p:blipFill>
+          <a:blip r:embed="rId4"/>
+          <a:stretch>
+            <a:fillRect/>
+          </a:stretch>
+        </p:blipFill>
+        <p:spPr>
+          <a:xfrm>
+            <a:off x="3331975" y="3276267"/>
+            <a:ext cx="4772025" cy="1438275"/>
           </a:xfrm>
           <a:prstGeom prst="rect">
             <a:avLst/>
@@ -3717,7 +3725,7 @@
     </p:spTree>
     <p:extLst>
       <p:ext uri="{BB962C8B-B14F-4D97-AF65-F5344CB8AC3E}">
-        <p14:creationId xmlns:p14="http://schemas.microsoft.com/office/powerpoint/2010/main" val="3713240641"/>
+        <p14:creationId xmlns:p14="http://schemas.microsoft.com/office/powerpoint/2010/main" val="4015906766"/>
       </p:ext>
     </p:extLst>
   </p:cSld>
@@ -3761,7 +3769,7 @@
           <a:p>
             <a:r>
               <a:rPr lang="zh-CN" altLang="en-US" dirty="0"/>
-              <a:t>应用</a:t>
+              <a:t>练习</a:t>
             </a:r>
           </a:p>
         </p:txBody>
@@ -3776,12 +3784,7 @@
             <p:ph idx="1"/>
           </p:nvPr>
         </p:nvSpPr>
-        <p:spPr>
-          <a:xfrm>
-            <a:off x="628650" y="1583142"/>
-            <a:ext cx="7886700" cy="4593823"/>
-          </a:xfrm>
-        </p:spPr>
+        <p:spPr/>
         <p:txBody>
           <a:bodyPr>
             <a:normAutofit/>
@@ -3789,173 +3792,26 @@
           <a:lstStyle/>
           <a:p>
             <a:r>
-              <a:rPr lang="zh-CN" altLang="en-US" dirty="0"/>
-              <a:t>给李老师推荐什么片？</a:t>
-            </a:r>
+              <a:rPr lang="en-US" altLang="zh-CN" dirty="0"/>
+              <a:t>11.3.2</a:t>
+            </a:r>
+          </a:p>
+          <a:p>
             <a:endParaRPr lang="en-US" altLang="zh-CN" dirty="0"/>
           </a:p>
           <a:p>
             <a:r>
-              <a:rPr lang="zh-CN" altLang="en-US" dirty="0"/>
-              <a:t>把李老师的概念向量</a:t>
-            </a:r>
-            <a:r>
-              <a:rPr lang="en-US" altLang="zh-CN" dirty="0" err="1"/>
-              <a:t>qV</a:t>
-            </a:r>
-            <a:r>
-              <a:rPr lang="zh-CN" altLang="en-US" dirty="0"/>
-              <a:t>，乘视频的概念向量</a:t>
-            </a:r>
-            <a:r>
               <a:rPr lang="en-US" altLang="zh-CN" dirty="0"/>
-              <a:t>V</a:t>
-            </a:r>
-            <a:r>
-              <a:rPr lang="en-US" altLang="zh-CN" baseline="30000" dirty="0"/>
-              <a:t>T</a:t>
-            </a:r>
-            <a:r>
-              <a:rPr lang="zh-CN" altLang="en-US" dirty="0"/>
-              <a:t>，得到推荐的视频向量</a:t>
-            </a:r>
-            <a:endParaRPr lang="en-US" altLang="zh-CN" dirty="0"/>
-          </a:p>
-          <a:p>
-            <a:endParaRPr lang="en-US" altLang="zh-CN" dirty="0"/>
-          </a:p>
-          <a:p>
-            <a:endParaRPr lang="en-US" altLang="zh-CN" dirty="0"/>
-          </a:p>
-          <a:p>
-            <a:endParaRPr lang="en-US" altLang="zh-CN" dirty="0"/>
-          </a:p>
-          <a:p>
-            <a:pPr marL="0" indent="0">
-              <a:buNone/>
-            </a:pPr>
-            <a:endParaRPr lang="en-US" altLang="zh-CN" dirty="0"/>
-          </a:p>
-          <a:p>
-            <a:pPr marL="0" indent="0">
-              <a:buNone/>
-            </a:pPr>
-            <a:r>
-              <a:rPr lang="en-US" altLang="zh-CN" dirty="0"/>
-              <a:t>               </a:t>
-            </a:r>
-            <a:r>
-              <a:rPr lang="en-US" altLang="zh-CN" sz="3200" dirty="0"/>
-              <a:t>   = [1.64    1.64    1.64   -0.16   -0.16]</a:t>
-            </a:r>
-            <a:endParaRPr lang="en-US" altLang="zh-CN" dirty="0"/>
-          </a:p>
-          <a:p>
-            <a:r>
-              <a:rPr lang="zh-CN" altLang="en-US" dirty="0"/>
-              <a:t>给他推荐</a:t>
-            </a:r>
-            <a:r>
-              <a:rPr lang="en-US" altLang="zh-CN" dirty="0"/>
-              <a:t>《</a:t>
-            </a:r>
-            <a:r>
-              <a:rPr lang="zh-CN" altLang="en-US" dirty="0"/>
-              <a:t>异形</a:t>
-            </a:r>
-            <a:r>
-              <a:rPr lang="en-US" altLang="zh-CN" dirty="0"/>
-              <a:t>》 </a:t>
-            </a:r>
-            <a:r>
-              <a:rPr lang="zh-CN" altLang="en-US" dirty="0">
-                <a:sym typeface="Wingdings" panose="05000000000000000000" pitchFamily="2" charset="2"/>
-              </a:rPr>
-              <a:t></a:t>
-            </a:r>
-            <a:endParaRPr lang="en-US" altLang="zh-CN" dirty="0"/>
-          </a:p>
-          <a:p>
+              <a:t>Exercise 11.3.2 : Use the SVD from Fig. 11.7. Suppose Leslie assigns rating 3 to Alien and rating 4 to Titanic, giving us a representation of Leslie in “movie space” of [0, 3, 0, 0, 4]. Find the  representation of Leslie in concept space. What does that representation predict about how well Leslie would like the other movies appearing in our example data?</a:t>
+            </a:r>
             <a:endParaRPr lang="zh-CN" altLang="en-US" dirty="0"/>
           </a:p>
         </p:txBody>
       </p:sp>
-      <p:pic>
-        <p:nvPicPr>
-          <p:cNvPr id="4" name="图片 3"/>
-          <p:cNvPicPr>
-            <a:picLocks noChangeAspect="1"/>
-          </p:cNvPicPr>
-          <p:nvPr/>
-        </p:nvPicPr>
-        <p:blipFill>
-          <a:blip r:embed="rId2"/>
-          <a:stretch>
-            <a:fillRect/>
-          </a:stretch>
-        </p:blipFill>
-        <p:spPr>
-          <a:xfrm>
-            <a:off x="847016" y="3622772"/>
-            <a:ext cx="1855243" cy="745269"/>
-          </a:xfrm>
-          <a:prstGeom prst="rect">
-            <a:avLst/>
-          </a:prstGeom>
-        </p:spPr>
-      </p:pic>
-      <p:pic>
-        <p:nvPicPr>
-          <p:cNvPr id="5" name="图片 4"/>
-          <p:cNvPicPr>
-            <a:picLocks noChangeAspect="1"/>
-          </p:cNvPicPr>
-          <p:nvPr/>
-        </p:nvPicPr>
-        <p:blipFill>
-          <a:blip r:embed="rId3"/>
-          <a:stretch>
-            <a:fillRect/>
-          </a:stretch>
-        </p:blipFill>
-        <p:spPr>
-          <a:xfrm>
-            <a:off x="2702259" y="3819193"/>
-            <a:ext cx="447675" cy="352425"/>
-          </a:xfrm>
-          <a:prstGeom prst="rect">
-            <a:avLst/>
-          </a:prstGeom>
-        </p:spPr>
-      </p:pic>
-      <p:pic>
-        <p:nvPicPr>
-          <p:cNvPr id="6" name="图片 5"/>
-          <p:cNvPicPr>
-            <a:picLocks noChangeAspect="1"/>
-          </p:cNvPicPr>
-          <p:nvPr/>
-        </p:nvPicPr>
-        <p:blipFill>
-          <a:blip r:embed="rId4"/>
-          <a:stretch>
-            <a:fillRect/>
-          </a:stretch>
-        </p:blipFill>
-        <p:spPr>
-          <a:xfrm>
-            <a:off x="3331975" y="3276267"/>
-            <a:ext cx="4772025" cy="1438275"/>
-          </a:xfrm>
-          <a:prstGeom prst="rect">
-            <a:avLst/>
-          </a:prstGeom>
-        </p:spPr>
-      </p:pic>
     </p:spTree>
     <p:extLst>
       <p:ext uri="{BB962C8B-B14F-4D97-AF65-F5344CB8AC3E}">
-        <p14:creationId xmlns:p14="http://schemas.microsoft.com/office/powerpoint/2010/main" val="4015906766"/>
+        <p14:creationId xmlns:p14="http://schemas.microsoft.com/office/powerpoint/2010/main" val="2345942076"/>
       </p:ext>
     </p:extLst>
   </p:cSld>
@@ -3999,7 +3855,7 @@
           <a:p>
             <a:r>
               <a:rPr lang="zh-CN" altLang="en-US" dirty="0"/>
-              <a:t>练习</a:t>
+              <a:t>应用</a:t>
             </a:r>
           </a:p>
         </p:txBody>
@@ -4016,32 +3872,72 @@
         </p:nvSpPr>
         <p:spPr/>
         <p:txBody>
-          <a:bodyPr>
-            <a:normAutofit/>
-          </a:bodyPr>
-          <a:lstStyle/>
-          <a:p>
-            <a:r>
-              <a:rPr lang="en-US" altLang="zh-CN" dirty="0"/>
-              <a:t>11.3.2</a:t>
-            </a:r>
-          </a:p>
-          <a:p>
+          <a:bodyPr/>
+          <a:lstStyle/>
+          <a:p>
+            <a:r>
+              <a:rPr lang="zh-CN" altLang="en-US" dirty="0"/>
+              <a:t>寻找和李老师兴趣相同的人</a:t>
+            </a:r>
             <a:endParaRPr lang="en-US" altLang="zh-CN" dirty="0"/>
           </a:p>
           <a:p>
-            <a:r>
-              <a:rPr lang="en-US" altLang="zh-CN" dirty="0"/>
-              <a:t>Exercise 11.3.2 : Use the SVD from Fig. 11.7. Suppose Leslie assigns rating 3 to Alien and rating 4 to Titanic, giving us a representation of Leslie in “movie space” of [0, 3, 0, 0, 4]. Find the  representation of Leslie in concept space. What does that representation predict about how well Leslie would like the other movies appearing in our example data?</a:t>
-            </a:r>
+            <a:pPr lvl="1"/>
+            <a:r>
+              <a:rPr lang="zh-CN" altLang="en-US" sz="2800" dirty="0"/>
+              <a:t>他们虽然看的是不同的片，但发现了他们的兴趣相同</a:t>
+            </a:r>
+            <a:endParaRPr lang="en-US" altLang="zh-CN" sz="2800" dirty="0"/>
+          </a:p>
+          <a:p>
+            <a:pPr lvl="1"/>
+            <a:r>
+              <a:rPr lang="zh-CN" altLang="en-US" sz="2800" dirty="0"/>
+              <a:t>通过</a:t>
+            </a:r>
+            <a:r>
+              <a:rPr lang="en-US" altLang="zh-CN" sz="2800" dirty="0"/>
+              <a:t>UI</a:t>
+            </a:r>
+            <a:r>
+              <a:rPr lang="zh-CN" altLang="en-US" sz="2800" dirty="0"/>
+              <a:t>矩阵发现的</a:t>
+            </a:r>
+            <a:endParaRPr lang="en-US" altLang="zh-CN" dirty="0"/>
+          </a:p>
+          <a:p>
             <a:endParaRPr lang="zh-CN" altLang="en-US" dirty="0"/>
           </a:p>
         </p:txBody>
       </p:sp>
+      <p:pic>
+        <p:nvPicPr>
+          <p:cNvPr id="4" name="图片 3"/>
+          <p:cNvPicPr>
+            <a:picLocks noChangeAspect="1"/>
+          </p:cNvPicPr>
+          <p:nvPr/>
+        </p:nvPicPr>
+        <p:blipFill>
+          <a:blip r:embed="rId2"/>
+          <a:stretch>
+            <a:fillRect/>
+          </a:stretch>
+        </p:blipFill>
+        <p:spPr>
+          <a:xfrm>
+            <a:off x="835002" y="3698945"/>
+            <a:ext cx="7094348" cy="2612954"/>
+          </a:xfrm>
+          <a:prstGeom prst="rect">
+            <a:avLst/>
+          </a:prstGeom>
+        </p:spPr>
+      </p:pic>
     </p:spTree>
     <p:extLst>
       <p:ext uri="{BB962C8B-B14F-4D97-AF65-F5344CB8AC3E}">
-        <p14:creationId xmlns:p14="http://schemas.microsoft.com/office/powerpoint/2010/main" val="2345942076"/>
+        <p14:creationId xmlns:p14="http://schemas.microsoft.com/office/powerpoint/2010/main" val="3748163037"/>
       </p:ext>
     </p:extLst>
   </p:cSld>
@@ -4085,8 +3981,13 @@
           <a:p>
             <a:r>
               <a:rPr lang="zh-CN" altLang="en-US" dirty="0"/>
-              <a:t>应用</a:t>
-            </a:r>
+              <a:t>求</a:t>
+            </a:r>
+            <a:r>
+              <a:rPr lang="en-US" altLang="zh-CN" dirty="0"/>
+              <a:t>SVD</a:t>
+            </a:r>
+            <a:endParaRPr lang="zh-CN" altLang="en-US" dirty="0"/>
           </a:p>
         </p:txBody>
       </p:sp>
@@ -4102,38 +4003,82 @@
         </p:nvSpPr>
         <p:spPr/>
         <p:txBody>
-          <a:bodyPr/>
-          <a:lstStyle/>
-          <a:p>
-            <a:r>
-              <a:rPr lang="zh-CN" altLang="en-US" dirty="0"/>
-              <a:t>寻找和李老师兴趣相同的人</a:t>
+          <a:bodyPr>
+            <a:normAutofit/>
+          </a:bodyPr>
+          <a:lstStyle/>
+          <a:p>
+            <a:r>
+              <a:rPr lang="en-US" altLang="zh-CN" dirty="0"/>
+              <a:t>SVD</a:t>
+            </a:r>
+            <a:r>
+              <a:rPr lang="zh-CN" altLang="en-US" dirty="0"/>
+              <a:t>：</a:t>
             </a:r>
             <a:endParaRPr lang="en-US" altLang="zh-CN" dirty="0"/>
           </a:p>
           <a:p>
+            <a:endParaRPr lang="en-US" altLang="zh-CN" dirty="0"/>
+          </a:p>
+          <a:p>
+            <a:endParaRPr lang="en-US" altLang="zh-CN" dirty="0"/>
+          </a:p>
+          <a:p>
+            <a:endParaRPr lang="en-US" altLang="zh-CN" dirty="0"/>
+          </a:p>
+          <a:p>
+            <a:r>
+              <a:rPr lang="en-US" altLang="zh-CN" dirty="0"/>
+              <a:t>          </a:t>
+            </a:r>
+            <a:r>
+              <a:rPr lang="zh-CN" altLang="en-US" dirty="0"/>
+              <a:t>是             的特征值对角阵</a:t>
+            </a:r>
+            <a:endParaRPr lang="en-US" altLang="zh-CN" dirty="0"/>
+          </a:p>
+          <a:p>
+            <a:r>
+              <a:rPr lang="en-US" altLang="zh-CN" dirty="0"/>
+              <a:t>U</a:t>
+            </a:r>
+            <a:r>
+              <a:rPr lang="zh-CN" altLang="en-US" dirty="0"/>
+              <a:t>是            的特征向量矩阵</a:t>
+            </a:r>
+            <a:endParaRPr lang="en-US" altLang="zh-CN" dirty="0"/>
+          </a:p>
+          <a:p>
+            <a:r>
+              <a:rPr lang="en-US" altLang="zh-CN" dirty="0"/>
+              <a:t>V</a:t>
+            </a:r>
+            <a:r>
+              <a:rPr lang="zh-CN" altLang="en-US" dirty="0"/>
+              <a:t>是            的特征向量矩阵</a:t>
+            </a:r>
+            <a:endParaRPr lang="en-US" altLang="zh-CN" dirty="0"/>
+          </a:p>
+          <a:p>
             <a:pPr lvl="1"/>
             <a:r>
               <a:rPr lang="zh-CN" altLang="en-US" sz="2800" dirty="0"/>
-              <a:t>他们虽然看的是不同的片，但发现了他们的兴趣相同</a:t>
-            </a:r>
-            <a:endParaRPr lang="en-US" altLang="zh-CN" sz="2800" dirty="0"/>
-          </a:p>
-          <a:p>
-            <a:pPr lvl="1"/>
+              <a:t>就是</a:t>
+            </a:r>
+            <a:r>
+              <a:rPr lang="en-US" altLang="zh-CN" sz="2800" dirty="0"/>
+              <a:t>PCA</a:t>
+            </a:r>
             <a:r>
               <a:rPr lang="zh-CN" altLang="en-US" sz="2800" dirty="0"/>
-              <a:t>通过</a:t>
+              <a:t>的那个旋转矩阵</a:t>
             </a:r>
             <a:r>
               <a:rPr lang="en-US" altLang="zh-CN" sz="2800" dirty="0"/>
-              <a:t>UI</a:t>
-            </a:r>
-            <a:r>
-              <a:rPr lang="zh-CN" altLang="en-US" sz="2800" dirty="0"/>
-              <a:t>矩阵发现的</a:t>
-            </a:r>
-            <a:endParaRPr lang="en-US" altLang="zh-CN" dirty="0"/>
+              <a:t>E</a:t>
+            </a:r>
+            <a:endParaRPr lang="zh-CN" altLang="en-US" dirty="0"/>
           </a:p>
           <a:p>
             <a:endParaRPr lang="zh-CN" altLang="en-US" dirty="0"/>
@@ -4156,18 +4101,244 @@
         </p:blipFill>
         <p:spPr>
           <a:xfrm>
-            <a:off x="835002" y="3698945"/>
-            <a:ext cx="7094348" cy="2612954"/>
+            <a:off x="1889716" y="1763440"/>
+            <a:ext cx="2171700" cy="485775"/>
           </a:xfrm>
           <a:prstGeom prst="rect">
             <a:avLst/>
           </a:prstGeom>
         </p:spPr>
       </p:pic>
+      <p:pic>
+        <p:nvPicPr>
+          <p:cNvPr id="5" name="图片 4"/>
+          <p:cNvPicPr>
+            <a:picLocks noChangeAspect="1"/>
+          </p:cNvPicPr>
+          <p:nvPr/>
+        </p:nvPicPr>
+        <p:blipFill>
+          <a:blip r:embed="rId3"/>
+          <a:stretch>
+            <a:fillRect/>
+          </a:stretch>
+        </p:blipFill>
+        <p:spPr>
+          <a:xfrm>
+            <a:off x="803868" y="2557214"/>
+            <a:ext cx="7917053" cy="886647"/>
+          </a:xfrm>
+          <a:prstGeom prst="rect">
+            <a:avLst/>
+          </a:prstGeom>
+        </p:spPr>
+      </p:pic>
+      <p:pic>
+        <p:nvPicPr>
+          <p:cNvPr id="6" name="图片 5"/>
+          <p:cNvPicPr>
+            <a:picLocks noChangeAspect="1"/>
+          </p:cNvPicPr>
+          <p:nvPr/>
+        </p:nvPicPr>
+        <p:blipFill>
+          <a:blip r:embed="rId4"/>
+          <a:stretch>
+            <a:fillRect/>
+          </a:stretch>
+        </p:blipFill>
+        <p:spPr>
+          <a:xfrm>
+            <a:off x="1008585" y="3848718"/>
+            <a:ext cx="695325" cy="409575"/>
+          </a:xfrm>
+          <a:prstGeom prst="rect">
+            <a:avLst/>
+          </a:prstGeom>
+        </p:spPr>
+      </p:pic>
+      <p:pic>
+        <p:nvPicPr>
+          <p:cNvPr id="7" name="图片 6"/>
+          <p:cNvPicPr>
+            <a:picLocks noChangeAspect="1"/>
+          </p:cNvPicPr>
+          <p:nvPr/>
+        </p:nvPicPr>
+        <p:blipFill>
+          <a:blip r:embed="rId5"/>
+          <a:stretch>
+            <a:fillRect/>
+          </a:stretch>
+        </p:blipFill>
+        <p:spPr>
+          <a:xfrm>
+            <a:off x="2218403" y="3844936"/>
+            <a:ext cx="885825" cy="438150"/>
+          </a:xfrm>
+          <a:prstGeom prst="rect">
+            <a:avLst/>
+          </a:prstGeom>
+        </p:spPr>
+      </p:pic>
+      <p:pic>
+        <p:nvPicPr>
+          <p:cNvPr id="8" name="图片 7"/>
+          <p:cNvPicPr>
+            <a:picLocks noChangeAspect="1"/>
+          </p:cNvPicPr>
+          <p:nvPr/>
+        </p:nvPicPr>
+        <p:blipFill>
+          <a:blip r:embed="rId5"/>
+          <a:stretch>
+            <a:fillRect/>
+          </a:stretch>
+        </p:blipFill>
+        <p:spPr>
+          <a:xfrm>
+            <a:off x="1579233" y="4406875"/>
+            <a:ext cx="773587" cy="382634"/>
+          </a:xfrm>
+          <a:prstGeom prst="rect">
+            <a:avLst/>
+          </a:prstGeom>
+        </p:spPr>
+      </p:pic>
+      <p:pic>
+        <p:nvPicPr>
+          <p:cNvPr id="9" name="图片 8"/>
+          <p:cNvPicPr>
+            <a:picLocks noChangeAspect="1"/>
+          </p:cNvPicPr>
+          <p:nvPr/>
+        </p:nvPicPr>
+        <p:blipFill>
+          <a:blip r:embed="rId6"/>
+          <a:stretch>
+            <a:fillRect/>
+          </a:stretch>
+        </p:blipFill>
+        <p:spPr>
+          <a:xfrm>
+            <a:off x="1579233" y="4893343"/>
+            <a:ext cx="773587" cy="414706"/>
+          </a:xfrm>
+          <a:prstGeom prst="rect">
+            <a:avLst/>
+          </a:prstGeom>
+        </p:spPr>
+      </p:pic>
+      <p:pic>
+        <p:nvPicPr>
+          <p:cNvPr id="10" name="图片 9"/>
+          <p:cNvPicPr>
+            <a:picLocks noChangeAspect="1"/>
+          </p:cNvPicPr>
+          <p:nvPr/>
+        </p:nvPicPr>
+        <p:blipFill>
+          <a:blip r:embed="rId7"/>
+          <a:stretch>
+            <a:fillRect/>
+          </a:stretch>
+        </p:blipFill>
+        <p:spPr>
+          <a:xfrm>
+            <a:off x="5863186" y="4560909"/>
+            <a:ext cx="2371725" cy="457200"/>
+          </a:xfrm>
+          <a:prstGeom prst="rect">
+            <a:avLst/>
+          </a:prstGeom>
+        </p:spPr>
+      </p:pic>
+      <p:sp>
+        <p:nvSpPr>
+          <p:cNvPr id="11" name="文本框 10"/>
+          <p:cNvSpPr txBox="1"/>
+          <p:nvPr/>
+        </p:nvSpPr>
+        <p:spPr>
+          <a:xfrm>
+            <a:off x="1889716" y="5977248"/>
+            <a:ext cx="5570756" cy="523220"/>
+          </a:xfrm>
+          <a:prstGeom prst="rect">
+            <a:avLst/>
+          </a:prstGeom>
+          <a:noFill/>
+        </p:spPr>
+        <p:txBody>
+          <a:bodyPr wrap="none" rtlCol="0">
+            <a:spAutoFit/>
+          </a:bodyPr>
+          <a:lstStyle/>
+          <a:p>
+            <a:r>
+              <a:rPr lang="zh-CN" altLang="en-US" sz="2800" b="1" dirty="0">
+                <a:solidFill>
+                  <a:schemeClr val="accent5"/>
+                </a:solidFill>
+              </a:rPr>
+              <a:t>就可以用</a:t>
+            </a:r>
+            <a:r>
+              <a:rPr lang="en-US" altLang="zh-CN" sz="2800" b="1" dirty="0">
+                <a:solidFill>
+                  <a:schemeClr val="accent5"/>
+                </a:solidFill>
+              </a:rPr>
+              <a:t>Power Iteration</a:t>
+            </a:r>
+            <a:r>
+              <a:rPr lang="zh-CN" altLang="en-US" sz="2800" b="1" dirty="0">
+                <a:solidFill>
+                  <a:schemeClr val="accent5"/>
+                </a:solidFill>
+              </a:rPr>
+              <a:t>的方法解</a:t>
+            </a:r>
+          </a:p>
+        </p:txBody>
+      </p:sp>
+      <p:sp>
+        <p:nvSpPr>
+          <p:cNvPr id="13" name="文本框 12"/>
+          <p:cNvSpPr txBox="1"/>
+          <p:nvPr/>
+        </p:nvSpPr>
+        <p:spPr>
+          <a:xfrm>
+            <a:off x="6187275" y="4052255"/>
+            <a:ext cx="1723549" cy="461665"/>
+          </a:xfrm>
+          <a:prstGeom prst="rect">
+            <a:avLst/>
+          </a:prstGeom>
+          <a:noFill/>
+        </p:spPr>
+        <p:txBody>
+          <a:bodyPr wrap="none" rtlCol="0">
+            <a:spAutoFit/>
+          </a:bodyPr>
+          <a:lstStyle/>
+          <a:p>
+            <a:r>
+              <a:rPr lang="zh-CN" altLang="en-US" sz="2400" b="1" dirty="0">
+                <a:solidFill>
+                  <a:schemeClr val="accent5"/>
+                </a:solidFill>
+              </a:rPr>
+              <a:t>特征值分解</a:t>
+            </a:r>
+          </a:p>
+        </p:txBody>
+      </p:sp>
     </p:spTree>
     <p:extLst>
       <p:ext uri="{BB962C8B-B14F-4D97-AF65-F5344CB8AC3E}">
-        <p14:creationId xmlns:p14="http://schemas.microsoft.com/office/powerpoint/2010/main" val="3748163037"/>
+        <p14:creationId xmlns:p14="http://schemas.microsoft.com/office/powerpoint/2010/main" val="1252545970"/>
       </p:ext>
     </p:extLst>
   </p:cSld>
@@ -4211,24 +4382,19 @@
           <a:p>
             <a:r>
               <a:rPr lang="zh-CN" altLang="en-US" dirty="0"/>
-              <a:t>求</a:t>
-            </a:r>
-            <a:r>
-              <a:rPr lang="en-US" altLang="zh-CN" dirty="0"/>
-              <a:t>SVD</a:t>
-            </a:r>
-            <a:endParaRPr lang="zh-CN" altLang="en-US" dirty="0"/>
-          </a:p>
-        </p:txBody>
-      </p:sp>
-      <p:sp>
-        <p:nvSpPr>
-          <p:cNvPr id="3" name="内容占位符 2"/>
-          <p:cNvSpPr>
-            <a:spLocks noGrp="1"/>
-          </p:cNvSpPr>
-          <p:nvPr>
-            <p:ph idx="1"/>
+              <a:t>实现</a:t>
+            </a:r>
+          </a:p>
+        </p:txBody>
+      </p:sp>
+      <p:sp>
+        <p:nvSpPr>
+          <p:cNvPr id="3" name="文本占位符 2"/>
+          <p:cNvSpPr>
+            <a:spLocks noGrp="1"/>
+          </p:cNvSpPr>
+          <p:nvPr>
+            <p:ph type="body" idx="1"/>
           </p:nvPr>
         </p:nvSpPr>
         <p:spPr/>
@@ -4239,328 +4405,12 @@
           <a:lstStyle/>
           <a:p>
             <a:r>
-              <a:rPr lang="en-US" altLang="zh-CN" dirty="0"/>
-              <a:t>SVD</a:t>
-            </a:r>
-            <a:r>
-              <a:rPr lang="zh-CN" altLang="en-US" dirty="0"/>
-              <a:t>：</a:t>
-            </a:r>
-            <a:endParaRPr lang="en-US" altLang="zh-CN" dirty="0"/>
-          </a:p>
-          <a:p>
-            <a:endParaRPr lang="en-US" altLang="zh-CN" dirty="0"/>
-          </a:p>
-          <a:p>
-            <a:endParaRPr lang="en-US" altLang="zh-CN" dirty="0"/>
-          </a:p>
-          <a:p>
-            <a:endParaRPr lang="en-US" altLang="zh-CN" dirty="0"/>
-          </a:p>
-          <a:p>
-            <a:r>
-              <a:rPr lang="en-US" altLang="zh-CN" dirty="0"/>
-              <a:t>          </a:t>
-            </a:r>
-            <a:r>
-              <a:rPr lang="zh-CN" altLang="en-US" dirty="0"/>
-              <a:t>是             的特征值对角阵</a:t>
-            </a:r>
-            <a:endParaRPr lang="en-US" altLang="zh-CN" dirty="0"/>
-          </a:p>
-          <a:p>
-            <a:r>
-              <a:rPr lang="en-US" altLang="zh-CN" dirty="0"/>
-              <a:t>U</a:t>
-            </a:r>
-            <a:r>
-              <a:rPr lang="zh-CN" altLang="en-US" dirty="0"/>
-              <a:t>是            的特征向量矩阵</a:t>
-            </a:r>
-            <a:endParaRPr lang="en-US" altLang="zh-CN" dirty="0"/>
-          </a:p>
-          <a:p>
-            <a:r>
-              <a:rPr lang="en-US" altLang="zh-CN" dirty="0"/>
-              <a:t>V</a:t>
-            </a:r>
-            <a:r>
-              <a:rPr lang="zh-CN" altLang="en-US" dirty="0"/>
-              <a:t>是            的特征向量矩阵</a:t>
-            </a:r>
-            <a:endParaRPr lang="en-US" altLang="zh-CN" dirty="0"/>
-          </a:p>
-          <a:p>
-            <a:pPr lvl="1"/>
-            <a:r>
-              <a:rPr lang="zh-CN" altLang="en-US" sz="2800" dirty="0"/>
-              <a:t>就是</a:t>
-            </a:r>
-            <a:r>
-              <a:rPr lang="en-US" altLang="zh-CN" sz="2800" dirty="0"/>
-              <a:t>PCA</a:t>
-            </a:r>
-            <a:r>
-              <a:rPr lang="zh-CN" altLang="en-US" sz="2800" dirty="0"/>
-              <a:t>的那个旋转矩阵</a:t>
-            </a:r>
-            <a:r>
-              <a:rPr lang="en-US" altLang="zh-CN" sz="2800" dirty="0"/>
-              <a:t>E</a:t>
-            </a:r>
-            <a:endParaRPr lang="zh-CN" altLang="en-US" dirty="0"/>
-          </a:p>
-          <a:p>
-            <a:endParaRPr lang="zh-CN" altLang="en-US" dirty="0"/>
-          </a:p>
-        </p:txBody>
-      </p:sp>
-      <p:pic>
-        <p:nvPicPr>
-          <p:cNvPr id="4" name="图片 3"/>
-          <p:cNvPicPr>
-            <a:picLocks noChangeAspect="1"/>
-          </p:cNvPicPr>
-          <p:nvPr/>
-        </p:nvPicPr>
-        <p:blipFill>
-          <a:blip r:embed="rId2"/>
-          <a:stretch>
-            <a:fillRect/>
-          </a:stretch>
-        </p:blipFill>
-        <p:spPr>
-          <a:xfrm>
-            <a:off x="1889716" y="1763440"/>
-            <a:ext cx="2171700" cy="485775"/>
-          </a:xfrm>
-          <a:prstGeom prst="rect">
-            <a:avLst/>
-          </a:prstGeom>
-        </p:spPr>
-      </p:pic>
-      <p:pic>
-        <p:nvPicPr>
-          <p:cNvPr id="5" name="图片 4"/>
-          <p:cNvPicPr>
-            <a:picLocks noChangeAspect="1"/>
-          </p:cNvPicPr>
-          <p:nvPr/>
-        </p:nvPicPr>
-        <p:blipFill>
-          <a:blip r:embed="rId3"/>
-          <a:stretch>
-            <a:fillRect/>
-          </a:stretch>
-        </p:blipFill>
-        <p:spPr>
-          <a:xfrm>
-            <a:off x="803868" y="2557214"/>
-            <a:ext cx="7917053" cy="886647"/>
-          </a:xfrm>
-          <a:prstGeom prst="rect">
-            <a:avLst/>
-          </a:prstGeom>
-        </p:spPr>
-      </p:pic>
-      <p:pic>
-        <p:nvPicPr>
-          <p:cNvPr id="6" name="图片 5"/>
-          <p:cNvPicPr>
-            <a:picLocks noChangeAspect="1"/>
-          </p:cNvPicPr>
-          <p:nvPr/>
-        </p:nvPicPr>
-        <p:blipFill>
-          <a:blip r:embed="rId4"/>
-          <a:stretch>
-            <a:fillRect/>
-          </a:stretch>
-        </p:blipFill>
-        <p:spPr>
-          <a:xfrm>
-            <a:off x="1008585" y="3848718"/>
-            <a:ext cx="695325" cy="409575"/>
-          </a:xfrm>
-          <a:prstGeom prst="rect">
-            <a:avLst/>
-          </a:prstGeom>
-        </p:spPr>
-      </p:pic>
-      <p:pic>
-        <p:nvPicPr>
-          <p:cNvPr id="7" name="图片 6"/>
-          <p:cNvPicPr>
-            <a:picLocks noChangeAspect="1"/>
-          </p:cNvPicPr>
-          <p:nvPr/>
-        </p:nvPicPr>
-        <p:blipFill>
-          <a:blip r:embed="rId5"/>
-          <a:stretch>
-            <a:fillRect/>
-          </a:stretch>
-        </p:blipFill>
-        <p:spPr>
-          <a:xfrm>
-            <a:off x="2218403" y="3844936"/>
-            <a:ext cx="885825" cy="438150"/>
-          </a:xfrm>
-          <a:prstGeom prst="rect">
-            <a:avLst/>
-          </a:prstGeom>
-        </p:spPr>
-      </p:pic>
-      <p:pic>
-        <p:nvPicPr>
-          <p:cNvPr id="8" name="图片 7"/>
-          <p:cNvPicPr>
-            <a:picLocks noChangeAspect="1"/>
-          </p:cNvPicPr>
-          <p:nvPr/>
-        </p:nvPicPr>
-        <p:blipFill>
-          <a:blip r:embed="rId5"/>
-          <a:stretch>
-            <a:fillRect/>
-          </a:stretch>
-        </p:blipFill>
-        <p:spPr>
-          <a:xfrm>
-            <a:off x="1579233" y="4406875"/>
-            <a:ext cx="773587" cy="382634"/>
-          </a:xfrm>
-          <a:prstGeom prst="rect">
-            <a:avLst/>
-          </a:prstGeom>
-        </p:spPr>
-      </p:pic>
-      <p:pic>
-        <p:nvPicPr>
-          <p:cNvPr id="9" name="图片 8"/>
-          <p:cNvPicPr>
-            <a:picLocks noChangeAspect="1"/>
-          </p:cNvPicPr>
-          <p:nvPr/>
-        </p:nvPicPr>
-        <p:blipFill>
-          <a:blip r:embed="rId6"/>
-          <a:stretch>
-            <a:fillRect/>
-          </a:stretch>
-        </p:blipFill>
-        <p:spPr>
-          <a:xfrm>
-            <a:off x="1579233" y="4893343"/>
-            <a:ext cx="773587" cy="414706"/>
-          </a:xfrm>
-          <a:prstGeom prst="rect">
-            <a:avLst/>
-          </a:prstGeom>
-        </p:spPr>
-      </p:pic>
-      <p:pic>
-        <p:nvPicPr>
-          <p:cNvPr id="10" name="图片 9"/>
-          <p:cNvPicPr>
-            <a:picLocks noChangeAspect="1"/>
-          </p:cNvPicPr>
-          <p:nvPr/>
-        </p:nvPicPr>
-        <p:blipFill>
-          <a:blip r:embed="rId7"/>
-          <a:stretch>
-            <a:fillRect/>
-          </a:stretch>
-        </p:blipFill>
-        <p:spPr>
-          <a:xfrm>
-            <a:off x="5863186" y="4560909"/>
-            <a:ext cx="2371725" cy="457200"/>
-          </a:xfrm>
-          <a:prstGeom prst="rect">
-            <a:avLst/>
-          </a:prstGeom>
-        </p:spPr>
-      </p:pic>
-      <p:sp>
-        <p:nvSpPr>
-          <p:cNvPr id="11" name="文本框 10"/>
-          <p:cNvSpPr txBox="1"/>
-          <p:nvPr/>
-        </p:nvSpPr>
-        <p:spPr>
-          <a:xfrm>
-            <a:off x="1889716" y="5977248"/>
-            <a:ext cx="5570756" cy="523220"/>
-          </a:xfrm>
-          <a:prstGeom prst="rect">
-            <a:avLst/>
-          </a:prstGeom>
-          <a:noFill/>
-        </p:spPr>
-        <p:txBody>
-          <a:bodyPr wrap="none" rtlCol="0">
-            <a:spAutoFit/>
-          </a:bodyPr>
-          <a:lstStyle/>
-          <a:p>
-            <a:r>
-              <a:rPr lang="zh-CN" altLang="en-US" sz="2800" b="1" dirty="0">
+              <a:rPr lang="zh-CN" altLang="en-US" sz="3200" dirty="0">
                 <a:solidFill>
-                  <a:schemeClr val="accent5"/>
+                  <a:schemeClr val="tx1"/>
                 </a:solidFill>
               </a:rPr>
-              <a:t>就可以用</a:t>
-            </a:r>
-            <a:r>
-              <a:rPr lang="en-US" altLang="zh-CN" sz="2800" b="1" dirty="0">
-                <a:solidFill>
-                  <a:schemeClr val="accent5"/>
-                </a:solidFill>
-              </a:rPr>
-              <a:t>Power Iteration</a:t>
-            </a:r>
-            <a:r>
-              <a:rPr lang="zh-CN" altLang="en-US" sz="2800" b="1" dirty="0">
-                <a:solidFill>
-                  <a:schemeClr val="accent5"/>
-                </a:solidFill>
-              </a:rPr>
-              <a:t>的方法解</a:t>
-            </a:r>
-          </a:p>
-        </p:txBody>
-      </p:sp>
-      <p:sp>
-        <p:nvSpPr>
-          <p:cNvPr id="13" name="文本框 12"/>
-          <p:cNvSpPr txBox="1"/>
-          <p:nvPr/>
-        </p:nvSpPr>
-        <p:spPr>
-          <a:xfrm>
-            <a:off x="6187275" y="4052255"/>
-            <a:ext cx="1723549" cy="461665"/>
-          </a:xfrm>
-          <a:prstGeom prst="rect">
-            <a:avLst/>
-          </a:prstGeom>
-          <a:noFill/>
-        </p:spPr>
-        <p:txBody>
-          <a:bodyPr wrap="none" rtlCol="0">
-            <a:spAutoFit/>
-          </a:bodyPr>
-          <a:lstStyle/>
-          <a:p>
-            <a:r>
-              <a:rPr lang="zh-CN" altLang="en-US" sz="2400" b="1" dirty="0">
-                <a:solidFill>
-                  <a:schemeClr val="accent5"/>
-                </a:solidFill>
-              </a:rPr>
-              <a:t>特征值分解</a:t>
+              <a:t>特征值与特征向量的计算方法</a:t>
             </a:r>
           </a:p>
         </p:txBody>
@@ -4568,7 +4418,7 @@
     </p:spTree>
     <p:extLst>
       <p:ext uri="{BB962C8B-B14F-4D97-AF65-F5344CB8AC3E}">
-        <p14:creationId xmlns:p14="http://schemas.microsoft.com/office/powerpoint/2010/main" val="1252545970"/>
+        <p14:creationId xmlns:p14="http://schemas.microsoft.com/office/powerpoint/2010/main" val="972836973"/>
       </p:ext>
     </p:extLst>
   </p:cSld>
@@ -4597,7 +4447,13 @@
       </p:grpSpPr>
       <p:sp>
         <p:nvSpPr>
-          <p:cNvPr id="2" name="标题 1"/>
+          <p:cNvPr id="2" name="标题 1">
+            <a:extLst>
+              <a:ext uri="{FF2B5EF4-FFF2-40B4-BE49-F238E27FC236}">
+                <a16:creationId xmlns:a16="http://schemas.microsoft.com/office/drawing/2014/main" id="{1048DB61-21F1-2941-85AD-2231B3127EDF}"/>
+              </a:ext>
+            </a:extLst>
+          </p:cNvPr>
           <p:cNvSpPr>
             <a:spLocks noGrp="1"/>
           </p:cNvSpPr>
@@ -4611,19 +4467,21 @@
           <a:lstStyle/>
           <a:p>
             <a:r>
-              <a:rPr lang="en-US" altLang="zh-CN" dirty="0"/>
-              <a:t>SVD</a:t>
-            </a:r>
-            <a:r>
-              <a:rPr lang="zh-CN" altLang="en-US" dirty="0"/>
-              <a:t>的问题</a:t>
-            </a:r>
-          </a:p>
-        </p:txBody>
-      </p:sp>
-      <p:sp>
-        <p:nvSpPr>
-          <p:cNvPr id="3" name="内容占位符 2"/>
+              <a:rPr kumimoji="1" lang="zh-CN" altLang="en-US" dirty="0"/>
+              <a:t>实现</a:t>
+            </a:r>
+          </a:p>
+        </p:txBody>
+      </p:sp>
+      <p:sp>
+        <p:nvSpPr>
+          <p:cNvPr id="3" name="内容占位符 2">
+            <a:extLst>
+              <a:ext uri="{FF2B5EF4-FFF2-40B4-BE49-F238E27FC236}">
+                <a16:creationId xmlns:a16="http://schemas.microsoft.com/office/drawing/2014/main" id="{90588D28-0A8E-5A48-B52E-A0CD8FCEEEC3}"/>
+              </a:ext>
+            </a:extLst>
+          </p:cNvPr>
           <p:cNvSpPr>
             <a:spLocks noGrp="1"/>
           </p:cNvSpPr>
@@ -4637,59 +4495,80 @@
           <a:lstStyle/>
           <a:p>
             <a:r>
-              <a:rPr lang="zh-CN" altLang="en-US" dirty="0"/>
-              <a:t>结果难以解释</a:t>
-            </a:r>
-            <a:endParaRPr lang="en-US" altLang="zh-CN" dirty="0"/>
-          </a:p>
-          <a:p>
-            <a:pPr lvl="1"/>
-            <a:r>
-              <a:rPr lang="zh-CN" altLang="en-US" dirty="0"/>
-              <a:t>为什么这么多维？</a:t>
-            </a:r>
-            <a:endParaRPr lang="en-US" altLang="zh-CN" dirty="0"/>
-          </a:p>
-          <a:p>
-            <a:r>
-              <a:rPr lang="en-US" altLang="zh-CN" dirty="0"/>
-              <a:t>U</a:t>
-            </a:r>
-            <a:r>
-              <a:rPr lang="zh-CN" altLang="en-US" dirty="0"/>
-              <a:t>和</a:t>
-            </a:r>
-            <a:r>
-              <a:rPr lang="en-US" altLang="zh-CN" dirty="0"/>
-              <a:t>V</a:t>
-            </a:r>
-            <a:r>
-              <a:rPr lang="zh-CN" altLang="en-US" dirty="0"/>
-              <a:t>很</a:t>
-            </a:r>
-            <a:r>
-              <a:rPr lang="en-US" altLang="zh-CN" dirty="0"/>
-              <a:t>Dense</a:t>
-            </a:r>
-            <a:r>
-              <a:rPr lang="zh-CN" altLang="en-US" dirty="0"/>
-              <a:t>！</a:t>
-            </a:r>
-            <a:endParaRPr lang="en-US" altLang="zh-CN" dirty="0"/>
-          </a:p>
-          <a:p>
-            <a:pPr lvl="1"/>
-            <a:r>
-              <a:rPr lang="zh-CN" altLang="en-US" dirty="0"/>
-              <a:t>占空间多</a:t>
-            </a:r>
-            <a:endParaRPr lang="en-US" altLang="zh-CN" dirty="0"/>
+              <a:rPr kumimoji="1" lang="zh-CN" altLang="en-US" dirty="0"/>
+              <a:t>一个实数、对称、方阵</a:t>
+            </a:r>
+            <a:r>
+              <a:rPr kumimoji="1" lang="en-US" altLang="zh-CN" dirty="0"/>
+              <a:t>B</a:t>
+            </a:r>
+            <a:r>
+              <a:rPr kumimoji="1" lang="zh-CN" altLang="en-US" dirty="0"/>
+              <a:t>可以写作</a:t>
+            </a:r>
+            <a:endParaRPr kumimoji="1" lang="en-US" altLang="zh-CN" dirty="0"/>
+          </a:p>
+          <a:p>
+            <a:endParaRPr kumimoji="1" lang="en-US" altLang="zh-CN" dirty="0"/>
+          </a:p>
+          <a:p>
+            <a:endParaRPr kumimoji="1" lang="en-US" altLang="zh-CN" dirty="0"/>
+          </a:p>
+          <a:p>
+            <a:r>
+              <a:rPr kumimoji="1" lang="zh-CN" altLang="en-US" dirty="0"/>
+              <a:t>其中对角阵</a:t>
+            </a:r>
+            <a:endParaRPr kumimoji="1" lang="en-US" altLang="zh-CN" dirty="0"/>
+          </a:p>
+          <a:p>
+            <a:endParaRPr kumimoji="1" lang="en-US" altLang="zh-CN" dirty="0"/>
+          </a:p>
+          <a:p>
+            <a:r>
+              <a:rPr kumimoji="1" lang="zh-CN" altLang="en-US" dirty="0"/>
+              <a:t>包括</a:t>
+            </a:r>
+            <a:r>
+              <a:rPr kumimoji="1" lang="en-US" altLang="zh-CN" dirty="0"/>
+              <a:t>B</a:t>
+            </a:r>
+            <a:r>
+              <a:rPr kumimoji="1" lang="zh-CN" altLang="en-US" dirty="0"/>
+              <a:t>的特征值</a:t>
+            </a:r>
+            <a:endParaRPr kumimoji="1" lang="en-US" altLang="zh-CN" dirty="0"/>
+          </a:p>
+          <a:p>
+            <a:r>
+              <a:rPr kumimoji="1" lang="en-US" altLang="zh-CN" dirty="0"/>
+              <a:t>Q</a:t>
+            </a:r>
+            <a:r>
+              <a:rPr kumimoji="1" lang="zh-CN" altLang="en-US" dirty="0"/>
+              <a:t>是正交矩阵，它的列是</a:t>
+            </a:r>
+            <a:r>
+              <a:rPr kumimoji="1" lang="en-US" altLang="zh-CN" dirty="0"/>
+              <a:t>B</a:t>
+            </a:r>
+            <a:r>
+              <a:rPr kumimoji="1" lang="zh-CN" altLang="en-US" dirty="0"/>
+              <a:t>的特征向量</a:t>
+            </a:r>
+            <a:endParaRPr kumimoji="1" lang="en-US" altLang="zh-CN" dirty="0"/>
           </a:p>
         </p:txBody>
       </p:sp>
       <p:pic>
         <p:nvPicPr>
-          <p:cNvPr id="4" name="图片 3"/>
+          <p:cNvPr id="4" name="图片 3">
+            <a:extLst>
+              <a:ext uri="{FF2B5EF4-FFF2-40B4-BE49-F238E27FC236}">
+                <a16:creationId xmlns:a16="http://schemas.microsoft.com/office/drawing/2014/main" id="{6995E90F-5CFF-2B44-BCE3-854FD15537EF}"/>
+              </a:ext>
+            </a:extLst>
+          </p:cNvPr>
           <p:cNvPicPr>
             <a:picLocks noChangeAspect="1"/>
           </p:cNvPicPr>
@@ -4703,8 +4582,38 @@
         </p:blipFill>
         <p:spPr>
           <a:xfrm>
-            <a:off x="2552022" y="3181168"/>
-            <a:ext cx="6182547" cy="3277682"/>
+            <a:off x="3299791" y="2319050"/>
+            <a:ext cx="1895061" cy="766774"/>
+          </a:xfrm>
+          <a:prstGeom prst="rect">
+            <a:avLst/>
+          </a:prstGeom>
+        </p:spPr>
+      </p:pic>
+      <p:pic>
+        <p:nvPicPr>
+          <p:cNvPr id="5" name="图片 4">
+            <a:extLst>
+              <a:ext uri="{FF2B5EF4-FFF2-40B4-BE49-F238E27FC236}">
+                <a16:creationId xmlns:a16="http://schemas.microsoft.com/office/drawing/2014/main" id="{AB37A4AD-7F15-5A4E-848A-85A440EBBDCA}"/>
+              </a:ext>
+            </a:extLst>
+          </p:cNvPr>
+          <p:cNvPicPr>
+            <a:picLocks noChangeAspect="1"/>
+          </p:cNvPicPr>
+          <p:nvPr/>
+        </p:nvPicPr>
+        <p:blipFill>
+          <a:blip r:embed="rId3"/>
+          <a:stretch>
+            <a:fillRect/>
+          </a:stretch>
+        </p:blipFill>
+        <p:spPr>
+          <a:xfrm>
+            <a:off x="2633259" y="3890996"/>
+            <a:ext cx="2561593" cy="432076"/>
           </a:xfrm>
           <a:prstGeom prst="rect">
             <a:avLst/>
@@ -4714,7 +4623,7 @@
     </p:spTree>
     <p:extLst>
       <p:ext uri="{BB962C8B-B14F-4D97-AF65-F5344CB8AC3E}">
-        <p14:creationId xmlns:p14="http://schemas.microsoft.com/office/powerpoint/2010/main" val="3329490661"/>
+        <p14:creationId xmlns:p14="http://schemas.microsoft.com/office/powerpoint/2010/main" val="631615379"/>
       </p:ext>
     </p:extLst>
   </p:cSld>
@@ -4766,12 +4675,12 @@
       </p:sp>
       <p:sp>
         <p:nvSpPr>
-          <p:cNvPr id="3" name="文本占位符 2"/>
-          <p:cNvSpPr>
-            <a:spLocks noGrp="1"/>
-          </p:cNvSpPr>
-          <p:nvPr>
-            <p:ph type="body" idx="1"/>
+          <p:cNvPr id="3" name="内容占位符 2"/>
+          <p:cNvSpPr>
+            <a:spLocks noGrp="1"/>
+          </p:cNvSpPr>
+          <p:nvPr>
+            <p:ph idx="1"/>
           </p:nvPr>
         </p:nvSpPr>
         <p:spPr/>
@@ -4779,14 +4688,39 @@
           <a:bodyPr/>
           <a:lstStyle/>
           <a:p>
-            <a:endParaRPr lang="zh-CN" altLang="en-US" dirty="0"/>
+            <a:r>
+              <a:rPr lang="zh-CN" altLang="en-US" dirty="0"/>
+              <a:t>定义</a:t>
+            </a:r>
+            <a:endParaRPr lang="en-US" altLang="zh-CN" dirty="0"/>
+          </a:p>
+          <a:p>
+            <a:r>
+              <a:rPr lang="zh-CN" altLang="en-US" dirty="0"/>
+              <a:t>降维</a:t>
+            </a:r>
+            <a:endParaRPr lang="en-US" altLang="zh-CN" dirty="0"/>
+          </a:p>
+          <a:p>
+            <a:r>
+              <a:rPr lang="zh-CN" altLang="en-US" dirty="0"/>
+              <a:t>应用</a:t>
+            </a:r>
+            <a:endParaRPr lang="en-US" altLang="zh-CN" dirty="0"/>
+          </a:p>
+          <a:p>
+            <a:r>
+              <a:rPr lang="zh-CN" altLang="en-US" dirty="0"/>
+              <a:t>计算</a:t>
+            </a:r>
+            <a:endParaRPr lang="en-US" altLang="zh-CN" dirty="0"/>
           </a:p>
         </p:txBody>
       </p:sp>
     </p:spTree>
     <p:extLst>
       <p:ext uri="{BB962C8B-B14F-4D97-AF65-F5344CB8AC3E}">
-        <p14:creationId xmlns:p14="http://schemas.microsoft.com/office/powerpoint/2010/main" val="4096384741"/>
+        <p14:creationId xmlns:p14="http://schemas.microsoft.com/office/powerpoint/2010/main" val="3430781290"/>
       </p:ext>
     </p:extLst>
   </p:cSld>
@@ -4830,73 +4764,71 @@
           <a:p>
             <a:r>
               <a:rPr lang="zh-CN" altLang="en-US" dirty="0"/>
-              <a:t>比较</a:t>
-            </a:r>
-          </a:p>
-        </p:txBody>
-      </p:sp>
-      <p:pic>
-        <p:nvPicPr>
-          <p:cNvPr id="4" name="图片 3"/>
-          <p:cNvPicPr>
-            <a:picLocks noChangeAspect="1"/>
-          </p:cNvPicPr>
-          <p:nvPr/>
-        </p:nvPicPr>
-        <p:blipFill>
-          <a:blip r:embed="rId2"/>
-          <a:stretch>
-            <a:fillRect/>
-          </a:stretch>
-        </p:blipFill>
-        <p:spPr>
-          <a:xfrm>
-            <a:off x="1306845" y="1557160"/>
-            <a:ext cx="6008356" cy="4888271"/>
-          </a:xfrm>
-          <a:prstGeom prst="rect">
-            <a:avLst/>
-          </a:prstGeom>
-        </p:spPr>
-      </p:pic>
-      <p:sp>
-        <p:nvSpPr>
-          <p:cNvPr id="3" name="矩形 2">
-            <a:extLst>
-              <a:ext uri="{FF2B5EF4-FFF2-40B4-BE49-F238E27FC236}">
-                <a16:creationId xmlns:a16="http://schemas.microsoft.com/office/drawing/2014/main" id="{CF96112C-7069-4243-A1EC-0500C48BF353}"/>
-              </a:ext>
-            </a:extLst>
-          </p:cNvPr>
-          <p:cNvSpPr/>
-          <p:nvPr/>
-        </p:nvSpPr>
-        <p:spPr>
-          <a:xfrm>
-            <a:off x="3598704" y="591811"/>
-            <a:ext cx="4163319" cy="369332"/>
-          </a:xfrm>
-          <a:prstGeom prst="rect">
-            <a:avLst/>
-          </a:prstGeom>
-        </p:spPr>
-        <p:txBody>
-          <a:bodyPr wrap="none">
-            <a:spAutoFit/>
-          </a:bodyPr>
-          <a:lstStyle/>
-          <a:p>
-            <a:r>
-              <a:rPr lang="zh-CN" altLang="en-US" dirty="0"/>
-              <a:t>https://www.pnas.org/content/106/3/697</a:t>
-            </a:r>
+              <a:t>特征值与特征向量</a:t>
+            </a:r>
+          </a:p>
+        </p:txBody>
+      </p:sp>
+      <p:sp>
+        <p:nvSpPr>
+          <p:cNvPr id="3" name="内容占位符 2"/>
+          <p:cNvSpPr>
+            <a:spLocks noGrp="1"/>
+          </p:cNvSpPr>
+          <p:nvPr>
+            <p:ph idx="1"/>
+          </p:nvPr>
+        </p:nvSpPr>
+        <p:spPr/>
+        <p:txBody>
+          <a:bodyPr/>
+          <a:lstStyle/>
+          <a:p>
+            <a:r>
+              <a:rPr lang="zh-CN" altLang="en-US" dirty="0"/>
+              <a:t>定义</a:t>
+            </a:r>
+            <a:endParaRPr lang="en-US" altLang="zh-CN" dirty="0"/>
+          </a:p>
+          <a:p>
+            <a:r>
+              <a:rPr lang="zh-CN" altLang="en-US" dirty="0"/>
+              <a:t>计算方法</a:t>
+            </a:r>
+            <a:endParaRPr lang="en-US" altLang="zh-CN" dirty="0"/>
+          </a:p>
+          <a:p>
+            <a:r>
+              <a:rPr lang="en-US" altLang="zh-CN" dirty="0"/>
+              <a:t>Power Iteration</a:t>
+            </a:r>
+            <a:r>
+              <a:rPr lang="zh-CN" altLang="en-US" dirty="0"/>
+              <a:t>寻找特征对（</a:t>
+            </a:r>
+            <a:r>
+              <a:rPr lang="en-US" altLang="zh-CN" dirty="0" err="1"/>
+              <a:t>Eigenpairs</a:t>
+            </a:r>
+            <a:r>
+              <a:rPr lang="zh-CN" altLang="en-US" dirty="0"/>
+              <a:t>）</a:t>
+            </a:r>
+            <a:endParaRPr lang="en-US" altLang="zh-CN" dirty="0"/>
+          </a:p>
+          <a:p>
+            <a:r>
+              <a:rPr lang="zh-CN" altLang="en-US" dirty="0"/>
+              <a:t>特征向量矩阵</a:t>
+            </a:r>
+            <a:endParaRPr lang="en-US" altLang="zh-CN" dirty="0"/>
           </a:p>
         </p:txBody>
       </p:sp>
     </p:spTree>
     <p:extLst>
       <p:ext uri="{BB962C8B-B14F-4D97-AF65-F5344CB8AC3E}">
-        <p14:creationId xmlns:p14="http://schemas.microsoft.com/office/powerpoint/2010/main" val="1767734570"/>
+        <p14:creationId xmlns:p14="http://schemas.microsoft.com/office/powerpoint/2010/main" val="609292440"/>
       </p:ext>
     </p:extLst>
   </p:cSld>
@@ -4925,13 +4857,7 @@
       </p:grpSpPr>
       <p:sp>
         <p:nvSpPr>
-          <p:cNvPr id="2" name="标题 1">
-            <a:extLst>
-              <a:ext uri="{FF2B5EF4-FFF2-40B4-BE49-F238E27FC236}">
-                <a16:creationId xmlns:a16="http://schemas.microsoft.com/office/drawing/2014/main" id="{85494C82-DA09-A842-9316-C9AD1FACD24C}"/>
-              </a:ext>
-            </a:extLst>
-          </p:cNvPr>
+          <p:cNvPr id="2" name="标题 1"/>
           <p:cNvSpPr>
             <a:spLocks noGrp="1"/>
           </p:cNvSpPr>
@@ -4945,21 +4871,15 @@
           <a:lstStyle/>
           <a:p>
             <a:r>
-              <a:rPr kumimoji="1" lang="zh-CN" altLang="en-US" dirty="0"/>
-              <a:t>自学</a:t>
-            </a:r>
-          </a:p>
-        </p:txBody>
-      </p:sp>
-      <p:sp>
-        <p:nvSpPr>
-          <p:cNvPr id="3" name="内容占位符 2">
-            <a:extLst>
-              <a:ext uri="{FF2B5EF4-FFF2-40B4-BE49-F238E27FC236}">
-                <a16:creationId xmlns:a16="http://schemas.microsoft.com/office/drawing/2014/main" id="{C032903A-ABA2-5A46-A6B6-F8BF05797248}"/>
-              </a:ext>
-            </a:extLst>
-          </p:cNvPr>
+              <a:rPr lang="zh-CN" altLang="en-US" dirty="0"/>
+              <a:t>定义</a:t>
+            </a:r>
+          </a:p>
+        </p:txBody>
+      </p:sp>
+      <p:sp>
+        <p:nvSpPr>
+          <p:cNvPr id="3" name="内容占位符 2"/>
           <p:cNvSpPr>
             <a:spLocks noGrp="1"/>
           </p:cNvSpPr>
@@ -4967,91 +4887,118 @@
             <p:ph idx="1"/>
           </p:nvPr>
         </p:nvSpPr>
-        <p:spPr>
-          <a:xfrm>
-            <a:off x="628650" y="1556952"/>
-            <a:ext cx="7886700" cy="5066270"/>
-          </a:xfrm>
-        </p:spPr>
-        <p:txBody>
-          <a:bodyPr>
-            <a:normAutofit/>
-          </a:bodyPr>
-          <a:lstStyle/>
-          <a:p>
-            <a:r>
-              <a:rPr kumimoji="1" lang="zh-CN" altLang="en-US" dirty="0"/>
-              <a:t>自学</a:t>
-            </a:r>
-            <a:r>
-              <a:rPr kumimoji="1" lang="en-US" altLang="zh-CN" dirty="0"/>
-              <a:t>UCSD</a:t>
-            </a:r>
-            <a:r>
-              <a:rPr kumimoji="1" lang="zh-CN" altLang="en-US" dirty="0"/>
-              <a:t> 天气降维分析部分视频，简答题</a:t>
-            </a:r>
-            <a:endParaRPr kumimoji="1" lang="en-US" altLang="zh-CN" dirty="0"/>
+        <p:spPr/>
+        <p:txBody>
+          <a:bodyPr/>
+          <a:lstStyle/>
+          <a:p>
+            <a:r>
+              <a:rPr lang="en-US" altLang="zh-CN" i="1" dirty="0"/>
+              <a:t>M </a:t>
+            </a:r>
+            <a:r>
+              <a:rPr lang="zh-CN" altLang="en-US" dirty="0"/>
+              <a:t>矩阵，</a:t>
+            </a:r>
+            <a:r>
+              <a:rPr lang="el-GR" altLang="zh-CN" i="1" dirty="0"/>
+              <a:t> λ</a:t>
+            </a:r>
+            <a:r>
+              <a:rPr lang="zh-CN" altLang="en-US" dirty="0"/>
+              <a:t>常数，</a:t>
+            </a:r>
+            <a:r>
+              <a:rPr lang="en-US" altLang="zh-CN" dirty="0"/>
+              <a:t>e</a:t>
+            </a:r>
+            <a:r>
+              <a:rPr lang="zh-CN" altLang="en-US" dirty="0"/>
+              <a:t>非零列向量</a:t>
+            </a:r>
+            <a:endParaRPr lang="en-US" altLang="zh-CN" dirty="0"/>
+          </a:p>
+          <a:p>
+            <a:r>
+              <a:rPr lang="en-US" altLang="zh-CN" i="1" dirty="0"/>
+              <a:t>M</a:t>
+            </a:r>
+            <a:r>
+              <a:rPr lang="en-US" altLang="zh-CN" dirty="0"/>
+              <a:t>e = </a:t>
+            </a:r>
+            <a:r>
+              <a:rPr lang="el-GR" altLang="zh-CN" i="1" dirty="0"/>
+              <a:t>λ</a:t>
+            </a:r>
+            <a:r>
+              <a:rPr lang="en-US" altLang="zh-CN" dirty="0"/>
+              <a:t>e</a:t>
+            </a:r>
+          </a:p>
+          <a:p>
+            <a:r>
+              <a:rPr lang="zh-CN" altLang="en-US" dirty="0"/>
+              <a:t>唯一确定一个</a:t>
+            </a:r>
+            <a:r>
+              <a:rPr lang="en-US" altLang="zh-CN" dirty="0"/>
+              <a:t>e</a:t>
+            </a:r>
           </a:p>
           <a:p>
             <a:pPr lvl="1"/>
             <a:r>
-              <a:rPr kumimoji="1" lang="en-US" altLang="zh-CN" dirty="0">
-                <a:hlinkClick r:id="rId2"/>
-              </a:rPr>
-              <a:t>https://courses.edx.org/courses/course-v1:UCSanDiegoX+DSE230x+1T2018/jump_to/block-v1:UCSanDiegoX+DSE230x+1T2018+type@vertical+block@d5bab721380d4c678e63eabfbc653572</a:t>
-            </a:r>
-            <a:endParaRPr kumimoji="1" lang="en-US" altLang="zh-CN" dirty="0"/>
+              <a:rPr lang="en-US" altLang="zh-CN" dirty="0"/>
+              <a:t>e</a:t>
+            </a:r>
+            <a:r>
+              <a:rPr lang="zh-CN" altLang="en-US" dirty="0"/>
+              <a:t>为</a:t>
+            </a:r>
+            <a:r>
+              <a:rPr lang="en-US" altLang="zh-CN" dirty="0"/>
+              <a:t>unit vector</a:t>
+            </a:r>
           </a:p>
           <a:p>
             <a:pPr lvl="1"/>
             <a:r>
-              <a:rPr kumimoji="1" lang="en-US" altLang="zh-CN" dirty="0">
-                <a:hlinkClick r:id="rId3"/>
-              </a:rPr>
-              <a:t>https://courses.edx.org/courses/course-v1:UCSanDiegoX+DSE230x+1T2018/jump_to/block-v1:UCSanDiegoX+DSE230x+1T2018+type@vertical+block@f4f4e1e89f4a4672a6a4b412439234ce</a:t>
-            </a:r>
-            <a:endParaRPr kumimoji="1" lang="en-US" altLang="zh-CN" dirty="0"/>
-          </a:p>
-          <a:p>
-            <a:r>
-              <a:rPr kumimoji="1" lang="zh-CN" altLang="en-US" dirty="0"/>
-              <a:t>练习</a:t>
-            </a:r>
-            <a:endParaRPr kumimoji="1" lang="en-US" altLang="zh-CN" dirty="0"/>
-          </a:p>
-          <a:p>
-            <a:pPr lvl="1"/>
-            <a:r>
-              <a:rPr kumimoji="1" lang="en-US" altLang="zh-CN" dirty="0"/>
-              <a:t>Section2-Weather-PCA/</a:t>
-            </a:r>
-            <a:r>
-              <a:rPr kumimoji="1" lang="zh-CN" altLang="en-US" dirty="0"/>
-              <a:t>目录下</a:t>
-            </a:r>
-            <a:r>
-              <a:rPr kumimoji="1" lang="en-US" altLang="zh-CN" dirty="0" err="1"/>
-              <a:t>ipynb</a:t>
-            </a:r>
-            <a:endParaRPr kumimoji="1" lang="en-US" altLang="zh-CN" dirty="0"/>
-          </a:p>
-          <a:p>
-            <a:pPr lvl="1"/>
-            <a:r>
-              <a:rPr lang="en-US" altLang="zh-CN" dirty="0">
-                <a:hlinkClick r:id="rId4"/>
-              </a:rPr>
-              <a:t>https://spark.apache.org/docs/2.2.0/mllib-dimensionality-reduction.html</a:t>
-            </a:r>
-            <a:endParaRPr kumimoji="1" lang="en-US" altLang="zh-CN" dirty="0"/>
-          </a:p>
-        </p:txBody>
-      </p:sp>
+              <a:rPr lang="zh-CN" altLang="en-US" dirty="0"/>
+              <a:t>第一个非零元素为正</a:t>
+            </a:r>
+            <a:endParaRPr lang="en-US" altLang="zh-CN" dirty="0"/>
+          </a:p>
+        </p:txBody>
+      </p:sp>
+      <p:pic>
+        <p:nvPicPr>
+          <p:cNvPr id="4" name="图片 3"/>
+          <p:cNvPicPr>
+            <a:picLocks noChangeAspect="1"/>
+          </p:cNvPicPr>
+          <p:nvPr/>
+        </p:nvPicPr>
+        <p:blipFill>
+          <a:blip r:embed="rId2"/>
+          <a:stretch>
+            <a:fillRect/>
+          </a:stretch>
+        </p:blipFill>
+        <p:spPr>
+          <a:xfrm>
+            <a:off x="2088391" y="4328331"/>
+            <a:ext cx="4476182" cy="1019329"/>
+          </a:xfrm>
+          <a:prstGeom prst="rect">
+            <a:avLst/>
+          </a:prstGeom>
+        </p:spPr>
+      </p:pic>
     </p:spTree>
     <p:extLst>
       <p:ext uri="{BB962C8B-B14F-4D97-AF65-F5344CB8AC3E}">
-        <p14:creationId xmlns:p14="http://schemas.microsoft.com/office/powerpoint/2010/main" val="1103676630"/>
+        <p14:creationId xmlns:p14="http://schemas.microsoft.com/office/powerpoint/2010/main" val="2127973222"/>
       </p:ext>
     </p:extLst>
   </p:cSld>
@@ -5080,13 +5027,7 @@
       </p:grpSpPr>
       <p:sp>
         <p:nvSpPr>
-          <p:cNvPr id="2" name="标题 1">
-            <a:extLst>
-              <a:ext uri="{FF2B5EF4-FFF2-40B4-BE49-F238E27FC236}">
-                <a16:creationId xmlns:a16="http://schemas.microsoft.com/office/drawing/2014/main" id="{85494C82-DA09-A842-9316-C9AD1FACD24C}"/>
-              </a:ext>
-            </a:extLst>
-          </p:cNvPr>
+          <p:cNvPr id="2" name="标题 1"/>
           <p:cNvSpPr>
             <a:spLocks noGrp="1"/>
           </p:cNvSpPr>
@@ -5100,21 +5041,15 @@
           <a:lstStyle/>
           <a:p>
             <a:r>
-              <a:rPr kumimoji="1" lang="zh-CN" altLang="en-US" dirty="0"/>
-              <a:t>自学</a:t>
-            </a:r>
-          </a:p>
-        </p:txBody>
-      </p:sp>
-      <p:sp>
-        <p:nvSpPr>
-          <p:cNvPr id="3" name="内容占位符 2">
-            <a:extLst>
-              <a:ext uri="{FF2B5EF4-FFF2-40B4-BE49-F238E27FC236}">
-                <a16:creationId xmlns:a16="http://schemas.microsoft.com/office/drawing/2014/main" id="{C032903A-ABA2-5A46-A6B6-F8BF05797248}"/>
-              </a:ext>
-            </a:extLst>
-          </p:cNvPr>
+              <a:rPr lang="zh-CN" altLang="en-US" dirty="0"/>
+              <a:t>特征向量矩阵</a:t>
+            </a:r>
+          </a:p>
+        </p:txBody>
+      </p:sp>
+      <p:sp>
+        <p:nvSpPr>
+          <p:cNvPr id="3" name="内容占位符 2"/>
           <p:cNvSpPr>
             <a:spLocks noGrp="1"/>
           </p:cNvSpPr>
@@ -5122,76 +5057,69 @@
             <p:ph idx="1"/>
           </p:nvPr>
         </p:nvSpPr>
-        <p:spPr>
-          <a:xfrm>
-            <a:off x="628650" y="1556952"/>
-            <a:ext cx="7886700" cy="5066270"/>
-          </a:xfrm>
-        </p:spPr>
-        <p:txBody>
-          <a:bodyPr>
-            <a:normAutofit/>
-          </a:bodyPr>
-          <a:lstStyle/>
-          <a:p>
-            <a:r>
-              <a:rPr kumimoji="1" lang="en-US" altLang="zh-CN" dirty="0"/>
-              <a:t>UCSD</a:t>
-            </a:r>
-            <a:r>
-              <a:rPr kumimoji="1" lang="zh-CN" altLang="en-US" dirty="0"/>
-              <a:t> 作业 </a:t>
-            </a:r>
-            <a:r>
-              <a:rPr kumimoji="1" lang="en-US" altLang="zh-CN" dirty="0"/>
-              <a:t>4</a:t>
-            </a:r>
-            <a:r>
-              <a:rPr kumimoji="1" lang="zh-CN" altLang="en-US" dirty="0"/>
-              <a:t>：</a:t>
-            </a:r>
-            <a:r>
-              <a:rPr kumimoji="1" lang="en-US" altLang="zh-CN" dirty="0"/>
-              <a:t>PCA</a:t>
-            </a:r>
-            <a:r>
-              <a:rPr kumimoji="1" lang="zh-CN" altLang="en-US" dirty="0"/>
-              <a:t>华盛顿州天气时间序列降维分析</a:t>
-            </a:r>
-            <a:endParaRPr kumimoji="1" lang="en-US" altLang="zh-CN" dirty="0"/>
-          </a:p>
-          <a:p>
-            <a:pPr lvl="1"/>
-            <a:r>
-              <a:rPr kumimoji="1" lang="en-US" altLang="zh-CN" dirty="0">
-                <a:hlinkClick r:id="rId2"/>
-              </a:rPr>
-              <a:t>https://courses.edx.org/courses/course-v1:UCSanDiegoX+DSE230x+1T2018/jump_to/block-v1:UCSanDiegoX+DSE230x+1T2018+type@vertical+block@f474014ecdc8412c94985852b260b62f</a:t>
-            </a:r>
-            <a:endParaRPr kumimoji="1" lang="en-US" altLang="zh-CN" dirty="0"/>
-          </a:p>
-          <a:p>
-            <a:pPr lvl="1"/>
-            <a:r>
-              <a:rPr kumimoji="1" lang="zh-CN" altLang="en-US"/>
-              <a:t>回答</a:t>
-            </a:r>
-            <a:r>
-              <a:rPr kumimoji="1" lang="zh-CN" altLang="en-US" dirty="0"/>
-              <a:t>作业问题，完成实验报告（建议使用作业模板）</a:t>
-            </a:r>
-            <a:endParaRPr kumimoji="1" lang="en-US" altLang="zh-CN" dirty="0"/>
-          </a:p>
-          <a:p>
-            <a:pPr lvl="2"/>
-            <a:endParaRPr kumimoji="1" lang="en-US" altLang="zh-CN" dirty="0"/>
-          </a:p>
-        </p:txBody>
-      </p:sp>
+        <p:spPr/>
+        <p:txBody>
+          <a:bodyPr/>
+          <a:lstStyle/>
+          <a:p>
+            <a:r>
+              <a:rPr lang="zh-CN" altLang="en-US" dirty="0"/>
+              <a:t>特征向量是单位向量</a:t>
+            </a:r>
+            <a:endParaRPr lang="en-US" altLang="zh-CN" dirty="0"/>
+          </a:p>
+          <a:p>
+            <a:r>
+              <a:rPr lang="zh-CN" altLang="en-US" dirty="0"/>
+              <a:t>特征向量之间正交</a:t>
+            </a:r>
+            <a:endParaRPr lang="en-US" altLang="zh-CN" dirty="0"/>
+          </a:p>
+          <a:p>
+            <a:r>
+              <a:rPr lang="zh-CN" altLang="en-US" dirty="0"/>
+              <a:t>特征向量矩阵 </a:t>
+            </a:r>
+            <a:r>
+              <a:rPr lang="en-US" altLang="zh-CN" dirty="0"/>
+              <a:t>E </a:t>
+            </a:r>
+            <a:r>
+              <a:rPr lang="zh-CN" altLang="en-US" dirty="0"/>
+              <a:t>的特点</a:t>
+            </a:r>
+            <a:endParaRPr lang="en-US" altLang="zh-CN" dirty="0"/>
+          </a:p>
+        </p:txBody>
+      </p:sp>
+      <p:pic>
+        <p:nvPicPr>
+          <p:cNvPr id="4" name="图片 3"/>
+          <p:cNvPicPr>
+            <a:picLocks noChangeAspect="1"/>
+          </p:cNvPicPr>
+          <p:nvPr/>
+        </p:nvPicPr>
+        <p:blipFill>
+          <a:blip r:embed="rId2"/>
+          <a:stretch>
+            <a:fillRect/>
+          </a:stretch>
+        </p:blipFill>
+        <p:spPr>
+          <a:xfrm>
+            <a:off x="2309599" y="3781437"/>
+            <a:ext cx="3224569" cy="439714"/>
+          </a:xfrm>
+          <a:prstGeom prst="rect">
+            <a:avLst/>
+          </a:prstGeom>
+        </p:spPr>
+      </p:pic>
     </p:spTree>
     <p:extLst>
       <p:ext uri="{BB962C8B-B14F-4D97-AF65-F5344CB8AC3E}">
-        <p14:creationId xmlns:p14="http://schemas.microsoft.com/office/powerpoint/2010/main" val="3933337169"/>
+        <p14:creationId xmlns:p14="http://schemas.microsoft.com/office/powerpoint/2010/main" val="1475177394"/>
       </p:ext>
     </p:extLst>
   </p:cSld>
@@ -5220,13 +5148,7 @@
       </p:grpSpPr>
       <p:sp>
         <p:nvSpPr>
-          <p:cNvPr id="2" name="标题 1">
-            <a:extLst>
-              <a:ext uri="{FF2B5EF4-FFF2-40B4-BE49-F238E27FC236}">
-                <a16:creationId xmlns:a16="http://schemas.microsoft.com/office/drawing/2014/main" id="{220C95B9-1548-0548-854A-70CB3BC4F45C}"/>
-              </a:ext>
-            </a:extLst>
-          </p:cNvPr>
+          <p:cNvPr id="2" name="标题 1"/>
           <p:cNvSpPr>
             <a:spLocks noGrp="1"/>
           </p:cNvSpPr>
@@ -5240,21 +5162,15 @@
           <a:lstStyle/>
           <a:p>
             <a:r>
-              <a:rPr kumimoji="1" lang="zh-CN" altLang="en-US" dirty="0"/>
-              <a:t>作业</a:t>
-            </a:r>
-          </a:p>
-        </p:txBody>
-      </p:sp>
-      <p:sp>
-        <p:nvSpPr>
-          <p:cNvPr id="3" name="内容占位符 2">
-            <a:extLst>
-              <a:ext uri="{FF2B5EF4-FFF2-40B4-BE49-F238E27FC236}">
-                <a16:creationId xmlns:a16="http://schemas.microsoft.com/office/drawing/2014/main" id="{9EB99FF4-4117-3146-811B-E20B77E93AF8}"/>
-              </a:ext>
-            </a:extLst>
-          </p:cNvPr>
+              <a:rPr lang="zh-CN" altLang="en-US" dirty="0"/>
+              <a:t>一般计算方法</a:t>
+            </a:r>
+          </a:p>
+        </p:txBody>
+      </p:sp>
+      <p:sp>
+        <p:nvSpPr>
+          <p:cNvPr id="3" name="内容占位符 2"/>
           <p:cNvSpPr>
             <a:spLocks noGrp="1"/>
           </p:cNvSpPr>
@@ -5262,30 +5178,1439 @@
             <p:ph idx="1"/>
           </p:nvPr>
         </p:nvSpPr>
-        <p:spPr/>
-        <p:txBody>
-          <a:bodyPr/>
-          <a:lstStyle/>
-          <a:p>
-            <a:r>
-              <a:rPr kumimoji="1" lang="zh-CN" altLang="en-US" dirty="0"/>
-              <a:t>斯坦福</a:t>
-            </a:r>
-            <a:r>
-              <a:rPr kumimoji="1" lang="en-US" altLang="zh-CN" dirty="0"/>
-              <a:t>hw2</a:t>
-            </a:r>
-            <a:r>
-              <a:rPr kumimoji="1" lang="zh-CN" altLang="en-US"/>
-              <a:t>，第一题</a:t>
-            </a:r>
-          </a:p>
-        </p:txBody>
-      </p:sp>
+        <p:spPr>
+          <a:xfrm>
+            <a:off x="628650" y="1880217"/>
+            <a:ext cx="7886700" cy="4351338"/>
+          </a:xfrm>
+        </p:spPr>
+        <p:txBody>
+          <a:bodyPr/>
+          <a:lstStyle/>
+          <a:p>
+            <a:r>
+              <a:rPr lang="zh-CN" altLang="en-US" dirty="0"/>
+              <a:t>要                               ，                  的行列式等于</a:t>
+            </a:r>
+            <a:r>
+              <a:rPr lang="en-US" altLang="zh-CN" dirty="0"/>
+              <a:t>0</a:t>
+            </a:r>
+          </a:p>
+          <a:p>
+            <a:r>
+              <a:rPr lang="zh-CN" altLang="en-US" dirty="0"/>
+              <a:t>求得</a:t>
+            </a:r>
+            <a:r>
+              <a:rPr lang="el-GR" altLang="zh-CN" i="1" dirty="0"/>
+              <a:t>λ</a:t>
+            </a:r>
+            <a:endParaRPr lang="en-US" altLang="zh-CN" i="1" dirty="0"/>
+          </a:p>
+          <a:p>
+            <a:r>
+              <a:rPr lang="zh-CN" altLang="en-US" dirty="0"/>
+              <a:t>然后通过</a:t>
+            </a:r>
+            <a:r>
+              <a:rPr lang="en-US" altLang="zh-CN" i="1" dirty="0"/>
+              <a:t>M</a:t>
+            </a:r>
+            <a:r>
+              <a:rPr lang="en-US" altLang="zh-CN" dirty="0"/>
+              <a:t>e = </a:t>
+            </a:r>
+            <a:r>
+              <a:rPr lang="el-GR" altLang="zh-CN" i="1" dirty="0"/>
+              <a:t>λ</a:t>
+            </a:r>
+            <a:r>
+              <a:rPr lang="en-US" altLang="zh-CN" dirty="0"/>
+              <a:t>e</a:t>
+            </a:r>
+            <a:r>
+              <a:rPr lang="zh-CN" altLang="en-US" dirty="0"/>
+              <a:t>求</a:t>
+            </a:r>
+            <a:r>
+              <a:rPr lang="en-US" altLang="zh-CN" dirty="0"/>
+              <a:t>e</a:t>
+            </a:r>
+          </a:p>
+          <a:p>
+            <a:r>
+              <a:rPr lang="zh-CN" altLang="en-US" dirty="0"/>
+              <a:t>计算复杂度</a:t>
+            </a:r>
+            <a:r>
+              <a:rPr lang="en-US" altLang="zh-CN" i="1" dirty="0"/>
+              <a:t>O</a:t>
+            </a:r>
+            <a:r>
+              <a:rPr lang="en-US" altLang="zh-CN" dirty="0"/>
+              <a:t>(</a:t>
+            </a:r>
+            <a:r>
+              <a:rPr lang="en-US" altLang="zh-CN" i="1" dirty="0"/>
+              <a:t>n</a:t>
+            </a:r>
+            <a:r>
+              <a:rPr lang="en-US" altLang="zh-CN" baseline="30000" dirty="0"/>
+              <a:t>3</a:t>
+            </a:r>
+            <a:r>
+              <a:rPr lang="en-US" altLang="zh-CN" dirty="0"/>
+              <a:t>)</a:t>
+            </a:r>
+          </a:p>
+          <a:p>
+            <a:endParaRPr lang="en-US" altLang="zh-CN" i="1" dirty="0"/>
+          </a:p>
+          <a:p>
+            <a:endParaRPr lang="en-US" altLang="zh-CN" dirty="0"/>
+          </a:p>
+          <a:p>
+            <a:endParaRPr lang="en-US" altLang="zh-CN" dirty="0"/>
+          </a:p>
+        </p:txBody>
+      </p:sp>
+      <p:pic>
+        <p:nvPicPr>
+          <p:cNvPr id="4" name="图片 3"/>
+          <p:cNvPicPr>
+            <a:picLocks noChangeAspect="1"/>
+          </p:cNvPicPr>
+          <p:nvPr/>
+        </p:nvPicPr>
+        <p:blipFill>
+          <a:blip r:embed="rId2"/>
+          <a:stretch>
+            <a:fillRect/>
+          </a:stretch>
+        </p:blipFill>
+        <p:spPr>
+          <a:xfrm>
+            <a:off x="1323547" y="1825625"/>
+            <a:ext cx="2443235" cy="496702"/>
+          </a:xfrm>
+          <a:prstGeom prst="rect">
+            <a:avLst/>
+          </a:prstGeom>
+        </p:spPr>
+      </p:pic>
+      <p:pic>
+        <p:nvPicPr>
+          <p:cNvPr id="5" name="图片 4"/>
+          <p:cNvPicPr>
+            <a:picLocks noChangeAspect="1"/>
+          </p:cNvPicPr>
+          <p:nvPr/>
+        </p:nvPicPr>
+        <p:blipFill>
+          <a:blip r:embed="rId3"/>
+          <a:stretch>
+            <a:fillRect/>
+          </a:stretch>
+        </p:blipFill>
+        <p:spPr>
+          <a:xfrm>
+            <a:off x="4133209" y="1892776"/>
+            <a:ext cx="1424844" cy="374959"/>
+          </a:xfrm>
+          <a:prstGeom prst="rect">
+            <a:avLst/>
+          </a:prstGeom>
+        </p:spPr>
+      </p:pic>
+      <p:pic>
+        <p:nvPicPr>
+          <p:cNvPr id="6" name="图片 5"/>
+          <p:cNvPicPr>
+            <a:picLocks noChangeAspect="1"/>
+          </p:cNvPicPr>
+          <p:nvPr/>
+        </p:nvPicPr>
+        <p:blipFill>
+          <a:blip r:embed="rId4"/>
+          <a:stretch>
+            <a:fillRect/>
+          </a:stretch>
+        </p:blipFill>
+        <p:spPr>
+          <a:xfrm>
+            <a:off x="2152009" y="4055886"/>
+            <a:ext cx="1981200" cy="771525"/>
+          </a:xfrm>
+          <a:prstGeom prst="rect">
+            <a:avLst/>
+          </a:prstGeom>
+        </p:spPr>
+      </p:pic>
+      <p:pic>
+        <p:nvPicPr>
+          <p:cNvPr id="7" name="图片 6"/>
+          <p:cNvPicPr>
+            <a:picLocks noChangeAspect="1"/>
+          </p:cNvPicPr>
+          <p:nvPr/>
+        </p:nvPicPr>
+        <p:blipFill>
+          <a:blip r:embed="rId5"/>
+          <a:stretch>
+            <a:fillRect/>
+          </a:stretch>
+        </p:blipFill>
+        <p:spPr>
+          <a:xfrm>
+            <a:off x="2161534" y="5115145"/>
+            <a:ext cx="1971675" cy="276225"/>
+          </a:xfrm>
+          <a:prstGeom prst="rect">
+            <a:avLst/>
+          </a:prstGeom>
+        </p:spPr>
+      </p:pic>
     </p:spTree>
     <p:extLst>
       <p:ext uri="{BB962C8B-B14F-4D97-AF65-F5344CB8AC3E}">
-        <p14:creationId xmlns:p14="http://schemas.microsoft.com/office/powerpoint/2010/main" val="3284327011"/>
+        <p14:creationId xmlns:p14="http://schemas.microsoft.com/office/powerpoint/2010/main" val="3328432403"/>
+      </p:ext>
+    </p:extLst>
+  </p:cSld>
+  <p:clrMapOvr>
+    <a:masterClrMapping/>
+  </p:clrMapOvr>
+</p:sld>
+</file>
+
+<file path=ppt/slides/slide24.xml><?xml version="1.0" encoding="utf-8"?>
+<p:sld xmlns:a="http://schemas.openxmlformats.org/drawingml/2006/main" xmlns:r="http://schemas.openxmlformats.org/officeDocument/2006/relationships" xmlns:p="http://schemas.openxmlformats.org/presentationml/2006/main">
+  <p:cSld>
+    <p:spTree>
+      <p:nvGrpSpPr>
+        <p:cNvPr id="1" name=""/>
+        <p:cNvGrpSpPr/>
+        <p:nvPr/>
+      </p:nvGrpSpPr>
+      <p:grpSpPr>
+        <a:xfrm>
+          <a:off x="0" y="0"/>
+          <a:ext cx="0" cy="0"/>
+          <a:chOff x="0" y="0"/>
+          <a:chExt cx="0" cy="0"/>
+        </a:xfrm>
+      </p:grpSpPr>
+      <p:pic>
+        <p:nvPicPr>
+          <p:cNvPr id="5" name="图片 4"/>
+          <p:cNvPicPr>
+            <a:picLocks noChangeAspect="1"/>
+          </p:cNvPicPr>
+          <p:nvPr/>
+        </p:nvPicPr>
+        <p:blipFill>
+          <a:blip r:embed="rId2"/>
+          <a:stretch>
+            <a:fillRect/>
+          </a:stretch>
+        </p:blipFill>
+        <p:spPr>
+          <a:xfrm>
+            <a:off x="0" y="0"/>
+            <a:ext cx="2286000" cy="1244600"/>
+          </a:xfrm>
+          <a:prstGeom prst="rect">
+            <a:avLst/>
+          </a:prstGeom>
+        </p:spPr>
+      </p:pic>
+      <p:pic>
+        <p:nvPicPr>
+          <p:cNvPr id="6" name="图片 5"/>
+          <p:cNvPicPr>
+            <a:picLocks noChangeAspect="1"/>
+          </p:cNvPicPr>
+          <p:nvPr/>
+        </p:nvPicPr>
+        <p:blipFill>
+          <a:blip r:embed="rId3"/>
+          <a:stretch>
+            <a:fillRect/>
+          </a:stretch>
+        </p:blipFill>
+        <p:spPr>
+          <a:xfrm>
+            <a:off x="500313" y="1098488"/>
+            <a:ext cx="7506034" cy="1481161"/>
+          </a:xfrm>
+          <a:prstGeom prst="rect">
+            <a:avLst/>
+          </a:prstGeom>
+        </p:spPr>
+      </p:pic>
+      <p:sp>
+        <p:nvSpPr>
+          <p:cNvPr id="7" name="矩形 6"/>
+          <p:cNvSpPr/>
+          <p:nvPr/>
+        </p:nvSpPr>
+        <p:spPr>
+          <a:xfrm>
+            <a:off x="662220" y="2673046"/>
+            <a:ext cx="2959286" cy="523220"/>
+          </a:xfrm>
+          <a:prstGeom prst="rect">
+            <a:avLst/>
+          </a:prstGeom>
+        </p:spPr>
+        <p:txBody>
+          <a:bodyPr wrap="square">
+            <a:spAutoFit/>
+          </a:bodyPr>
+          <a:lstStyle/>
+          <a:p>
+            <a:r>
+              <a:rPr lang="is-IS" altLang="zh-CN" sz="2800" i="1">
+                <a:solidFill>
+                  <a:srgbClr val="222222"/>
+                </a:solidFill>
+                <a:latin typeface="Arial" charset="0"/>
+              </a:rPr>
+              <a:t>λ</a:t>
+            </a:r>
+            <a:r>
+              <a:rPr lang="is-IS" altLang="zh-CN" sz="2800">
+                <a:solidFill>
+                  <a:srgbClr val="222222"/>
+                </a:solidFill>
+                <a:latin typeface="Arial" charset="0"/>
+              </a:rPr>
+              <a:t> = 1 and </a:t>
+            </a:r>
+            <a:r>
+              <a:rPr lang="is-IS" altLang="zh-CN" sz="2800" i="1">
+                <a:solidFill>
+                  <a:srgbClr val="222222"/>
+                </a:solidFill>
+                <a:latin typeface="Arial" charset="0"/>
+              </a:rPr>
+              <a:t>λ</a:t>
+            </a:r>
+            <a:r>
+              <a:rPr lang="is-IS" altLang="zh-CN" sz="2800">
+                <a:solidFill>
+                  <a:srgbClr val="222222"/>
+                </a:solidFill>
+                <a:latin typeface="Arial" charset="0"/>
+              </a:rPr>
+              <a:t> = 3</a:t>
+            </a:r>
+            <a:endParaRPr lang="zh-CN" altLang="en-US" sz="2800" dirty="0"/>
+          </a:p>
+        </p:txBody>
+      </p:sp>
+      <p:pic>
+        <p:nvPicPr>
+          <p:cNvPr id="8" name="图片 7"/>
+          <p:cNvPicPr>
+            <a:picLocks noChangeAspect="1"/>
+          </p:cNvPicPr>
+          <p:nvPr/>
+        </p:nvPicPr>
+        <p:blipFill>
+          <a:blip r:embed="rId4"/>
+          <a:stretch>
+            <a:fillRect/>
+          </a:stretch>
+        </p:blipFill>
+        <p:spPr>
+          <a:xfrm>
+            <a:off x="192506" y="3116600"/>
+            <a:ext cx="5956300" cy="1308100"/>
+          </a:xfrm>
+          <a:prstGeom prst="rect">
+            <a:avLst/>
+          </a:prstGeom>
+        </p:spPr>
+      </p:pic>
+      <p:pic>
+        <p:nvPicPr>
+          <p:cNvPr id="9" name="图片 8"/>
+          <p:cNvPicPr>
+            <a:picLocks noChangeAspect="1"/>
+          </p:cNvPicPr>
+          <p:nvPr/>
+        </p:nvPicPr>
+        <p:blipFill>
+          <a:blip r:embed="rId5"/>
+          <a:stretch>
+            <a:fillRect/>
+          </a:stretch>
+        </p:blipFill>
+        <p:spPr>
+          <a:xfrm>
+            <a:off x="6521616" y="3196266"/>
+            <a:ext cx="2705100" cy="1244600"/>
+          </a:xfrm>
+          <a:prstGeom prst="rect">
+            <a:avLst/>
+          </a:prstGeom>
+        </p:spPr>
+      </p:pic>
+      <p:pic>
+        <p:nvPicPr>
+          <p:cNvPr id="10" name="图片 9"/>
+          <p:cNvPicPr>
+            <a:picLocks noChangeAspect="1"/>
+          </p:cNvPicPr>
+          <p:nvPr/>
+        </p:nvPicPr>
+        <p:blipFill>
+          <a:blip r:embed="rId6"/>
+          <a:stretch>
+            <a:fillRect/>
+          </a:stretch>
+        </p:blipFill>
+        <p:spPr>
+          <a:xfrm>
+            <a:off x="192506" y="4365333"/>
+            <a:ext cx="6858000" cy="1384300"/>
+          </a:xfrm>
+          <a:prstGeom prst="rect">
+            <a:avLst/>
+          </a:prstGeom>
+        </p:spPr>
+      </p:pic>
+      <p:pic>
+        <p:nvPicPr>
+          <p:cNvPr id="11" name="图片 10"/>
+          <p:cNvPicPr>
+            <a:picLocks noChangeAspect="1"/>
+          </p:cNvPicPr>
+          <p:nvPr/>
+        </p:nvPicPr>
+        <p:blipFill>
+          <a:blip r:embed="rId7"/>
+          <a:stretch>
+            <a:fillRect/>
+          </a:stretch>
+        </p:blipFill>
+        <p:spPr>
+          <a:xfrm>
+            <a:off x="6945897" y="4374900"/>
+            <a:ext cx="2120900" cy="1219200"/>
+          </a:xfrm>
+          <a:prstGeom prst="rect">
+            <a:avLst/>
+          </a:prstGeom>
+        </p:spPr>
+      </p:pic>
+    </p:spTree>
+    <p:extLst>
+      <p:ext uri="{BB962C8B-B14F-4D97-AF65-F5344CB8AC3E}">
+        <p14:creationId xmlns:p14="http://schemas.microsoft.com/office/powerpoint/2010/main" val="1210134662"/>
+      </p:ext>
+    </p:extLst>
+  </p:cSld>
+  <p:clrMapOvr>
+    <a:masterClrMapping/>
+  </p:clrMapOvr>
+</p:sld>
+</file>
+
+<file path=ppt/slides/slide25.xml><?xml version="1.0" encoding="utf-8"?>
+<p:sld xmlns:a="http://schemas.openxmlformats.org/drawingml/2006/main" xmlns:r="http://schemas.openxmlformats.org/officeDocument/2006/relationships" xmlns:p="http://schemas.openxmlformats.org/presentationml/2006/main">
+  <p:cSld>
+    <p:spTree>
+      <p:nvGrpSpPr>
+        <p:cNvPr id="1" name=""/>
+        <p:cNvGrpSpPr/>
+        <p:nvPr/>
+      </p:nvGrpSpPr>
+      <p:grpSpPr>
+        <a:xfrm>
+          <a:off x="0" y="0"/>
+          <a:ext cx="0" cy="0"/>
+          <a:chOff x="0" y="0"/>
+          <a:chExt cx="0" cy="0"/>
+        </a:xfrm>
+      </p:grpSpPr>
+      <p:sp>
+        <p:nvSpPr>
+          <p:cNvPr id="2" name="标题 1"/>
+          <p:cNvSpPr>
+            <a:spLocks noGrp="1"/>
+          </p:cNvSpPr>
+          <p:nvPr>
+            <p:ph type="title"/>
+          </p:nvPr>
+        </p:nvSpPr>
+        <p:spPr/>
+        <p:txBody>
+          <a:bodyPr/>
+          <a:lstStyle/>
+          <a:p>
+            <a:r>
+              <a:rPr lang="en-US" altLang="zh-CN" dirty="0"/>
+              <a:t>Power Iteration</a:t>
+            </a:r>
+            <a:r>
+              <a:rPr lang="zh-CN" altLang="en-US" dirty="0"/>
+              <a:t>方法</a:t>
+            </a:r>
+          </a:p>
+        </p:txBody>
+      </p:sp>
+      <p:sp>
+        <p:nvSpPr>
+          <p:cNvPr id="3" name="内容占位符 2"/>
+          <p:cNvSpPr>
+            <a:spLocks noGrp="1"/>
+          </p:cNvSpPr>
+          <p:nvPr>
+            <p:ph idx="1"/>
+          </p:nvPr>
+        </p:nvSpPr>
+        <p:spPr/>
+        <p:txBody>
+          <a:bodyPr/>
+          <a:lstStyle/>
+          <a:p>
+            <a:r>
+              <a:rPr lang="zh-CN" altLang="en-US" dirty="0"/>
+              <a:t>任选一个向量</a:t>
+            </a:r>
+            <a:r>
+              <a:rPr lang="en-US" altLang="zh-CN" dirty="0"/>
+              <a:t>X</a:t>
+            </a:r>
+            <a:r>
+              <a:rPr lang="en-US" altLang="zh-CN" baseline="-25000" dirty="0"/>
+              <a:t>0</a:t>
+            </a:r>
+          </a:p>
+          <a:p>
+            <a:r>
+              <a:rPr lang="zh-CN" altLang="en-US" dirty="0"/>
+              <a:t>递归</a:t>
+            </a:r>
+            <a:endParaRPr lang="en-US" altLang="zh-CN" dirty="0"/>
+          </a:p>
+          <a:p>
+            <a:endParaRPr lang="en-US" altLang="zh-CN" dirty="0"/>
+          </a:p>
+          <a:p>
+            <a:r>
+              <a:rPr lang="zh-CN" altLang="en-US" dirty="0"/>
+              <a:t>误差 </a:t>
+            </a:r>
+            <a:r>
+              <a:rPr lang="en-US" altLang="zh-CN" dirty="0" err="1"/>
+              <a:t>Frobenius</a:t>
+            </a:r>
+            <a:r>
+              <a:rPr lang="en-US" altLang="zh-CN" dirty="0"/>
+              <a:t> norm                           </a:t>
+            </a:r>
+            <a:r>
+              <a:rPr lang="zh-CN" altLang="en-US" dirty="0"/>
+              <a:t>足够小时，停止</a:t>
+            </a:r>
+            <a:endParaRPr lang="en-US" altLang="zh-CN" dirty="0"/>
+          </a:p>
+          <a:p>
+            <a:r>
+              <a:rPr lang="zh-CN" altLang="en-US" dirty="0"/>
+              <a:t>这个</a:t>
+            </a:r>
+            <a:r>
+              <a:rPr lang="en-US" altLang="zh-CN" i="1" dirty="0" err="1"/>
+              <a:t>X</a:t>
+            </a:r>
+            <a:r>
+              <a:rPr lang="en-US" altLang="zh-CN" i="1" baseline="-25000" dirty="0" err="1"/>
+              <a:t>k</a:t>
+            </a:r>
+            <a:r>
+              <a:rPr lang="zh-CN" altLang="en-US" dirty="0"/>
+              <a:t>就是</a:t>
+            </a:r>
+            <a:r>
+              <a:rPr lang="en-US" altLang="zh-CN" dirty="0"/>
+              <a:t>M</a:t>
+            </a:r>
+            <a:r>
+              <a:rPr lang="zh-CN" altLang="en-US" dirty="0"/>
+              <a:t>的主特征向量</a:t>
+            </a:r>
+            <a:endParaRPr lang="en-US" altLang="zh-CN" dirty="0"/>
+          </a:p>
+          <a:p>
+            <a:r>
+              <a:rPr lang="zh-CN" altLang="en-US" dirty="0"/>
+              <a:t>然后通过 </a:t>
+            </a:r>
+            <a:r>
+              <a:rPr lang="en-US" altLang="zh-CN" i="1" dirty="0" err="1"/>
+              <a:t>M</a:t>
+            </a:r>
+            <a:r>
+              <a:rPr lang="en-US" altLang="zh-CN" dirty="0" err="1"/>
+              <a:t>x</a:t>
+            </a:r>
+            <a:r>
+              <a:rPr lang="en-US" altLang="zh-CN" dirty="0"/>
+              <a:t> = </a:t>
+            </a:r>
+            <a:r>
+              <a:rPr lang="el-GR" altLang="zh-CN" i="1" dirty="0"/>
+              <a:t>λ</a:t>
+            </a:r>
+            <a:r>
+              <a:rPr lang="en-US" altLang="zh-CN" dirty="0"/>
+              <a:t>x </a:t>
+            </a:r>
+            <a:r>
+              <a:rPr lang="zh-CN" altLang="en-US" dirty="0"/>
+              <a:t>求 </a:t>
+            </a:r>
+            <a:r>
+              <a:rPr lang="el-GR" altLang="zh-CN" i="1" dirty="0"/>
+              <a:t>λ</a:t>
+            </a:r>
+            <a:endParaRPr lang="en-US" altLang="zh-CN" i="1" dirty="0"/>
+          </a:p>
+          <a:p>
+            <a:pPr lvl="1"/>
+            <a:r>
+              <a:rPr lang="en-US" altLang="zh-CN" dirty="0"/>
+              <a:t>x</a:t>
+            </a:r>
+            <a:r>
+              <a:rPr lang="zh-CN" altLang="en-US" dirty="0"/>
+              <a:t>是一个单位向量：</a:t>
+            </a:r>
+            <a:r>
+              <a:rPr lang="en-US" altLang="zh-CN" dirty="0"/>
+              <a:t>X</a:t>
+            </a:r>
+            <a:r>
+              <a:rPr lang="en-US" altLang="zh-CN" baseline="30000" dirty="0"/>
+              <a:t>-1</a:t>
+            </a:r>
+            <a:r>
+              <a:rPr lang="en-US" altLang="zh-CN" dirty="0"/>
+              <a:t> = X</a:t>
+            </a:r>
+            <a:r>
+              <a:rPr lang="en-US" altLang="zh-CN" baseline="30000" dirty="0"/>
+              <a:t>T</a:t>
+            </a:r>
+          </a:p>
+          <a:p>
+            <a:pPr lvl="1"/>
+            <a:endParaRPr lang="en-US" altLang="zh-CN" dirty="0"/>
+          </a:p>
+          <a:p>
+            <a:pPr lvl="1"/>
+            <a:endParaRPr lang="en-US" altLang="zh-CN" dirty="0"/>
+          </a:p>
+          <a:p>
+            <a:pPr lvl="1"/>
+            <a:endParaRPr lang="en-US" altLang="zh-CN" dirty="0"/>
+          </a:p>
+          <a:p>
+            <a:pPr lvl="1"/>
+            <a:endParaRPr lang="en-US" altLang="zh-CN" dirty="0"/>
+          </a:p>
+          <a:p>
+            <a:endParaRPr lang="en-US" altLang="zh-CN" dirty="0"/>
+          </a:p>
+          <a:p>
+            <a:endParaRPr lang="en-US" altLang="zh-CN" dirty="0"/>
+          </a:p>
+        </p:txBody>
+      </p:sp>
+      <p:pic>
+        <p:nvPicPr>
+          <p:cNvPr id="4" name="图片 3"/>
+          <p:cNvPicPr>
+            <a:picLocks noChangeAspect="1"/>
+          </p:cNvPicPr>
+          <p:nvPr/>
+        </p:nvPicPr>
+        <p:blipFill>
+          <a:blip r:embed="rId2"/>
+          <a:stretch>
+            <a:fillRect/>
+          </a:stretch>
+        </p:blipFill>
+        <p:spPr>
+          <a:xfrm>
+            <a:off x="2069058" y="2394187"/>
+            <a:ext cx="2334188" cy="881275"/>
+          </a:xfrm>
+          <a:prstGeom prst="rect">
+            <a:avLst/>
+          </a:prstGeom>
+        </p:spPr>
+      </p:pic>
+      <p:pic>
+        <p:nvPicPr>
+          <p:cNvPr id="5" name="图片 4"/>
+          <p:cNvPicPr>
+            <a:picLocks noChangeAspect="1"/>
+          </p:cNvPicPr>
+          <p:nvPr/>
+        </p:nvPicPr>
+        <p:blipFill>
+          <a:blip r:embed="rId3"/>
+          <a:stretch>
+            <a:fillRect/>
+          </a:stretch>
+        </p:blipFill>
+        <p:spPr>
+          <a:xfrm>
+            <a:off x="4047984" y="3329149"/>
+            <a:ext cx="2088284" cy="480756"/>
+          </a:xfrm>
+          <a:prstGeom prst="rect">
+            <a:avLst/>
+          </a:prstGeom>
+        </p:spPr>
+      </p:pic>
+      <p:pic>
+        <p:nvPicPr>
+          <p:cNvPr id="6" name="图片 5"/>
+          <p:cNvPicPr>
+            <a:picLocks noChangeAspect="1"/>
+          </p:cNvPicPr>
+          <p:nvPr/>
+        </p:nvPicPr>
+        <p:blipFill>
+          <a:blip r:embed="rId4"/>
+          <a:stretch>
+            <a:fillRect/>
+          </a:stretch>
+        </p:blipFill>
+        <p:spPr>
+          <a:xfrm>
+            <a:off x="2388499" y="5591790"/>
+            <a:ext cx="1782735" cy="585173"/>
+          </a:xfrm>
+          <a:prstGeom prst="rect">
+            <a:avLst/>
+          </a:prstGeom>
+        </p:spPr>
+      </p:pic>
+    </p:spTree>
+    <p:extLst>
+      <p:ext uri="{BB962C8B-B14F-4D97-AF65-F5344CB8AC3E}">
+        <p14:creationId xmlns:p14="http://schemas.microsoft.com/office/powerpoint/2010/main" val="2097979181"/>
+      </p:ext>
+    </p:extLst>
+  </p:cSld>
+  <p:clrMapOvr>
+    <a:masterClrMapping/>
+  </p:clrMapOvr>
+</p:sld>
+</file>
+
+<file path=ppt/slides/slide26.xml><?xml version="1.0" encoding="utf-8"?>
+<p:sld xmlns:a="http://schemas.openxmlformats.org/drawingml/2006/main" xmlns:r="http://schemas.openxmlformats.org/officeDocument/2006/relationships" xmlns:p="http://schemas.openxmlformats.org/presentationml/2006/main">
+  <p:cSld>
+    <p:spTree>
+      <p:nvGrpSpPr>
+        <p:cNvPr id="1" name=""/>
+        <p:cNvGrpSpPr/>
+        <p:nvPr/>
+      </p:nvGrpSpPr>
+      <p:grpSpPr>
+        <a:xfrm>
+          <a:off x="0" y="0"/>
+          <a:ext cx="0" cy="0"/>
+          <a:chOff x="0" y="0"/>
+          <a:chExt cx="0" cy="0"/>
+        </a:xfrm>
+      </p:grpSpPr>
+      <p:sp>
+        <p:nvSpPr>
+          <p:cNvPr id="2" name="标题 1"/>
+          <p:cNvSpPr>
+            <a:spLocks noGrp="1"/>
+          </p:cNvSpPr>
+          <p:nvPr>
+            <p:ph type="title"/>
+          </p:nvPr>
+        </p:nvSpPr>
+        <p:spPr/>
+        <p:txBody>
+          <a:bodyPr/>
+          <a:lstStyle/>
+          <a:p>
+            <a:r>
+              <a:rPr lang="en-US" altLang="zh-CN" dirty="0"/>
+              <a:t>Power Iteration</a:t>
+            </a:r>
+            <a:r>
+              <a:rPr lang="zh-CN" altLang="en-US" dirty="0"/>
+              <a:t>方法</a:t>
+            </a:r>
+          </a:p>
+        </p:txBody>
+      </p:sp>
+      <p:sp>
+        <p:nvSpPr>
+          <p:cNvPr id="3" name="内容占位符 2"/>
+          <p:cNvSpPr>
+            <a:spLocks noGrp="1"/>
+          </p:cNvSpPr>
+          <p:nvPr>
+            <p:ph idx="1"/>
+          </p:nvPr>
+        </p:nvSpPr>
+        <p:spPr/>
+        <p:txBody>
+          <a:bodyPr/>
+          <a:lstStyle/>
+          <a:p>
+            <a:r>
+              <a:rPr lang="zh-CN" altLang="en-US" dirty="0"/>
+              <a:t>再找第二个特征对</a:t>
+            </a:r>
+            <a:endParaRPr lang="en-US" altLang="zh-CN" dirty="0"/>
+          </a:p>
+          <a:p>
+            <a:r>
+              <a:rPr lang="zh-CN" altLang="en-US" dirty="0"/>
+              <a:t>在</a:t>
+            </a:r>
+            <a:r>
+              <a:rPr lang="en-US" altLang="zh-CN" dirty="0"/>
+              <a:t>M</a:t>
+            </a:r>
+            <a:r>
+              <a:rPr lang="zh-CN" altLang="en-US" dirty="0"/>
+              <a:t>中去掉第一个主特征向量的因素</a:t>
+            </a:r>
+            <a:endParaRPr lang="en-US" altLang="zh-CN" dirty="0"/>
+          </a:p>
+          <a:p>
+            <a:endParaRPr lang="en-US" altLang="zh-CN" dirty="0"/>
+          </a:p>
+          <a:p>
+            <a:r>
+              <a:rPr lang="zh-CN" altLang="en-US" dirty="0"/>
+              <a:t>然后类似计算</a:t>
+            </a:r>
+          </a:p>
+        </p:txBody>
+      </p:sp>
+      <p:pic>
+        <p:nvPicPr>
+          <p:cNvPr id="4" name="图片 3"/>
+          <p:cNvPicPr>
+            <a:picLocks noChangeAspect="1"/>
+          </p:cNvPicPr>
+          <p:nvPr/>
+        </p:nvPicPr>
+        <p:blipFill>
+          <a:blip r:embed="rId2"/>
+          <a:stretch>
+            <a:fillRect/>
+          </a:stretch>
+        </p:blipFill>
+        <p:spPr>
+          <a:xfrm>
+            <a:off x="2602884" y="2798287"/>
+            <a:ext cx="2944932" cy="490822"/>
+          </a:xfrm>
+          <a:prstGeom prst="rect">
+            <a:avLst/>
+          </a:prstGeom>
+        </p:spPr>
+      </p:pic>
+    </p:spTree>
+    <p:extLst>
+      <p:ext uri="{BB962C8B-B14F-4D97-AF65-F5344CB8AC3E}">
+        <p14:creationId xmlns:p14="http://schemas.microsoft.com/office/powerpoint/2010/main" val="3497050644"/>
+      </p:ext>
+    </p:extLst>
+  </p:cSld>
+  <p:clrMapOvr>
+    <a:masterClrMapping/>
+  </p:clrMapOvr>
+</p:sld>
+</file>
+
+<file path=ppt/slides/slide27.xml><?xml version="1.0" encoding="utf-8"?>
+<p:sld xmlns:a="http://schemas.openxmlformats.org/drawingml/2006/main" xmlns:r="http://schemas.openxmlformats.org/officeDocument/2006/relationships" xmlns:p="http://schemas.openxmlformats.org/presentationml/2006/main">
+  <p:cSld>
+    <p:spTree>
+      <p:nvGrpSpPr>
+        <p:cNvPr id="1" name=""/>
+        <p:cNvGrpSpPr/>
+        <p:nvPr/>
+      </p:nvGrpSpPr>
+      <p:grpSpPr>
+        <a:xfrm>
+          <a:off x="0" y="0"/>
+          <a:ext cx="0" cy="0"/>
+          <a:chOff x="0" y="0"/>
+          <a:chExt cx="0" cy="0"/>
+        </a:xfrm>
+      </p:grpSpPr>
+      <p:sp>
+        <p:nvSpPr>
+          <p:cNvPr id="2" name="标题 1"/>
+          <p:cNvSpPr>
+            <a:spLocks noGrp="1"/>
+          </p:cNvSpPr>
+          <p:nvPr>
+            <p:ph type="title"/>
+          </p:nvPr>
+        </p:nvSpPr>
+        <p:spPr/>
+        <p:txBody>
+          <a:bodyPr/>
+          <a:lstStyle/>
+          <a:p>
+            <a:r>
+              <a:rPr lang="en-US" altLang="zh-CN" dirty="0"/>
+              <a:t>Map-Reduce</a:t>
+            </a:r>
+            <a:endParaRPr lang="zh-CN" altLang="en-US" dirty="0"/>
+          </a:p>
+        </p:txBody>
+      </p:sp>
+      <p:sp>
+        <p:nvSpPr>
+          <p:cNvPr id="3" name="文本占位符 2"/>
+          <p:cNvSpPr>
+            <a:spLocks noGrp="1"/>
+          </p:cNvSpPr>
+          <p:nvPr>
+            <p:ph type="body" idx="1"/>
+          </p:nvPr>
+        </p:nvSpPr>
+        <p:spPr/>
+        <p:txBody>
+          <a:bodyPr/>
+          <a:lstStyle/>
+          <a:p>
+            <a:r>
+              <a:rPr lang="zh-CN" altLang="en-US" dirty="0"/>
+              <a:t>算法</a:t>
+            </a:r>
+            <a:r>
+              <a:rPr lang="en-US" altLang="zh-CN" dirty="0"/>
+              <a:t>: </a:t>
+            </a:r>
+            <a:r>
+              <a:rPr lang="zh-CN" altLang="en-US" dirty="0"/>
+              <a:t>矩阵乘法</a:t>
+            </a:r>
+          </a:p>
+        </p:txBody>
+      </p:sp>
+    </p:spTree>
+    <p:extLst>
+      <p:ext uri="{BB962C8B-B14F-4D97-AF65-F5344CB8AC3E}">
+        <p14:creationId xmlns:p14="http://schemas.microsoft.com/office/powerpoint/2010/main" val="2709829571"/>
+      </p:ext>
+    </p:extLst>
+  </p:cSld>
+  <p:clrMapOvr>
+    <a:masterClrMapping/>
+  </p:clrMapOvr>
+</p:sld>
+</file>
+
+<file path=ppt/slides/slide28.xml><?xml version="1.0" encoding="utf-8"?>
+<p:sld xmlns:a="http://schemas.openxmlformats.org/drawingml/2006/main" xmlns:r="http://schemas.openxmlformats.org/officeDocument/2006/relationships" xmlns:p="http://schemas.openxmlformats.org/presentationml/2006/main">
+  <p:cSld>
+    <p:spTree>
+      <p:nvGrpSpPr>
+        <p:cNvPr id="1" name=""/>
+        <p:cNvGrpSpPr/>
+        <p:nvPr/>
+      </p:nvGrpSpPr>
+      <p:grpSpPr>
+        <a:xfrm>
+          <a:off x="0" y="0"/>
+          <a:ext cx="0" cy="0"/>
+          <a:chOff x="0" y="0"/>
+          <a:chExt cx="0" cy="0"/>
+        </a:xfrm>
+      </p:grpSpPr>
+      <p:sp>
+        <p:nvSpPr>
+          <p:cNvPr id="2" name="标题 1"/>
+          <p:cNvSpPr>
+            <a:spLocks noGrp="1"/>
+          </p:cNvSpPr>
+          <p:nvPr>
+            <p:ph type="title"/>
+          </p:nvPr>
+        </p:nvSpPr>
+        <p:spPr/>
+        <p:txBody>
+          <a:bodyPr/>
+          <a:lstStyle/>
+          <a:p>
+            <a:r>
+              <a:rPr lang="en-US" altLang="zh-CN" dirty="0"/>
+              <a:t>Map-Reduce: </a:t>
+            </a:r>
+            <a:r>
+              <a:rPr lang="zh-CN" altLang="en-US" dirty="0"/>
+              <a:t>矩阵乘法</a:t>
+            </a:r>
+          </a:p>
+        </p:txBody>
+      </p:sp>
+      <p:sp>
+        <p:nvSpPr>
+          <p:cNvPr id="3" name="内容占位符 2"/>
+          <p:cNvSpPr>
+            <a:spLocks noGrp="1"/>
+          </p:cNvSpPr>
+          <p:nvPr>
+            <p:ph idx="1"/>
+          </p:nvPr>
+        </p:nvSpPr>
+        <p:spPr>
+          <a:xfrm>
+            <a:off x="628650" y="1690689"/>
+            <a:ext cx="7886700" cy="4351338"/>
+          </a:xfrm>
+        </p:spPr>
+        <p:txBody>
+          <a:bodyPr>
+            <a:normAutofit fontScale="92500" lnSpcReduction="10000"/>
+          </a:bodyPr>
+          <a:lstStyle/>
+          <a:p>
+            <a:r>
+              <a:rPr lang="en-US" altLang="zh-CN" dirty="0"/>
+              <a:t>PageRank</a:t>
+            </a:r>
+          </a:p>
+          <a:p>
+            <a:r>
+              <a:rPr lang="en-US" altLang="zh-CN" dirty="0"/>
+              <a:t>n × n </a:t>
+            </a:r>
+            <a:r>
+              <a:rPr lang="zh-CN" altLang="en-US" dirty="0"/>
+              <a:t>矩阵 </a:t>
+            </a:r>
+            <a:r>
+              <a:rPr lang="en-US" altLang="zh-CN" dirty="0"/>
+              <a:t>M</a:t>
+            </a:r>
+          </a:p>
+          <a:p>
+            <a:r>
+              <a:rPr lang="en-US" altLang="zh-CN" dirty="0"/>
+              <a:t>n × 1 </a:t>
+            </a:r>
+            <a:r>
+              <a:rPr lang="zh-CN" altLang="en-US" dirty="0"/>
+              <a:t>向量 </a:t>
+            </a:r>
+            <a:r>
+              <a:rPr lang="en-US" altLang="zh-CN" dirty="0"/>
+              <a:t>V</a:t>
+            </a:r>
+          </a:p>
+          <a:p>
+            <a:r>
+              <a:rPr lang="en-US" altLang="zh-CN" dirty="0"/>
+              <a:t>M ×V</a:t>
+            </a:r>
+          </a:p>
+          <a:p>
+            <a:endParaRPr lang="en-US" altLang="zh-CN" dirty="0"/>
+          </a:p>
+          <a:p>
+            <a:endParaRPr lang="en-US" altLang="zh-CN" dirty="0"/>
+          </a:p>
+          <a:p>
+            <a:endParaRPr lang="en-US" altLang="zh-CN" dirty="0"/>
+          </a:p>
+          <a:p>
+            <a:r>
+              <a:rPr lang="zh-CN" altLang="en-US" dirty="0">
+                <a:latin typeface="Times" pitchFamily="18" charset="0"/>
+              </a:rPr>
+              <a:t>通过</a:t>
+            </a:r>
+            <a:r>
+              <a:rPr lang="en-US" altLang="zh-CN" dirty="0">
+                <a:latin typeface="Times" pitchFamily="18" charset="0"/>
+              </a:rPr>
+              <a:t>key</a:t>
+            </a:r>
+            <a:r>
+              <a:rPr lang="zh-CN" altLang="en-US" dirty="0">
+                <a:latin typeface="Times" pitchFamily="18" charset="0"/>
+              </a:rPr>
+              <a:t>，把计算元素（</a:t>
+            </a:r>
+            <a:r>
+              <a:rPr lang="en-US" altLang="zh-CN" i="1" dirty="0">
+                <a:latin typeface="Times" pitchFamily="18" charset="0"/>
+              </a:rPr>
+              <a:t> </a:t>
+            </a:r>
+            <a:r>
+              <a:rPr lang="en-US" altLang="zh-CN" i="1" dirty="0" err="1">
+                <a:latin typeface="Times" pitchFamily="18" charset="0"/>
+              </a:rPr>
+              <a:t>m</a:t>
+            </a:r>
+            <a:r>
+              <a:rPr lang="en-US" altLang="zh-CN" i="1" baseline="-25000" dirty="0" err="1">
+                <a:latin typeface="Times" pitchFamily="18" charset="0"/>
+              </a:rPr>
+              <a:t>ij</a:t>
+            </a:r>
+            <a:r>
+              <a:rPr lang="en-US" altLang="zh-CN" i="1" dirty="0" err="1">
+                <a:latin typeface="Times" pitchFamily="18" charset="0"/>
+              </a:rPr>
+              <a:t>v</a:t>
+            </a:r>
+            <a:r>
+              <a:rPr lang="en-US" altLang="zh-CN" i="1" baseline="-25000" dirty="0" err="1">
+                <a:latin typeface="Times" pitchFamily="18" charset="0"/>
+              </a:rPr>
+              <a:t>j</a:t>
+            </a:r>
+            <a:r>
+              <a:rPr lang="en-US" altLang="zh-CN" i="1" baseline="-25000" dirty="0">
+                <a:latin typeface="Times" pitchFamily="18" charset="0"/>
+              </a:rPr>
+              <a:t> </a:t>
+            </a:r>
+            <a:r>
+              <a:rPr lang="zh-CN" altLang="en-US" dirty="0">
+                <a:latin typeface="Times" pitchFamily="18" charset="0"/>
+              </a:rPr>
+              <a:t>）</a:t>
+            </a:r>
+            <a:r>
+              <a:rPr lang="en-US" altLang="zh-CN" dirty="0">
+                <a:latin typeface="Times" pitchFamily="18" charset="0"/>
+              </a:rPr>
+              <a:t>Partition</a:t>
+            </a:r>
+            <a:r>
+              <a:rPr lang="zh-CN" altLang="en-US" dirty="0">
+                <a:latin typeface="Times" pitchFamily="18" charset="0"/>
+              </a:rPr>
+              <a:t>到一个</a:t>
+            </a:r>
+            <a:r>
+              <a:rPr lang="en-US" altLang="zh-CN" dirty="0">
+                <a:latin typeface="Times" pitchFamily="18" charset="0"/>
+              </a:rPr>
+              <a:t>Reducer</a:t>
+            </a:r>
+            <a:r>
+              <a:rPr lang="zh-CN" altLang="en-US" dirty="0">
+                <a:latin typeface="Times" pitchFamily="18" charset="0"/>
+              </a:rPr>
+              <a:t>去</a:t>
+            </a:r>
+            <a:endParaRPr lang="en-US" altLang="zh-CN" dirty="0">
+              <a:latin typeface="Times" pitchFamily="18" charset="0"/>
+            </a:endParaRPr>
+          </a:p>
+          <a:p>
+            <a:pPr lvl="1"/>
+            <a:r>
+              <a:rPr lang="en-US" altLang="zh-CN" sz="3000" dirty="0">
+                <a:latin typeface="Times" pitchFamily="18" charset="0"/>
+              </a:rPr>
+              <a:t>Key</a:t>
+            </a:r>
+            <a:r>
+              <a:rPr lang="zh-CN" altLang="en-US" sz="3000" dirty="0">
+                <a:latin typeface="Times" pitchFamily="18" charset="0"/>
+              </a:rPr>
+              <a:t>： </a:t>
+            </a:r>
+            <a:r>
+              <a:rPr lang="en-US" altLang="zh-CN" sz="3000" i="1" dirty="0" err="1">
+                <a:latin typeface="Times" pitchFamily="18" charset="0"/>
+              </a:rPr>
+              <a:t>i</a:t>
+            </a:r>
+            <a:endParaRPr lang="en-US" altLang="zh-CN" sz="3000" i="1" dirty="0">
+              <a:latin typeface="Times" pitchFamily="18" charset="0"/>
+            </a:endParaRPr>
+          </a:p>
+        </p:txBody>
+      </p:sp>
+      <p:pic>
+        <p:nvPicPr>
+          <p:cNvPr id="4" name="图片 3"/>
+          <p:cNvPicPr>
+            <a:picLocks noChangeAspect="1"/>
+          </p:cNvPicPr>
+          <p:nvPr/>
+        </p:nvPicPr>
+        <p:blipFill>
+          <a:blip r:embed="rId2"/>
+          <a:stretch>
+            <a:fillRect/>
+          </a:stretch>
+        </p:blipFill>
+        <p:spPr>
+          <a:xfrm>
+            <a:off x="2933700" y="3391694"/>
+            <a:ext cx="2515162" cy="1317466"/>
+          </a:xfrm>
+          <a:prstGeom prst="rect">
+            <a:avLst/>
+          </a:prstGeom>
+        </p:spPr>
+      </p:pic>
+    </p:spTree>
+    <p:extLst>
+      <p:ext uri="{BB962C8B-B14F-4D97-AF65-F5344CB8AC3E}">
+        <p14:creationId xmlns:p14="http://schemas.microsoft.com/office/powerpoint/2010/main" val="1293328994"/>
+      </p:ext>
+    </p:extLst>
+  </p:cSld>
+  <p:clrMapOvr>
+    <a:masterClrMapping/>
+  </p:clrMapOvr>
+</p:sld>
+</file>
+
+<file path=ppt/slides/slide29.xml><?xml version="1.0" encoding="utf-8"?>
+<p:sld xmlns:a="http://schemas.openxmlformats.org/drawingml/2006/main" xmlns:r="http://schemas.openxmlformats.org/officeDocument/2006/relationships" xmlns:p="http://schemas.openxmlformats.org/presentationml/2006/main">
+  <p:cSld>
+    <p:spTree>
+      <p:nvGrpSpPr>
+        <p:cNvPr id="1" name=""/>
+        <p:cNvGrpSpPr/>
+        <p:nvPr/>
+      </p:nvGrpSpPr>
+      <p:grpSpPr>
+        <a:xfrm>
+          <a:off x="0" y="0"/>
+          <a:ext cx="0" cy="0"/>
+          <a:chOff x="0" y="0"/>
+          <a:chExt cx="0" cy="0"/>
+        </a:xfrm>
+      </p:grpSpPr>
+      <p:sp>
+        <p:nvSpPr>
+          <p:cNvPr id="2" name="标题 1"/>
+          <p:cNvSpPr>
+            <a:spLocks noGrp="1"/>
+          </p:cNvSpPr>
+          <p:nvPr>
+            <p:ph type="title"/>
+          </p:nvPr>
+        </p:nvSpPr>
+        <p:spPr/>
+        <p:txBody>
+          <a:bodyPr/>
+          <a:lstStyle/>
+          <a:p>
+            <a:r>
+              <a:rPr lang="en-US" altLang="zh-CN" dirty="0"/>
+              <a:t>Map-Reduce: </a:t>
+            </a:r>
+            <a:r>
+              <a:rPr lang="zh-CN" altLang="en-US" dirty="0"/>
+              <a:t>矩阵乘法</a:t>
+            </a:r>
+          </a:p>
+        </p:txBody>
+      </p:sp>
+      <p:sp>
+        <p:nvSpPr>
+          <p:cNvPr id="3" name="内容占位符 2"/>
+          <p:cNvSpPr>
+            <a:spLocks noGrp="1"/>
+          </p:cNvSpPr>
+          <p:nvPr>
+            <p:ph idx="1"/>
+          </p:nvPr>
+        </p:nvSpPr>
+        <p:spPr/>
+        <p:txBody>
+          <a:bodyPr/>
+          <a:lstStyle/>
+          <a:p>
+            <a:r>
+              <a:rPr lang="en-US" altLang="zh-CN" dirty="0"/>
+              <a:t>V</a:t>
+            </a:r>
+            <a:r>
+              <a:rPr lang="zh-CN" altLang="en-US" dirty="0"/>
+              <a:t>特别大</a:t>
+            </a:r>
+            <a:endParaRPr lang="en-US" altLang="zh-CN" dirty="0"/>
+          </a:p>
+          <a:p>
+            <a:r>
+              <a:rPr lang="en-US" altLang="zh-CN" dirty="0"/>
+              <a:t>PageRank</a:t>
+            </a:r>
+          </a:p>
+          <a:p>
+            <a:pPr lvl="1"/>
+            <a:r>
+              <a:rPr lang="en-US" altLang="zh-CN" dirty="0"/>
+              <a:t>n</a:t>
+            </a:r>
+            <a:r>
+              <a:rPr lang="zh-CN" altLang="en-US" dirty="0"/>
+              <a:t> </a:t>
+            </a:r>
+            <a:r>
+              <a:rPr lang="en-US" altLang="zh-CN" dirty="0"/>
+              <a:t>= 20+ Billion</a:t>
+            </a:r>
+          </a:p>
+          <a:p>
+            <a:r>
+              <a:rPr lang="zh-CN" altLang="en-US" dirty="0"/>
+              <a:t>怎么办？</a:t>
+            </a:r>
+            <a:endParaRPr lang="en-US" altLang="zh-CN" dirty="0"/>
+          </a:p>
+          <a:p>
+            <a:r>
+              <a:rPr lang="zh-CN" altLang="en-US" dirty="0"/>
+              <a:t>把</a:t>
+            </a:r>
+            <a:r>
+              <a:rPr lang="en-US" altLang="zh-CN" dirty="0"/>
+              <a:t>V</a:t>
+            </a:r>
+            <a:r>
+              <a:rPr lang="zh-CN" altLang="en-US" dirty="0"/>
+              <a:t>和</a:t>
+            </a:r>
+            <a:r>
+              <a:rPr lang="en-US" altLang="zh-CN" dirty="0"/>
+              <a:t>M</a:t>
+            </a:r>
+            <a:r>
+              <a:rPr lang="zh-CN" altLang="en-US" dirty="0"/>
+              <a:t>分块</a:t>
+            </a:r>
+            <a:endParaRPr lang="en-US" altLang="zh-CN" dirty="0"/>
+          </a:p>
+          <a:p>
+            <a:pPr lvl="1"/>
+            <a:r>
+              <a:rPr lang="en-US" altLang="zh-CN" dirty="0">
+                <a:latin typeface="Times" pitchFamily="18" charset="0"/>
+              </a:rPr>
+              <a:t>(</a:t>
+            </a:r>
+            <a:r>
+              <a:rPr lang="en-US" altLang="zh-CN" i="1" dirty="0">
+                <a:latin typeface="Times" pitchFamily="18" charset="0"/>
+              </a:rPr>
+              <a:t> </a:t>
+            </a:r>
+            <a:r>
+              <a:rPr lang="en-US" altLang="zh-CN" i="1" dirty="0" err="1">
+                <a:latin typeface="Times" pitchFamily="18" charset="0"/>
+              </a:rPr>
+              <a:t>i</a:t>
+            </a:r>
+            <a:r>
+              <a:rPr lang="en-US" altLang="zh-CN" i="1" dirty="0">
+                <a:latin typeface="Times" pitchFamily="18" charset="0"/>
+              </a:rPr>
+              <a:t> , </a:t>
+            </a:r>
+            <a:r>
+              <a:rPr lang="en-US" altLang="zh-CN" i="1" dirty="0" err="1">
+                <a:latin typeface="Times" pitchFamily="18" charset="0"/>
+              </a:rPr>
+              <a:t>m</a:t>
+            </a:r>
+            <a:r>
+              <a:rPr lang="en-US" altLang="zh-CN" i="1" baseline="-25000" dirty="0" err="1">
+                <a:latin typeface="Times" pitchFamily="18" charset="0"/>
+              </a:rPr>
+              <a:t>ij</a:t>
+            </a:r>
+            <a:r>
+              <a:rPr lang="en-US" altLang="zh-CN" i="1" dirty="0" err="1">
+                <a:latin typeface="Times" pitchFamily="18" charset="0"/>
+              </a:rPr>
+              <a:t>v</a:t>
+            </a:r>
+            <a:r>
+              <a:rPr lang="en-US" altLang="zh-CN" i="1" baseline="-25000" dirty="0" err="1">
+                <a:latin typeface="Times" pitchFamily="18" charset="0"/>
+              </a:rPr>
+              <a:t>j</a:t>
+            </a:r>
+            <a:r>
+              <a:rPr lang="en-US" altLang="zh-CN" i="1" dirty="0">
+                <a:latin typeface="Times" pitchFamily="18" charset="0"/>
+              </a:rPr>
+              <a:t> </a:t>
+            </a:r>
+            <a:r>
+              <a:rPr lang="en-US" altLang="zh-CN" dirty="0">
+                <a:latin typeface="Times" pitchFamily="18" charset="0"/>
+              </a:rPr>
+              <a:t>)</a:t>
+            </a:r>
+            <a:endParaRPr lang="zh-CN" altLang="en-US" baseline="-25000" dirty="0">
+              <a:latin typeface="Times" pitchFamily="18" charset="0"/>
+            </a:endParaRPr>
+          </a:p>
+          <a:p>
+            <a:pPr lvl="1"/>
+            <a:endParaRPr lang="zh-CN" altLang="en-US" dirty="0"/>
+          </a:p>
+        </p:txBody>
+      </p:sp>
+      <p:pic>
+        <p:nvPicPr>
+          <p:cNvPr id="4" name="图片 3"/>
+          <p:cNvPicPr>
+            <a:picLocks noChangeAspect="1"/>
+          </p:cNvPicPr>
+          <p:nvPr/>
+        </p:nvPicPr>
+        <p:blipFill>
+          <a:blip r:embed="rId2"/>
+          <a:stretch>
+            <a:fillRect/>
+          </a:stretch>
+        </p:blipFill>
+        <p:spPr>
+          <a:xfrm>
+            <a:off x="3250882" y="1825625"/>
+            <a:ext cx="5448314" cy="4351338"/>
+          </a:xfrm>
+          <a:prstGeom prst="rect">
+            <a:avLst/>
+          </a:prstGeom>
+        </p:spPr>
+      </p:pic>
+    </p:spTree>
+    <p:extLst>
+      <p:ext uri="{BB962C8B-B14F-4D97-AF65-F5344CB8AC3E}">
+        <p14:creationId xmlns:p14="http://schemas.microsoft.com/office/powerpoint/2010/main" val="252079717"/>
       </p:ext>
     </p:extLst>
   </p:cSld>
@@ -5328,61 +6653,1007 @@
           <a:lstStyle/>
           <a:p>
             <a:r>
+              <a:rPr lang="zh-CN" altLang="en-US" dirty="0"/>
+              <a:t>定义</a:t>
+            </a:r>
+          </a:p>
+        </p:txBody>
+      </p:sp>
+      <p:sp>
+        <p:nvSpPr>
+          <p:cNvPr id="3" name="内容占位符 2"/>
+          <p:cNvSpPr>
+            <a:spLocks noGrp="1"/>
+          </p:cNvSpPr>
+          <p:nvPr>
+            <p:ph idx="1"/>
+          </p:nvPr>
+        </p:nvSpPr>
+        <p:spPr/>
+        <p:txBody>
+          <a:bodyPr/>
+          <a:lstStyle/>
+          <a:p>
+            <a:r>
               <a:rPr lang="en-US" altLang="zh-CN" dirty="0"/>
-              <a:t>SVD</a:t>
-            </a:r>
-            <a:endParaRPr lang="zh-CN" altLang="en-US" dirty="0"/>
-          </a:p>
-        </p:txBody>
-      </p:sp>
-      <p:sp>
-        <p:nvSpPr>
-          <p:cNvPr id="3" name="内容占位符 2"/>
-          <p:cNvSpPr>
-            <a:spLocks noGrp="1"/>
-          </p:cNvSpPr>
-          <p:nvPr>
-            <p:ph idx="1"/>
-          </p:nvPr>
-        </p:nvSpPr>
-        <p:spPr/>
-        <p:txBody>
-          <a:bodyPr/>
-          <a:lstStyle/>
-          <a:p>
-            <a:r>
-              <a:rPr lang="zh-CN" altLang="en-US" dirty="0"/>
-              <a:t>定义</a:t>
+              <a:t>r </a:t>
+            </a:r>
+            <a:r>
+              <a:rPr lang="zh-CN" altLang="en-US" dirty="0"/>
+              <a:t>是 </a:t>
+            </a:r>
+            <a:r>
+              <a:rPr lang="en-US" altLang="zh-CN" dirty="0"/>
+              <a:t>A </a:t>
+            </a:r>
+            <a:r>
+              <a:rPr lang="zh-CN" altLang="en-US" dirty="0"/>
+              <a:t>的 </a:t>
+            </a:r>
+            <a:r>
+              <a:rPr lang="en-US" altLang="zh-CN" dirty="0"/>
+              <a:t>Rank </a:t>
+            </a:r>
+            <a:r>
+              <a:rPr lang="zh-CN" altLang="en-US" dirty="0"/>
+              <a:t>（秩）</a:t>
             </a:r>
             <a:endParaRPr lang="en-US" altLang="zh-CN" dirty="0"/>
           </a:p>
           <a:p>
-            <a:r>
-              <a:rPr lang="zh-CN" altLang="en-US" dirty="0"/>
-              <a:t>降维</a:t>
-            </a:r>
             <a:endParaRPr lang="en-US" altLang="zh-CN" dirty="0"/>
           </a:p>
           <a:p>
-            <a:r>
-              <a:rPr lang="zh-CN" altLang="en-US" dirty="0"/>
-              <a:t>应用</a:t>
-            </a:r>
             <a:endParaRPr lang="en-US" altLang="zh-CN" dirty="0"/>
           </a:p>
           <a:p>
-            <a:r>
-              <a:rPr lang="zh-CN" altLang="en-US" dirty="0"/>
-              <a:t>计算</a:t>
-            </a:r>
             <a:endParaRPr lang="en-US" altLang="zh-CN" dirty="0"/>
           </a:p>
-        </p:txBody>
-      </p:sp>
+          <a:p>
+            <a:r>
+              <a:rPr lang="en-US" altLang="zh-CN" sz="2400" dirty="0"/>
+              <a:t>U</a:t>
+            </a:r>
+            <a:r>
+              <a:rPr lang="zh-CN" altLang="en-US" sz="2400" dirty="0"/>
+              <a:t>：左奇异向量 </a:t>
+            </a:r>
+            <a:r>
+              <a:rPr lang="en-US" altLang="zh-CN" sz="2400" dirty="0"/>
+              <a:t>Left singular vectors </a:t>
+            </a:r>
+            <a:r>
+              <a:rPr lang="zh-CN" altLang="en-US" sz="2400" dirty="0"/>
+              <a:t>单位正交矩阵</a:t>
+            </a:r>
+            <a:endParaRPr lang="en-US" altLang="zh-CN" sz="2400" dirty="0"/>
+          </a:p>
+          <a:p>
+            <a:r>
+              <a:rPr lang="en-US" altLang="zh-CN" sz="2400" dirty="0"/>
+              <a:t>   </a:t>
+            </a:r>
+            <a:r>
+              <a:rPr lang="zh-CN" altLang="en-US" sz="2400" dirty="0"/>
+              <a:t>：奇异值 </a:t>
+            </a:r>
+            <a:r>
+              <a:rPr lang="en-US" altLang="zh-CN" sz="2400" dirty="0"/>
+              <a:t>Singular values</a:t>
+            </a:r>
+            <a:r>
+              <a:rPr lang="zh-CN" altLang="en-US" sz="2400" dirty="0"/>
+              <a:t>对角阵，</a:t>
+            </a:r>
+            <a:endParaRPr lang="en-US" altLang="zh-CN" sz="2400" dirty="0"/>
+          </a:p>
+          <a:p>
+            <a:r>
+              <a:rPr lang="en-US" altLang="zh-CN" sz="2400" dirty="0"/>
+              <a:t>V</a:t>
+            </a:r>
+            <a:r>
+              <a:rPr lang="zh-CN" altLang="en-US" sz="2400" dirty="0"/>
+              <a:t>：右奇异向量 </a:t>
+            </a:r>
+            <a:r>
+              <a:rPr lang="en-US" altLang="zh-CN" sz="2400" dirty="0"/>
+              <a:t>Right singular vectors </a:t>
+            </a:r>
+            <a:r>
+              <a:rPr lang="zh-CN" altLang="en-US" sz="2400" dirty="0"/>
+              <a:t>单位正交矩阵</a:t>
+            </a:r>
+            <a:endParaRPr lang="en-US" altLang="zh-CN" sz="2400" dirty="0"/>
+          </a:p>
+          <a:p>
+            <a:r>
+              <a:rPr lang="zh-CN" altLang="en-US" dirty="0"/>
+              <a:t>得到了原矩阵的</a:t>
+            </a:r>
+            <a:r>
+              <a:rPr lang="en-US" altLang="zh-CN" dirty="0"/>
+              <a:t>m</a:t>
+            </a:r>
+            <a:r>
+              <a:rPr lang="zh-CN" altLang="en-US" dirty="0"/>
+              <a:t>行，</a:t>
+            </a:r>
+            <a:r>
+              <a:rPr lang="en-US" altLang="zh-CN" dirty="0"/>
+              <a:t>n</a:t>
+            </a:r>
+            <a:r>
+              <a:rPr lang="zh-CN" altLang="en-US" dirty="0"/>
+              <a:t>列元素的</a:t>
+            </a:r>
+            <a:r>
+              <a:rPr lang="en-US" altLang="zh-CN" dirty="0"/>
+              <a:t>r</a:t>
+            </a:r>
+            <a:r>
+              <a:rPr lang="zh-CN" altLang="en-US" dirty="0"/>
+              <a:t>维隐式表征</a:t>
+            </a:r>
+            <a:endParaRPr lang="en-US" altLang="zh-CN" dirty="0"/>
+          </a:p>
+          <a:p>
+            <a:endParaRPr lang="en-US" altLang="zh-CN" dirty="0"/>
+          </a:p>
+          <a:p>
+            <a:endParaRPr lang="en-US" altLang="zh-CN" dirty="0"/>
+          </a:p>
+        </p:txBody>
+      </p:sp>
+      <p:pic>
+        <p:nvPicPr>
+          <p:cNvPr id="4" name="图片 3"/>
+          <p:cNvPicPr>
+            <a:picLocks noChangeAspect="1"/>
+          </p:cNvPicPr>
+          <p:nvPr/>
+        </p:nvPicPr>
+        <p:blipFill>
+          <a:blip r:embed="rId2"/>
+          <a:stretch>
+            <a:fillRect/>
+          </a:stretch>
+        </p:blipFill>
+        <p:spPr>
+          <a:xfrm>
+            <a:off x="466727" y="2412482"/>
+            <a:ext cx="8048625" cy="828675"/>
+          </a:xfrm>
+          <a:prstGeom prst="rect">
+            <a:avLst/>
+          </a:prstGeom>
+        </p:spPr>
+      </p:pic>
+      <p:pic>
+        <p:nvPicPr>
+          <p:cNvPr id="5" name="图片 4"/>
+          <p:cNvPicPr>
+            <a:picLocks noChangeAspect="1"/>
+          </p:cNvPicPr>
+          <p:nvPr/>
+        </p:nvPicPr>
+        <p:blipFill>
+          <a:blip r:embed="rId3"/>
+          <a:stretch>
+            <a:fillRect/>
+          </a:stretch>
+        </p:blipFill>
+        <p:spPr>
+          <a:xfrm>
+            <a:off x="836567" y="4309993"/>
+            <a:ext cx="356199" cy="395777"/>
+          </a:xfrm>
+          <a:prstGeom prst="rect">
+            <a:avLst/>
+          </a:prstGeom>
+        </p:spPr>
+      </p:pic>
+      <p:pic>
+        <p:nvPicPr>
+          <p:cNvPr id="6" name="图片 5"/>
+          <p:cNvPicPr>
+            <a:picLocks noChangeAspect="1"/>
+          </p:cNvPicPr>
+          <p:nvPr/>
+        </p:nvPicPr>
+        <p:blipFill>
+          <a:blip r:embed="rId4"/>
+          <a:stretch>
+            <a:fillRect/>
+          </a:stretch>
+        </p:blipFill>
+        <p:spPr>
+          <a:xfrm>
+            <a:off x="5425625" y="4309991"/>
+            <a:ext cx="2135235" cy="352126"/>
+          </a:xfrm>
+          <a:prstGeom prst="rect">
+            <a:avLst/>
+          </a:prstGeom>
+        </p:spPr>
+      </p:pic>
     </p:spTree>
     <p:extLst>
       <p:ext uri="{BB962C8B-B14F-4D97-AF65-F5344CB8AC3E}">
-        <p14:creationId xmlns:p14="http://schemas.microsoft.com/office/powerpoint/2010/main" val="3430781290"/>
+        <p14:creationId xmlns:p14="http://schemas.microsoft.com/office/powerpoint/2010/main" val="187964410"/>
+      </p:ext>
+    </p:extLst>
+  </p:cSld>
+  <p:clrMapOvr>
+    <a:masterClrMapping/>
+  </p:clrMapOvr>
+</p:sld>
+</file>
+
+<file path=ppt/slides/slide30.xml><?xml version="1.0" encoding="utf-8"?>
+<p:sld xmlns:a="http://schemas.openxmlformats.org/drawingml/2006/main" xmlns:r="http://schemas.openxmlformats.org/officeDocument/2006/relationships" xmlns:p="http://schemas.openxmlformats.org/presentationml/2006/main">
+  <p:cSld>
+    <p:spTree>
+      <p:nvGrpSpPr>
+        <p:cNvPr id="1" name=""/>
+        <p:cNvGrpSpPr/>
+        <p:nvPr/>
+      </p:nvGrpSpPr>
+      <p:grpSpPr>
+        <a:xfrm>
+          <a:off x="0" y="0"/>
+          <a:ext cx="0" cy="0"/>
+          <a:chOff x="0" y="0"/>
+          <a:chExt cx="0" cy="0"/>
+        </a:xfrm>
+      </p:grpSpPr>
+      <p:sp>
+        <p:nvSpPr>
+          <p:cNvPr id="2" name="标题 1"/>
+          <p:cNvSpPr>
+            <a:spLocks noGrp="1"/>
+          </p:cNvSpPr>
+          <p:nvPr>
+            <p:ph type="title"/>
+          </p:nvPr>
+        </p:nvSpPr>
+        <p:spPr/>
+        <p:txBody>
+          <a:bodyPr/>
+          <a:lstStyle/>
+          <a:p>
+            <a:r>
+              <a:rPr lang="en-US" altLang="zh-CN" dirty="0"/>
+              <a:t>Map-Reduce: </a:t>
+            </a:r>
+            <a:r>
+              <a:rPr lang="zh-CN" altLang="en-US" dirty="0"/>
+              <a:t>矩阵乘法</a:t>
+            </a:r>
+          </a:p>
+        </p:txBody>
+      </p:sp>
+      <p:sp>
+        <p:nvSpPr>
+          <p:cNvPr id="3" name="内容占位符 2"/>
+          <p:cNvSpPr>
+            <a:spLocks noGrp="1"/>
+          </p:cNvSpPr>
+          <p:nvPr>
+            <p:ph idx="1"/>
+          </p:nvPr>
+        </p:nvSpPr>
+        <p:spPr/>
+        <p:txBody>
+          <a:bodyPr>
+            <a:normAutofit/>
+          </a:bodyPr>
+          <a:lstStyle/>
+          <a:p>
+            <a:endParaRPr lang="en-US" altLang="zh-CN" sz="4000" dirty="0"/>
+          </a:p>
+          <a:p>
+            <a:endParaRPr lang="en-US" altLang="zh-CN" sz="4000" dirty="0"/>
+          </a:p>
+          <a:p>
+            <a:endParaRPr lang="en-US" altLang="zh-CN" sz="4000" dirty="0"/>
+          </a:p>
+          <a:p>
+            <a:r>
+              <a:rPr lang="en-US" altLang="zh-CN" sz="4000" dirty="0"/>
+              <a:t>Key:  (</a:t>
+            </a:r>
+            <a:r>
+              <a:rPr lang="en-US" altLang="zh-CN" sz="4000" dirty="0" err="1"/>
+              <a:t>i,k</a:t>
+            </a:r>
+            <a:r>
+              <a:rPr lang="en-US" altLang="zh-CN" sz="4000" dirty="0"/>
+              <a:t>)</a:t>
+            </a:r>
+          </a:p>
+          <a:p>
+            <a:endParaRPr lang="en-US" altLang="zh-CN" sz="4000" dirty="0"/>
+          </a:p>
+          <a:p>
+            <a:pPr lvl="1"/>
+            <a:endParaRPr lang="zh-CN" altLang="en-US" sz="3600" dirty="0"/>
+          </a:p>
+        </p:txBody>
+      </p:sp>
+      <p:pic>
+        <p:nvPicPr>
+          <p:cNvPr id="9" name="图片 8"/>
+          <p:cNvPicPr>
+            <a:picLocks noChangeAspect="1"/>
+          </p:cNvPicPr>
+          <p:nvPr/>
+        </p:nvPicPr>
+        <p:blipFill>
+          <a:blip r:embed="rId2"/>
+          <a:stretch>
+            <a:fillRect/>
+          </a:stretch>
+        </p:blipFill>
+        <p:spPr>
+          <a:xfrm>
+            <a:off x="2652712" y="2237105"/>
+            <a:ext cx="3134728" cy="1143953"/>
+          </a:xfrm>
+          <a:prstGeom prst="rect">
+            <a:avLst/>
+          </a:prstGeom>
+        </p:spPr>
+      </p:pic>
+    </p:spTree>
+    <p:extLst>
+      <p:ext uri="{BB962C8B-B14F-4D97-AF65-F5344CB8AC3E}">
+        <p14:creationId xmlns:p14="http://schemas.microsoft.com/office/powerpoint/2010/main" val="499346140"/>
+      </p:ext>
+    </p:extLst>
+  </p:cSld>
+  <p:clrMapOvr>
+    <a:masterClrMapping/>
+  </p:clrMapOvr>
+</p:sld>
+</file>
+
+<file path=ppt/slides/slide31.xml><?xml version="1.0" encoding="utf-8"?>
+<p:sld xmlns:a="http://schemas.openxmlformats.org/drawingml/2006/main" xmlns:r="http://schemas.openxmlformats.org/officeDocument/2006/relationships" xmlns:p="http://schemas.openxmlformats.org/presentationml/2006/main">
+  <p:cSld>
+    <p:spTree>
+      <p:nvGrpSpPr>
+        <p:cNvPr id="1" name=""/>
+        <p:cNvGrpSpPr/>
+        <p:nvPr/>
+      </p:nvGrpSpPr>
+      <p:grpSpPr>
+        <a:xfrm>
+          <a:off x="0" y="0"/>
+          <a:ext cx="0" cy="0"/>
+          <a:chOff x="0" y="0"/>
+          <a:chExt cx="0" cy="0"/>
+        </a:xfrm>
+      </p:grpSpPr>
+      <p:sp>
+        <p:nvSpPr>
+          <p:cNvPr id="2" name="标题 1"/>
+          <p:cNvSpPr>
+            <a:spLocks noGrp="1"/>
+          </p:cNvSpPr>
+          <p:nvPr>
+            <p:ph type="title"/>
+          </p:nvPr>
+        </p:nvSpPr>
+        <p:spPr/>
+        <p:txBody>
+          <a:bodyPr/>
+          <a:lstStyle/>
+          <a:p>
+            <a:r>
+              <a:rPr lang="en-US" altLang="zh-CN" dirty="0"/>
+              <a:t>SVD</a:t>
+            </a:r>
+            <a:r>
+              <a:rPr lang="zh-CN" altLang="en-US" dirty="0"/>
+              <a:t>的问题</a:t>
+            </a:r>
+          </a:p>
+        </p:txBody>
+      </p:sp>
+      <p:sp>
+        <p:nvSpPr>
+          <p:cNvPr id="3" name="内容占位符 2"/>
+          <p:cNvSpPr>
+            <a:spLocks noGrp="1"/>
+          </p:cNvSpPr>
+          <p:nvPr>
+            <p:ph idx="1"/>
+          </p:nvPr>
+        </p:nvSpPr>
+        <p:spPr/>
+        <p:txBody>
+          <a:bodyPr/>
+          <a:lstStyle/>
+          <a:p>
+            <a:r>
+              <a:rPr lang="zh-CN" altLang="en-US" dirty="0"/>
+              <a:t>结果难以解释</a:t>
+            </a:r>
+            <a:endParaRPr lang="en-US" altLang="zh-CN" dirty="0"/>
+          </a:p>
+          <a:p>
+            <a:pPr lvl="1"/>
+            <a:r>
+              <a:rPr lang="zh-CN" altLang="en-US" dirty="0"/>
+              <a:t>为什么这么多维？</a:t>
+            </a:r>
+            <a:endParaRPr lang="en-US" altLang="zh-CN" dirty="0"/>
+          </a:p>
+          <a:p>
+            <a:r>
+              <a:rPr lang="en-US" altLang="zh-CN" dirty="0"/>
+              <a:t>U</a:t>
+            </a:r>
+            <a:r>
+              <a:rPr lang="zh-CN" altLang="en-US" dirty="0"/>
+              <a:t>和</a:t>
+            </a:r>
+            <a:r>
+              <a:rPr lang="en-US" altLang="zh-CN" dirty="0"/>
+              <a:t>V</a:t>
+            </a:r>
+            <a:r>
+              <a:rPr lang="zh-CN" altLang="en-US" dirty="0"/>
+              <a:t>很</a:t>
+            </a:r>
+            <a:r>
+              <a:rPr lang="en-US" altLang="zh-CN" dirty="0"/>
+              <a:t>Dense</a:t>
+            </a:r>
+            <a:r>
+              <a:rPr lang="zh-CN" altLang="en-US" dirty="0"/>
+              <a:t>！</a:t>
+            </a:r>
+            <a:endParaRPr lang="en-US" altLang="zh-CN" dirty="0"/>
+          </a:p>
+          <a:p>
+            <a:pPr lvl="1"/>
+            <a:r>
+              <a:rPr lang="zh-CN" altLang="en-US" dirty="0"/>
+              <a:t>占空间多</a:t>
+            </a:r>
+            <a:endParaRPr lang="en-US" altLang="zh-CN" dirty="0"/>
+          </a:p>
+        </p:txBody>
+      </p:sp>
+      <p:pic>
+        <p:nvPicPr>
+          <p:cNvPr id="4" name="图片 3"/>
+          <p:cNvPicPr>
+            <a:picLocks noChangeAspect="1"/>
+          </p:cNvPicPr>
+          <p:nvPr/>
+        </p:nvPicPr>
+        <p:blipFill>
+          <a:blip r:embed="rId2"/>
+          <a:stretch>
+            <a:fillRect/>
+          </a:stretch>
+        </p:blipFill>
+        <p:spPr>
+          <a:xfrm>
+            <a:off x="2552022" y="3181168"/>
+            <a:ext cx="6182547" cy="3277682"/>
+          </a:xfrm>
+          <a:prstGeom prst="rect">
+            <a:avLst/>
+          </a:prstGeom>
+        </p:spPr>
+      </p:pic>
+    </p:spTree>
+    <p:extLst>
+      <p:ext uri="{BB962C8B-B14F-4D97-AF65-F5344CB8AC3E}">
+        <p14:creationId xmlns:p14="http://schemas.microsoft.com/office/powerpoint/2010/main" val="3329490661"/>
+      </p:ext>
+    </p:extLst>
+  </p:cSld>
+  <p:clrMapOvr>
+    <a:masterClrMapping/>
+  </p:clrMapOvr>
+</p:sld>
+</file>
+
+<file path=ppt/slides/slide32.xml><?xml version="1.0" encoding="utf-8"?>
+<p:sld xmlns:a="http://schemas.openxmlformats.org/drawingml/2006/main" xmlns:r="http://schemas.openxmlformats.org/officeDocument/2006/relationships" xmlns:p="http://schemas.openxmlformats.org/presentationml/2006/main">
+  <p:cSld>
+    <p:spTree>
+      <p:nvGrpSpPr>
+        <p:cNvPr id="1" name=""/>
+        <p:cNvGrpSpPr/>
+        <p:nvPr/>
+      </p:nvGrpSpPr>
+      <p:grpSpPr>
+        <a:xfrm>
+          <a:off x="0" y="0"/>
+          <a:ext cx="0" cy="0"/>
+          <a:chOff x="0" y="0"/>
+          <a:chExt cx="0" cy="0"/>
+        </a:xfrm>
+      </p:grpSpPr>
+      <p:sp>
+        <p:nvSpPr>
+          <p:cNvPr id="2" name="标题 1"/>
+          <p:cNvSpPr>
+            <a:spLocks noGrp="1"/>
+          </p:cNvSpPr>
+          <p:nvPr>
+            <p:ph type="title"/>
+          </p:nvPr>
+        </p:nvSpPr>
+        <p:spPr/>
+        <p:txBody>
+          <a:bodyPr/>
+          <a:lstStyle/>
+          <a:p>
+            <a:r>
+              <a:rPr lang="zh-CN" altLang="en-US" dirty="0"/>
+              <a:t>比较</a:t>
+            </a:r>
+          </a:p>
+        </p:txBody>
+      </p:sp>
+      <p:pic>
+        <p:nvPicPr>
+          <p:cNvPr id="4" name="图片 3"/>
+          <p:cNvPicPr>
+            <a:picLocks noChangeAspect="1"/>
+          </p:cNvPicPr>
+          <p:nvPr/>
+        </p:nvPicPr>
+        <p:blipFill>
+          <a:blip r:embed="rId2"/>
+          <a:stretch>
+            <a:fillRect/>
+          </a:stretch>
+        </p:blipFill>
+        <p:spPr>
+          <a:xfrm>
+            <a:off x="1306845" y="1557160"/>
+            <a:ext cx="6008356" cy="4888271"/>
+          </a:xfrm>
+          <a:prstGeom prst="rect">
+            <a:avLst/>
+          </a:prstGeom>
+        </p:spPr>
+      </p:pic>
+      <p:sp>
+        <p:nvSpPr>
+          <p:cNvPr id="3" name="矩形 2">
+            <a:extLst>
+              <a:ext uri="{FF2B5EF4-FFF2-40B4-BE49-F238E27FC236}">
+                <a16:creationId xmlns:a16="http://schemas.microsoft.com/office/drawing/2014/main" id="{CF96112C-7069-4243-A1EC-0500C48BF353}"/>
+              </a:ext>
+            </a:extLst>
+          </p:cNvPr>
+          <p:cNvSpPr/>
+          <p:nvPr/>
+        </p:nvSpPr>
+        <p:spPr>
+          <a:xfrm>
+            <a:off x="3598704" y="591811"/>
+            <a:ext cx="4163319" cy="369332"/>
+          </a:xfrm>
+          <a:prstGeom prst="rect">
+            <a:avLst/>
+          </a:prstGeom>
+        </p:spPr>
+        <p:txBody>
+          <a:bodyPr wrap="none">
+            <a:spAutoFit/>
+          </a:bodyPr>
+          <a:lstStyle/>
+          <a:p>
+            <a:r>
+              <a:rPr lang="zh-CN" altLang="en-US" dirty="0"/>
+              <a:t>https://www.pnas.org/content/106/3/697</a:t>
+            </a:r>
+          </a:p>
+        </p:txBody>
+      </p:sp>
+    </p:spTree>
+    <p:extLst>
+      <p:ext uri="{BB962C8B-B14F-4D97-AF65-F5344CB8AC3E}">
+        <p14:creationId xmlns:p14="http://schemas.microsoft.com/office/powerpoint/2010/main" val="1767734570"/>
+      </p:ext>
+    </p:extLst>
+  </p:cSld>
+  <p:clrMapOvr>
+    <a:masterClrMapping/>
+  </p:clrMapOvr>
+</p:sld>
+</file>
+
+<file path=ppt/slides/slide33.xml><?xml version="1.0" encoding="utf-8"?>
+<p:sld xmlns:a="http://schemas.openxmlformats.org/drawingml/2006/main" xmlns:r="http://schemas.openxmlformats.org/officeDocument/2006/relationships" xmlns:p="http://schemas.openxmlformats.org/presentationml/2006/main">
+  <p:cSld>
+    <p:spTree>
+      <p:nvGrpSpPr>
+        <p:cNvPr id="1" name=""/>
+        <p:cNvGrpSpPr/>
+        <p:nvPr/>
+      </p:nvGrpSpPr>
+      <p:grpSpPr>
+        <a:xfrm>
+          <a:off x="0" y="0"/>
+          <a:ext cx="0" cy="0"/>
+          <a:chOff x="0" y="0"/>
+          <a:chExt cx="0" cy="0"/>
+        </a:xfrm>
+      </p:grpSpPr>
+      <p:sp>
+        <p:nvSpPr>
+          <p:cNvPr id="2" name="标题 1">
+            <a:extLst>
+              <a:ext uri="{FF2B5EF4-FFF2-40B4-BE49-F238E27FC236}">
+                <a16:creationId xmlns:a16="http://schemas.microsoft.com/office/drawing/2014/main" id="{85494C82-DA09-A842-9316-C9AD1FACD24C}"/>
+              </a:ext>
+            </a:extLst>
+          </p:cNvPr>
+          <p:cNvSpPr>
+            <a:spLocks noGrp="1"/>
+          </p:cNvSpPr>
+          <p:nvPr>
+            <p:ph type="title"/>
+          </p:nvPr>
+        </p:nvSpPr>
+        <p:spPr/>
+        <p:txBody>
+          <a:bodyPr/>
+          <a:lstStyle/>
+          <a:p>
+            <a:r>
+              <a:rPr kumimoji="1" lang="zh-CN" altLang="en-US" dirty="0"/>
+              <a:t>自学</a:t>
+            </a:r>
+          </a:p>
+        </p:txBody>
+      </p:sp>
+      <p:sp>
+        <p:nvSpPr>
+          <p:cNvPr id="3" name="内容占位符 2">
+            <a:extLst>
+              <a:ext uri="{FF2B5EF4-FFF2-40B4-BE49-F238E27FC236}">
+                <a16:creationId xmlns:a16="http://schemas.microsoft.com/office/drawing/2014/main" id="{C032903A-ABA2-5A46-A6B6-F8BF05797248}"/>
+              </a:ext>
+            </a:extLst>
+          </p:cNvPr>
+          <p:cNvSpPr>
+            <a:spLocks noGrp="1"/>
+          </p:cNvSpPr>
+          <p:nvPr>
+            <p:ph idx="1"/>
+          </p:nvPr>
+        </p:nvSpPr>
+        <p:spPr>
+          <a:xfrm>
+            <a:off x="628650" y="1556952"/>
+            <a:ext cx="7886700" cy="5066270"/>
+          </a:xfrm>
+        </p:spPr>
+        <p:txBody>
+          <a:bodyPr>
+            <a:normAutofit/>
+          </a:bodyPr>
+          <a:lstStyle/>
+          <a:p>
+            <a:r>
+              <a:rPr kumimoji="1" lang="zh-CN" altLang="en-US" dirty="0"/>
+              <a:t>自学</a:t>
+            </a:r>
+            <a:r>
+              <a:rPr kumimoji="1" lang="en-US" altLang="zh-CN" dirty="0"/>
+              <a:t>UCSD</a:t>
+            </a:r>
+            <a:r>
+              <a:rPr kumimoji="1" lang="zh-CN" altLang="en-US" dirty="0"/>
+              <a:t> 天气降维分析部分视频，简答题</a:t>
+            </a:r>
+            <a:endParaRPr kumimoji="1" lang="en-US" altLang="zh-CN" dirty="0"/>
+          </a:p>
+          <a:p>
+            <a:pPr lvl="1"/>
+            <a:r>
+              <a:rPr kumimoji="1" lang="en-US" altLang="zh-CN" dirty="0">
+                <a:hlinkClick r:id="rId2"/>
+              </a:rPr>
+              <a:t>https://courses.edx.org/courses/course-v1:UCSanDiegoX+DSE230x+1T2018/jump_to/block-v1:UCSanDiegoX+DSE230x+1T2018+type@vertical+block@d5bab721380d4c678e63eabfbc653572</a:t>
+            </a:r>
+            <a:endParaRPr kumimoji="1" lang="en-US" altLang="zh-CN" dirty="0"/>
+          </a:p>
+          <a:p>
+            <a:pPr lvl="1"/>
+            <a:r>
+              <a:rPr kumimoji="1" lang="en-US" altLang="zh-CN" dirty="0">
+                <a:hlinkClick r:id="rId3"/>
+              </a:rPr>
+              <a:t>https://courses.edx.org/courses/course-v1:UCSanDiegoX+DSE230x+1T2018/jump_to/block-v1:UCSanDiegoX+DSE230x+1T2018+type@vertical+block@f4f4e1e89f4a4672a6a4b412439234ce</a:t>
+            </a:r>
+            <a:endParaRPr kumimoji="1" lang="en-US" altLang="zh-CN" dirty="0"/>
+          </a:p>
+          <a:p>
+            <a:r>
+              <a:rPr kumimoji="1" lang="zh-CN" altLang="en-US" dirty="0"/>
+              <a:t>练习</a:t>
+            </a:r>
+            <a:endParaRPr kumimoji="1" lang="en-US" altLang="zh-CN" dirty="0"/>
+          </a:p>
+          <a:p>
+            <a:pPr lvl="1"/>
+            <a:r>
+              <a:rPr kumimoji="1" lang="en-US" altLang="zh-CN" dirty="0"/>
+              <a:t>Section2-Weather-PCA/</a:t>
+            </a:r>
+            <a:r>
+              <a:rPr kumimoji="1" lang="zh-CN" altLang="en-US" dirty="0"/>
+              <a:t>目录下</a:t>
+            </a:r>
+            <a:r>
+              <a:rPr kumimoji="1" lang="en-US" altLang="zh-CN" dirty="0" err="1"/>
+              <a:t>ipynb</a:t>
+            </a:r>
+            <a:endParaRPr kumimoji="1" lang="en-US" altLang="zh-CN" dirty="0"/>
+          </a:p>
+          <a:p>
+            <a:pPr lvl="1"/>
+            <a:r>
+              <a:rPr lang="en-US" altLang="zh-CN" dirty="0">
+                <a:hlinkClick r:id="rId4"/>
+              </a:rPr>
+              <a:t>https://spark.apache.org/docs/2.2.0/mllib-dimensionality-reduction.html</a:t>
+            </a:r>
+            <a:endParaRPr kumimoji="1" lang="en-US" altLang="zh-CN" dirty="0"/>
+          </a:p>
+        </p:txBody>
+      </p:sp>
+    </p:spTree>
+    <p:extLst>
+      <p:ext uri="{BB962C8B-B14F-4D97-AF65-F5344CB8AC3E}">
+        <p14:creationId xmlns:p14="http://schemas.microsoft.com/office/powerpoint/2010/main" val="1103676630"/>
+      </p:ext>
+    </p:extLst>
+  </p:cSld>
+  <p:clrMapOvr>
+    <a:masterClrMapping/>
+  </p:clrMapOvr>
+</p:sld>
+</file>
+
+<file path=ppt/slides/slide34.xml><?xml version="1.0" encoding="utf-8"?>
+<p:sld xmlns:a="http://schemas.openxmlformats.org/drawingml/2006/main" xmlns:r="http://schemas.openxmlformats.org/officeDocument/2006/relationships" xmlns:p="http://schemas.openxmlformats.org/presentationml/2006/main">
+  <p:cSld>
+    <p:spTree>
+      <p:nvGrpSpPr>
+        <p:cNvPr id="1" name=""/>
+        <p:cNvGrpSpPr/>
+        <p:nvPr/>
+      </p:nvGrpSpPr>
+      <p:grpSpPr>
+        <a:xfrm>
+          <a:off x="0" y="0"/>
+          <a:ext cx="0" cy="0"/>
+          <a:chOff x="0" y="0"/>
+          <a:chExt cx="0" cy="0"/>
+        </a:xfrm>
+      </p:grpSpPr>
+      <p:sp>
+        <p:nvSpPr>
+          <p:cNvPr id="2" name="标题 1">
+            <a:extLst>
+              <a:ext uri="{FF2B5EF4-FFF2-40B4-BE49-F238E27FC236}">
+                <a16:creationId xmlns:a16="http://schemas.microsoft.com/office/drawing/2014/main" id="{85494C82-DA09-A842-9316-C9AD1FACD24C}"/>
+              </a:ext>
+            </a:extLst>
+          </p:cNvPr>
+          <p:cNvSpPr>
+            <a:spLocks noGrp="1"/>
+          </p:cNvSpPr>
+          <p:nvPr>
+            <p:ph type="title"/>
+          </p:nvPr>
+        </p:nvSpPr>
+        <p:spPr/>
+        <p:txBody>
+          <a:bodyPr/>
+          <a:lstStyle/>
+          <a:p>
+            <a:r>
+              <a:rPr kumimoji="1" lang="zh-CN" altLang="en-US" dirty="0"/>
+              <a:t>自学</a:t>
+            </a:r>
+          </a:p>
+        </p:txBody>
+      </p:sp>
+      <p:sp>
+        <p:nvSpPr>
+          <p:cNvPr id="3" name="内容占位符 2">
+            <a:extLst>
+              <a:ext uri="{FF2B5EF4-FFF2-40B4-BE49-F238E27FC236}">
+                <a16:creationId xmlns:a16="http://schemas.microsoft.com/office/drawing/2014/main" id="{C032903A-ABA2-5A46-A6B6-F8BF05797248}"/>
+              </a:ext>
+            </a:extLst>
+          </p:cNvPr>
+          <p:cNvSpPr>
+            <a:spLocks noGrp="1"/>
+          </p:cNvSpPr>
+          <p:nvPr>
+            <p:ph idx="1"/>
+          </p:nvPr>
+        </p:nvSpPr>
+        <p:spPr>
+          <a:xfrm>
+            <a:off x="628650" y="1556952"/>
+            <a:ext cx="7886700" cy="5066270"/>
+          </a:xfrm>
+        </p:spPr>
+        <p:txBody>
+          <a:bodyPr>
+            <a:normAutofit/>
+          </a:bodyPr>
+          <a:lstStyle/>
+          <a:p>
+            <a:r>
+              <a:rPr kumimoji="1" lang="en-US" altLang="zh-CN" dirty="0"/>
+              <a:t>UCSD</a:t>
+            </a:r>
+            <a:r>
+              <a:rPr kumimoji="1" lang="zh-CN" altLang="en-US" dirty="0"/>
+              <a:t> 作业 </a:t>
+            </a:r>
+            <a:r>
+              <a:rPr kumimoji="1" lang="en-US" altLang="zh-CN" dirty="0"/>
+              <a:t>4</a:t>
+            </a:r>
+            <a:r>
+              <a:rPr kumimoji="1" lang="zh-CN" altLang="en-US" dirty="0"/>
+              <a:t>：</a:t>
+            </a:r>
+            <a:r>
+              <a:rPr kumimoji="1" lang="en-US" altLang="zh-CN" dirty="0"/>
+              <a:t>PCA</a:t>
+            </a:r>
+            <a:r>
+              <a:rPr kumimoji="1" lang="zh-CN" altLang="en-US" dirty="0"/>
+              <a:t>华盛顿州天气时间序列降维分析</a:t>
+            </a:r>
+            <a:endParaRPr kumimoji="1" lang="en-US" altLang="zh-CN" dirty="0"/>
+          </a:p>
+          <a:p>
+            <a:pPr lvl="1"/>
+            <a:r>
+              <a:rPr kumimoji="1" lang="en-US" altLang="zh-CN" dirty="0">
+                <a:hlinkClick r:id="rId2"/>
+              </a:rPr>
+              <a:t>https://courses.edx.org/courses/course-v1:UCSanDiegoX+DSE230x+1T2018/jump_to/block-v1:UCSanDiegoX+DSE230x+1T2018+type@vertical+block@f474014ecdc8412c94985852b260b62f</a:t>
+            </a:r>
+            <a:endParaRPr kumimoji="1" lang="en-US" altLang="zh-CN" dirty="0"/>
+          </a:p>
+          <a:p>
+            <a:pPr lvl="1"/>
+            <a:r>
+              <a:rPr kumimoji="1" lang="zh-CN" altLang="en-US"/>
+              <a:t>回答</a:t>
+            </a:r>
+            <a:r>
+              <a:rPr kumimoji="1" lang="zh-CN" altLang="en-US" dirty="0"/>
+              <a:t>作业问题，完成实验报告（建议使用作业模板）</a:t>
+            </a:r>
+            <a:endParaRPr kumimoji="1" lang="en-US" altLang="zh-CN" dirty="0"/>
+          </a:p>
+          <a:p>
+            <a:pPr lvl="2"/>
+            <a:endParaRPr kumimoji="1" lang="en-US" altLang="zh-CN" dirty="0"/>
+          </a:p>
+        </p:txBody>
+      </p:sp>
+    </p:spTree>
+    <p:extLst>
+      <p:ext uri="{BB962C8B-B14F-4D97-AF65-F5344CB8AC3E}">
+        <p14:creationId xmlns:p14="http://schemas.microsoft.com/office/powerpoint/2010/main" val="3933337169"/>
+      </p:ext>
+    </p:extLst>
+  </p:cSld>
+  <p:clrMapOvr>
+    <a:masterClrMapping/>
+  </p:clrMapOvr>
+</p:sld>
+</file>
+
+<file path=ppt/slides/slide35.xml><?xml version="1.0" encoding="utf-8"?>
+<p:sld xmlns:a="http://schemas.openxmlformats.org/drawingml/2006/main" xmlns:r="http://schemas.openxmlformats.org/officeDocument/2006/relationships" xmlns:p="http://schemas.openxmlformats.org/presentationml/2006/main">
+  <p:cSld>
+    <p:spTree>
+      <p:nvGrpSpPr>
+        <p:cNvPr id="1" name=""/>
+        <p:cNvGrpSpPr/>
+        <p:nvPr/>
+      </p:nvGrpSpPr>
+      <p:grpSpPr>
+        <a:xfrm>
+          <a:off x="0" y="0"/>
+          <a:ext cx="0" cy="0"/>
+          <a:chOff x="0" y="0"/>
+          <a:chExt cx="0" cy="0"/>
+        </a:xfrm>
+      </p:grpSpPr>
+      <p:sp>
+        <p:nvSpPr>
+          <p:cNvPr id="2" name="标题 1">
+            <a:extLst>
+              <a:ext uri="{FF2B5EF4-FFF2-40B4-BE49-F238E27FC236}">
+                <a16:creationId xmlns:a16="http://schemas.microsoft.com/office/drawing/2014/main" id="{220C95B9-1548-0548-854A-70CB3BC4F45C}"/>
+              </a:ext>
+            </a:extLst>
+          </p:cNvPr>
+          <p:cNvSpPr>
+            <a:spLocks noGrp="1"/>
+          </p:cNvSpPr>
+          <p:nvPr>
+            <p:ph type="title"/>
+          </p:nvPr>
+        </p:nvSpPr>
+        <p:spPr/>
+        <p:txBody>
+          <a:bodyPr/>
+          <a:lstStyle/>
+          <a:p>
+            <a:r>
+              <a:rPr kumimoji="1" lang="zh-CN" altLang="en-US" dirty="0"/>
+              <a:t>作业</a:t>
+            </a:r>
+          </a:p>
+        </p:txBody>
+      </p:sp>
+      <p:sp>
+        <p:nvSpPr>
+          <p:cNvPr id="3" name="内容占位符 2">
+            <a:extLst>
+              <a:ext uri="{FF2B5EF4-FFF2-40B4-BE49-F238E27FC236}">
+                <a16:creationId xmlns:a16="http://schemas.microsoft.com/office/drawing/2014/main" id="{9EB99FF4-4117-3146-811B-E20B77E93AF8}"/>
+              </a:ext>
+            </a:extLst>
+          </p:cNvPr>
+          <p:cNvSpPr>
+            <a:spLocks noGrp="1"/>
+          </p:cNvSpPr>
+          <p:nvPr>
+            <p:ph idx="1"/>
+          </p:nvPr>
+        </p:nvSpPr>
+        <p:spPr/>
+        <p:txBody>
+          <a:bodyPr/>
+          <a:lstStyle/>
+          <a:p>
+            <a:r>
+              <a:rPr kumimoji="1" lang="zh-CN" altLang="en-US" dirty="0"/>
+              <a:t>斯坦福</a:t>
+            </a:r>
+            <a:r>
+              <a:rPr kumimoji="1" lang="en-US" altLang="zh-CN" dirty="0"/>
+              <a:t>hw2</a:t>
+            </a:r>
+            <a:r>
+              <a:rPr kumimoji="1" lang="zh-CN" altLang="en-US"/>
+              <a:t>，第一题</a:t>
+            </a:r>
+          </a:p>
+        </p:txBody>
+      </p:sp>
+    </p:spTree>
+    <p:extLst>
+      <p:ext uri="{BB962C8B-B14F-4D97-AF65-F5344CB8AC3E}">
+        <p14:creationId xmlns:p14="http://schemas.microsoft.com/office/powerpoint/2010/main" val="3284327011"/>
       </p:ext>
     </p:extLst>
   </p:cSld>
@@ -5419,14 +7690,19 @@
             <p:ph type="title"/>
           </p:nvPr>
         </p:nvSpPr>
-        <p:spPr/>
-        <p:txBody>
-          <a:bodyPr/>
-          <a:lstStyle/>
-          <a:p>
-            <a:r>
-              <a:rPr lang="zh-CN" altLang="en-US" dirty="0"/>
-              <a:t>定义</a:t>
+        <p:spPr>
+          <a:xfrm>
+            <a:off x="478313" y="392424"/>
+            <a:ext cx="7886700" cy="1325563"/>
+          </a:xfrm>
+        </p:spPr>
+        <p:txBody>
+          <a:bodyPr/>
+          <a:lstStyle/>
+          <a:p>
+            <a:r>
+              <a:rPr lang="zh-CN" altLang="en-US" dirty="0"/>
+              <a:t>例</a:t>
             </a:r>
           </a:p>
         </p:txBody>
@@ -5441,139 +7717,36 @@
             <p:ph idx="1"/>
           </p:nvPr>
         </p:nvSpPr>
-        <p:spPr/>
-        <p:txBody>
-          <a:bodyPr/>
-          <a:lstStyle/>
+        <p:spPr>
+          <a:xfrm>
+            <a:off x="478313" y="1852921"/>
+            <a:ext cx="7886700" cy="4351338"/>
+          </a:xfrm>
+        </p:spPr>
+        <p:txBody>
+          <a:bodyPr/>
+          <a:lstStyle/>
+          <a:p>
+            <a:r>
+              <a:rPr lang="zh-CN" altLang="en-US" dirty="0"/>
+              <a:t>二维</a:t>
+            </a:r>
+            <a:endParaRPr lang="en-US" altLang="zh-CN" dirty="0"/>
+          </a:p>
           <a:p>
             <a:r>
               <a:rPr lang="en-US" altLang="zh-CN" dirty="0"/>
-              <a:t>r </a:t>
-            </a:r>
-            <a:r>
-              <a:rPr lang="zh-CN" altLang="en-US" dirty="0"/>
-              <a:t>是 </a:t>
+              <a:t>M</a:t>
+            </a:r>
+            <a:r>
+              <a:rPr lang="zh-CN" altLang="en-US" dirty="0"/>
+              <a:t>的秩 </a:t>
             </a:r>
             <a:r>
               <a:rPr lang="en-US" altLang="zh-CN" dirty="0"/>
-              <a:t>A </a:t>
-            </a:r>
-            <a:r>
-              <a:rPr lang="zh-CN" altLang="en-US" dirty="0"/>
-              <a:t>的 </a:t>
-            </a:r>
-            <a:r>
-              <a:rPr lang="en-US" altLang="zh-CN" dirty="0"/>
-              <a:t>Rank </a:t>
-            </a:r>
-            <a:r>
-              <a:rPr lang="zh-CN" altLang="en-US" dirty="0"/>
-              <a:t>（秩）</a:t>
-            </a:r>
-            <a:endParaRPr lang="en-US" altLang="zh-CN" dirty="0"/>
-          </a:p>
-          <a:p>
-            <a:endParaRPr lang="en-US" altLang="zh-CN" dirty="0"/>
-          </a:p>
-          <a:p>
-            <a:endParaRPr lang="en-US" altLang="zh-CN" dirty="0"/>
-          </a:p>
-          <a:p>
-            <a:endParaRPr lang="en-US" altLang="zh-CN" dirty="0"/>
-          </a:p>
-          <a:p>
-            <a:r>
-              <a:rPr lang="en-US" altLang="zh-CN" sz="2400" dirty="0"/>
-              <a:t>U</a:t>
-            </a:r>
-            <a:r>
-              <a:rPr lang="zh-CN" altLang="en-US" sz="2400" dirty="0"/>
-              <a:t>：左奇异向量 </a:t>
-            </a:r>
-            <a:r>
-              <a:rPr lang="en-US" altLang="zh-CN" sz="2400" dirty="0"/>
-              <a:t>Left singular vectors </a:t>
-            </a:r>
-            <a:r>
-              <a:rPr lang="zh-CN" altLang="en-US" sz="2400" dirty="0"/>
-              <a:t>单位正交矩阵</a:t>
-            </a:r>
-            <a:endParaRPr lang="en-US" altLang="zh-CN" sz="2400" dirty="0"/>
-          </a:p>
-          <a:p>
-            <a:r>
-              <a:rPr lang="en-US" altLang="zh-CN" sz="2400" dirty="0"/>
-              <a:t>   </a:t>
-            </a:r>
-            <a:r>
-              <a:rPr lang="zh-CN" altLang="en-US" sz="2400" dirty="0"/>
-              <a:t>：奇异值 </a:t>
-            </a:r>
-            <a:r>
-              <a:rPr lang="en-US" altLang="zh-CN" sz="2400" dirty="0"/>
-              <a:t>Singular values</a:t>
-            </a:r>
-            <a:r>
-              <a:rPr lang="zh-CN" altLang="en-US" sz="2400" dirty="0"/>
-              <a:t>对角阵，</a:t>
-            </a:r>
-            <a:endParaRPr lang="en-US" altLang="zh-CN" sz="2400" dirty="0"/>
-          </a:p>
-          <a:p>
-            <a:r>
-              <a:rPr lang="en-US" altLang="zh-CN" sz="2400" dirty="0"/>
-              <a:t>V</a:t>
-            </a:r>
-            <a:r>
-              <a:rPr lang="zh-CN" altLang="en-US" sz="2400" dirty="0"/>
-              <a:t>：右奇异向量 </a:t>
-            </a:r>
-            <a:r>
-              <a:rPr lang="en-US" altLang="zh-CN" sz="2400" dirty="0"/>
-              <a:t>Right singular vectors </a:t>
-            </a:r>
-            <a:r>
-              <a:rPr lang="zh-CN" altLang="en-US" sz="2400" dirty="0"/>
-              <a:t>单位正交矩阵</a:t>
-            </a:r>
-            <a:endParaRPr lang="en-US" altLang="zh-CN" sz="2400" dirty="0"/>
-          </a:p>
-          <a:p>
-            <a:r>
-              <a:rPr lang="zh-CN" altLang="en-US" dirty="0"/>
-              <a:t>得到了原矩阵的</a:t>
-            </a:r>
-            <a:r>
-              <a:rPr lang="en-US" altLang="zh-CN" dirty="0"/>
-              <a:t>m</a:t>
-            </a:r>
-            <a:r>
-              <a:rPr lang="zh-CN" altLang="en-US" dirty="0"/>
-              <a:t>行，</a:t>
-            </a:r>
-            <a:r>
-              <a:rPr lang="en-US" altLang="zh-CN" dirty="0"/>
-              <a:t>n</a:t>
-            </a:r>
-            <a:r>
-              <a:rPr lang="zh-CN" altLang="en-US" dirty="0"/>
-              <a:t>列元素的</a:t>
-            </a:r>
-            <a:r>
-              <a:rPr lang="en-US" altLang="zh-CN" dirty="0"/>
-              <a:t>r</a:t>
-            </a:r>
-            <a:r>
-              <a:rPr lang="zh-CN" altLang="en-US" dirty="0"/>
-              <a:t>维隐式表征</a:t>
-            </a:r>
-            <a:endParaRPr lang="en-US" altLang="zh-CN" dirty="0"/>
-          </a:p>
-          <a:p>
-            <a:endParaRPr lang="en-US" altLang="zh-CN" dirty="0"/>
-          </a:p>
-          <a:p>
-            <a:endParaRPr lang="en-US" altLang="zh-CN" dirty="0"/>
+              <a:t>r = 2</a:t>
+            </a:r>
+            <a:endParaRPr lang="zh-CN" altLang="en-US" dirty="0"/>
           </a:p>
         </p:txBody>
       </p:sp>
@@ -5593,66 +7766,347 @@
         </p:blipFill>
         <p:spPr>
           <a:xfrm>
-            <a:off x="466727" y="2412482"/>
-            <a:ext cx="8048625" cy="828675"/>
+            <a:off x="184957" y="3302207"/>
+            <a:ext cx="8473412" cy="2779222"/>
           </a:xfrm>
           <a:prstGeom prst="rect">
             <a:avLst/>
           </a:prstGeom>
         </p:spPr>
       </p:pic>
-      <p:pic>
-        <p:nvPicPr>
-          <p:cNvPr id="5" name="图片 4"/>
-          <p:cNvPicPr>
-            <a:picLocks noChangeAspect="1"/>
-          </p:cNvPicPr>
+      <p:sp>
+        <p:nvSpPr>
+          <p:cNvPr id="5" name="文本框 4"/>
+          <p:cNvSpPr txBox="1"/>
           <p:nvPr/>
-        </p:nvPicPr>
-        <p:blipFill>
-          <a:blip r:embed="rId3"/>
-          <a:stretch>
-            <a:fillRect/>
-          </a:stretch>
-        </p:blipFill>
-        <p:spPr>
-          <a:xfrm>
-            <a:off x="836567" y="4309993"/>
-            <a:ext cx="356199" cy="395777"/>
+        </p:nvSpPr>
+        <p:spPr>
+          <a:xfrm>
+            <a:off x="2756639" y="2959619"/>
+            <a:ext cx="646331" cy="369332"/>
           </a:xfrm>
           <a:prstGeom prst="rect">
             <a:avLst/>
           </a:prstGeom>
-        </p:spPr>
-      </p:pic>
-      <p:pic>
-        <p:nvPicPr>
-          <p:cNvPr id="6" name="图片 5"/>
-          <p:cNvPicPr>
-            <a:picLocks noChangeAspect="1"/>
-          </p:cNvPicPr>
+          <a:noFill/>
+        </p:spPr>
+        <p:txBody>
+          <a:bodyPr wrap="none" rtlCol="0">
+            <a:spAutoFit/>
+          </a:bodyPr>
+          <a:lstStyle/>
+          <a:p>
+            <a:r>
+              <a:rPr lang="zh-CN" altLang="en-US" b="1" dirty="0">
+                <a:solidFill>
+                  <a:schemeClr val="accent5"/>
+                </a:solidFill>
+              </a:rPr>
+              <a:t>科幻</a:t>
+            </a:r>
+          </a:p>
+        </p:txBody>
+      </p:sp>
+      <p:sp>
+        <p:nvSpPr>
+          <p:cNvPr id="6" name="文本框 5"/>
+          <p:cNvSpPr txBox="1"/>
           <p:nvPr/>
-        </p:nvPicPr>
-        <p:blipFill>
-          <a:blip r:embed="rId4"/>
-          <a:stretch>
-            <a:fillRect/>
-          </a:stretch>
-        </p:blipFill>
-        <p:spPr>
-          <a:xfrm>
-            <a:off x="5425625" y="4309991"/>
-            <a:ext cx="2135235" cy="352126"/>
+        </p:nvSpPr>
+        <p:spPr>
+          <a:xfrm>
+            <a:off x="3414912" y="2959619"/>
+            <a:ext cx="649537" cy="369332"/>
           </a:xfrm>
           <a:prstGeom prst="rect">
             <a:avLst/>
           </a:prstGeom>
-        </p:spPr>
-      </p:pic>
+          <a:noFill/>
+        </p:spPr>
+        <p:txBody>
+          <a:bodyPr wrap="none" rtlCol="0">
+            <a:spAutoFit/>
+          </a:bodyPr>
+          <a:lstStyle/>
+          <a:p>
+            <a:r>
+              <a:rPr lang="zh-CN" altLang="en-US" b="1" dirty="0">
+                <a:solidFill>
+                  <a:schemeClr val="accent5"/>
+                </a:solidFill>
+              </a:rPr>
+              <a:t>浪漫</a:t>
+            </a:r>
+          </a:p>
+        </p:txBody>
+      </p:sp>
+      <p:sp>
+        <p:nvSpPr>
+          <p:cNvPr id="7" name="文本框 6"/>
+          <p:cNvSpPr txBox="1"/>
+          <p:nvPr/>
+        </p:nvSpPr>
+        <p:spPr>
+          <a:xfrm>
+            <a:off x="2330333" y="6081431"/>
+            <a:ext cx="2440092" cy="461665"/>
+          </a:xfrm>
+          <a:prstGeom prst="rect">
+            <a:avLst/>
+          </a:prstGeom>
+          <a:noFill/>
+        </p:spPr>
+        <p:txBody>
+          <a:bodyPr wrap="none" rtlCol="0">
+            <a:spAutoFit/>
+          </a:bodyPr>
+          <a:lstStyle/>
+          <a:p>
+            <a:r>
+              <a:rPr lang="zh-CN" altLang="en-US" sz="2400" b="1" dirty="0">
+                <a:solidFill>
+                  <a:schemeClr val="accent2"/>
+                </a:solidFill>
+              </a:rPr>
+              <a:t>用户 </a:t>
+            </a:r>
+            <a:r>
+              <a:rPr lang="en-US" altLang="zh-CN" sz="2400" b="1" dirty="0">
+                <a:solidFill>
+                  <a:schemeClr val="accent2"/>
+                </a:solidFill>
+              </a:rPr>
+              <a:t>– </a:t>
+            </a:r>
+            <a:r>
+              <a:rPr lang="zh-CN" altLang="en-US" sz="2400" b="1" dirty="0">
+                <a:solidFill>
+                  <a:schemeClr val="accent2"/>
+                </a:solidFill>
+              </a:rPr>
+              <a:t>概念 矩阵</a:t>
+            </a:r>
+          </a:p>
+        </p:txBody>
+      </p:sp>
+      <p:sp>
+        <p:nvSpPr>
+          <p:cNvPr id="8" name="文本框 7"/>
+          <p:cNvSpPr txBox="1"/>
+          <p:nvPr/>
+        </p:nvSpPr>
+        <p:spPr>
+          <a:xfrm>
+            <a:off x="4064449" y="3566927"/>
+            <a:ext cx="2109873" cy="461665"/>
+          </a:xfrm>
+          <a:prstGeom prst="rect">
+            <a:avLst/>
+          </a:prstGeom>
+          <a:noFill/>
+        </p:spPr>
+        <p:txBody>
+          <a:bodyPr wrap="none" rtlCol="0">
+            <a:spAutoFit/>
+          </a:bodyPr>
+          <a:lstStyle/>
+          <a:p>
+            <a:r>
+              <a:rPr lang="zh-CN" altLang="en-US" sz="2400" b="1" dirty="0">
+                <a:solidFill>
+                  <a:schemeClr val="accent2"/>
+                </a:solidFill>
+              </a:rPr>
+              <a:t>概念强度矩阵</a:t>
+            </a:r>
+          </a:p>
+        </p:txBody>
+      </p:sp>
+      <p:sp>
+        <p:nvSpPr>
+          <p:cNvPr id="9" name="文本框 8"/>
+          <p:cNvSpPr txBox="1"/>
+          <p:nvPr/>
+        </p:nvSpPr>
+        <p:spPr>
+          <a:xfrm>
+            <a:off x="5796120" y="5022846"/>
+            <a:ext cx="2440092" cy="461665"/>
+          </a:xfrm>
+          <a:prstGeom prst="rect">
+            <a:avLst/>
+          </a:prstGeom>
+          <a:noFill/>
+        </p:spPr>
+        <p:txBody>
+          <a:bodyPr wrap="none" rtlCol="0">
+            <a:spAutoFit/>
+          </a:bodyPr>
+          <a:lstStyle/>
+          <a:p>
+            <a:r>
+              <a:rPr lang="zh-CN" altLang="en-US" sz="2400" b="1" dirty="0">
+                <a:solidFill>
+                  <a:schemeClr val="accent2"/>
+                </a:solidFill>
+              </a:rPr>
+              <a:t>电影 </a:t>
+            </a:r>
+            <a:r>
+              <a:rPr lang="en-US" altLang="zh-CN" sz="2400" b="1" dirty="0">
+                <a:solidFill>
+                  <a:schemeClr val="accent2"/>
+                </a:solidFill>
+              </a:rPr>
+              <a:t>– </a:t>
+            </a:r>
+            <a:r>
+              <a:rPr lang="zh-CN" altLang="en-US" sz="2400" b="1" dirty="0">
+                <a:solidFill>
+                  <a:schemeClr val="accent2"/>
+                </a:solidFill>
+              </a:rPr>
+              <a:t>概念 矩阵</a:t>
+            </a:r>
+          </a:p>
+        </p:txBody>
+      </p:sp>
+      <p:sp>
+        <p:nvSpPr>
+          <p:cNvPr id="10" name="文本框 9"/>
+          <p:cNvSpPr txBox="1"/>
+          <p:nvPr/>
+        </p:nvSpPr>
+        <p:spPr>
+          <a:xfrm>
+            <a:off x="4292979" y="4871134"/>
+            <a:ext cx="646331" cy="369332"/>
+          </a:xfrm>
+          <a:prstGeom prst="rect">
+            <a:avLst/>
+          </a:prstGeom>
+          <a:noFill/>
+        </p:spPr>
+        <p:txBody>
+          <a:bodyPr wrap="none" rtlCol="0">
+            <a:spAutoFit/>
+          </a:bodyPr>
+          <a:lstStyle/>
+          <a:p>
+            <a:r>
+              <a:rPr lang="zh-CN" altLang="en-US" b="1" dirty="0">
+                <a:solidFill>
+                  <a:schemeClr val="accent5"/>
+                </a:solidFill>
+              </a:rPr>
+              <a:t>科幻</a:t>
+            </a:r>
+          </a:p>
+        </p:txBody>
+      </p:sp>
+      <p:sp>
+        <p:nvSpPr>
+          <p:cNvPr id="11" name="文本框 10"/>
+          <p:cNvSpPr txBox="1"/>
+          <p:nvPr/>
+        </p:nvSpPr>
+        <p:spPr>
+          <a:xfrm>
+            <a:off x="4853229" y="4870343"/>
+            <a:ext cx="649537" cy="369332"/>
+          </a:xfrm>
+          <a:prstGeom prst="rect">
+            <a:avLst/>
+          </a:prstGeom>
+          <a:noFill/>
+        </p:spPr>
+        <p:txBody>
+          <a:bodyPr wrap="none" rtlCol="0">
+            <a:spAutoFit/>
+          </a:bodyPr>
+          <a:lstStyle/>
+          <a:p>
+            <a:r>
+              <a:rPr lang="zh-CN" altLang="en-US" b="1" dirty="0">
+                <a:solidFill>
+                  <a:schemeClr val="accent5"/>
+                </a:solidFill>
+              </a:rPr>
+              <a:t>浪漫</a:t>
+            </a:r>
+          </a:p>
+        </p:txBody>
+      </p:sp>
+      <p:sp>
+        <p:nvSpPr>
+          <p:cNvPr id="12" name="文本框 11"/>
+          <p:cNvSpPr txBox="1"/>
+          <p:nvPr/>
+        </p:nvSpPr>
+        <p:spPr>
+          <a:xfrm>
+            <a:off x="8496069" y="4028590"/>
+            <a:ext cx="646331" cy="369332"/>
+          </a:xfrm>
+          <a:prstGeom prst="rect">
+            <a:avLst/>
+          </a:prstGeom>
+          <a:noFill/>
+        </p:spPr>
+        <p:txBody>
+          <a:bodyPr wrap="none" rtlCol="0">
+            <a:spAutoFit/>
+          </a:bodyPr>
+          <a:lstStyle/>
+          <a:p>
+            <a:r>
+              <a:rPr lang="zh-CN" altLang="en-US" b="1" dirty="0">
+                <a:solidFill>
+                  <a:schemeClr val="accent5"/>
+                </a:solidFill>
+              </a:rPr>
+              <a:t>科幻</a:t>
+            </a:r>
+          </a:p>
+        </p:txBody>
+      </p:sp>
+      <p:sp>
+        <p:nvSpPr>
+          <p:cNvPr id="13" name="文本框 12"/>
+          <p:cNvSpPr txBox="1"/>
+          <p:nvPr/>
+        </p:nvSpPr>
+        <p:spPr>
+          <a:xfrm>
+            <a:off x="8494465" y="4409109"/>
+            <a:ext cx="649537" cy="369332"/>
+          </a:xfrm>
+          <a:prstGeom prst="rect">
+            <a:avLst/>
+          </a:prstGeom>
+          <a:noFill/>
+        </p:spPr>
+        <p:txBody>
+          <a:bodyPr wrap="none" rtlCol="0">
+            <a:spAutoFit/>
+          </a:bodyPr>
+          <a:lstStyle/>
+          <a:p>
+            <a:r>
+              <a:rPr lang="zh-CN" altLang="en-US" b="1" dirty="0">
+                <a:solidFill>
+                  <a:schemeClr val="accent5"/>
+                </a:solidFill>
+              </a:rPr>
+              <a:t>浪漫</a:t>
+            </a:r>
+          </a:p>
+        </p:txBody>
+      </p:sp>
     </p:spTree>
     <p:extLst>
       <p:ext uri="{BB962C8B-B14F-4D97-AF65-F5344CB8AC3E}">
-        <p14:creationId xmlns:p14="http://schemas.microsoft.com/office/powerpoint/2010/main" val="187964410"/>
+        <p14:creationId xmlns:p14="http://schemas.microsoft.com/office/powerpoint/2010/main" val="1956538739"/>
       </p:ext>
     </p:extLst>
   </p:cSld>
@@ -5689,20 +8143,16 @@
             <p:ph type="title"/>
           </p:nvPr>
         </p:nvSpPr>
-        <p:spPr>
-          <a:xfrm>
-            <a:off x="478313" y="392424"/>
-            <a:ext cx="7886700" cy="1325563"/>
-          </a:xfrm>
-        </p:spPr>
-        <p:txBody>
-          <a:bodyPr/>
-          <a:lstStyle/>
-          <a:p>
-            <a:r>
-              <a:rPr lang="zh-CN" altLang="en-US" dirty="0"/>
-              <a:t>例</a:t>
-            </a:r>
+        <p:spPr/>
+        <p:txBody>
+          <a:bodyPr/>
+          <a:lstStyle/>
+          <a:p>
+            <a:r>
+              <a:rPr lang="en-US" altLang="zh-CN" dirty="0"/>
+              <a:t>SVD</a:t>
+            </a:r>
+            <a:endParaRPr lang="zh-CN" altLang="en-US" dirty="0"/>
           </a:p>
         </p:txBody>
       </p:sp>
@@ -5716,36 +8166,12 @@
             <p:ph idx="1"/>
           </p:nvPr>
         </p:nvSpPr>
-        <p:spPr>
-          <a:xfrm>
-            <a:off x="478313" y="1852921"/>
-            <a:ext cx="7886700" cy="4351338"/>
-          </a:xfrm>
-        </p:spPr>
-        <p:txBody>
-          <a:bodyPr/>
-          <a:lstStyle/>
-          <a:p>
-            <a:r>
-              <a:rPr lang="zh-CN" altLang="en-US" dirty="0"/>
-              <a:t>二维</a:t>
-            </a:r>
-            <a:endParaRPr lang="en-US" altLang="zh-CN" dirty="0"/>
-          </a:p>
-          <a:p>
-            <a:r>
-              <a:rPr lang="en-US" altLang="zh-CN" dirty="0"/>
-              <a:t>M</a:t>
-            </a:r>
-            <a:r>
-              <a:rPr lang="zh-CN" altLang="en-US" dirty="0"/>
-              <a:t>的秩 </a:t>
-            </a:r>
-            <a:r>
-              <a:rPr lang="en-US" altLang="zh-CN" dirty="0"/>
-              <a:t>r = 2</a:t>
-            </a:r>
-            <a:endParaRPr lang="zh-CN" altLang="en-US" dirty="0"/>
+        <p:spPr/>
+        <p:txBody>
+          <a:bodyPr/>
+          <a:lstStyle/>
+          <a:p>
+            <a:endParaRPr lang="zh-CN" altLang="en-US"/>
           </a:p>
         </p:txBody>
       </p:sp>
@@ -5765,347 +8191,18 @@
         </p:blipFill>
         <p:spPr>
           <a:xfrm>
-            <a:off x="184957" y="3302207"/>
-            <a:ext cx="8473412" cy="2779222"/>
+            <a:off x="628652" y="1825626"/>
+            <a:ext cx="8088927" cy="4223732"/>
           </a:xfrm>
           <a:prstGeom prst="rect">
             <a:avLst/>
           </a:prstGeom>
         </p:spPr>
       </p:pic>
-      <p:sp>
-        <p:nvSpPr>
-          <p:cNvPr id="5" name="文本框 4"/>
-          <p:cNvSpPr txBox="1"/>
-          <p:nvPr/>
-        </p:nvSpPr>
-        <p:spPr>
-          <a:xfrm>
-            <a:off x="2756639" y="2959619"/>
-            <a:ext cx="646331" cy="369332"/>
-          </a:xfrm>
-          <a:prstGeom prst="rect">
-            <a:avLst/>
-          </a:prstGeom>
-          <a:noFill/>
-        </p:spPr>
-        <p:txBody>
-          <a:bodyPr wrap="none" rtlCol="0">
-            <a:spAutoFit/>
-          </a:bodyPr>
-          <a:lstStyle/>
-          <a:p>
-            <a:r>
-              <a:rPr lang="zh-CN" altLang="en-US" b="1" dirty="0">
-                <a:solidFill>
-                  <a:schemeClr val="accent5"/>
-                </a:solidFill>
-              </a:rPr>
-              <a:t>科幻</a:t>
-            </a:r>
-          </a:p>
-        </p:txBody>
-      </p:sp>
-      <p:sp>
-        <p:nvSpPr>
-          <p:cNvPr id="6" name="文本框 5"/>
-          <p:cNvSpPr txBox="1"/>
-          <p:nvPr/>
-        </p:nvSpPr>
-        <p:spPr>
-          <a:xfrm>
-            <a:off x="3414912" y="2959619"/>
-            <a:ext cx="649537" cy="369332"/>
-          </a:xfrm>
-          <a:prstGeom prst="rect">
-            <a:avLst/>
-          </a:prstGeom>
-          <a:noFill/>
-        </p:spPr>
-        <p:txBody>
-          <a:bodyPr wrap="none" rtlCol="0">
-            <a:spAutoFit/>
-          </a:bodyPr>
-          <a:lstStyle/>
-          <a:p>
-            <a:r>
-              <a:rPr lang="zh-CN" altLang="en-US" b="1" dirty="0">
-                <a:solidFill>
-                  <a:schemeClr val="accent5"/>
-                </a:solidFill>
-              </a:rPr>
-              <a:t>浪漫</a:t>
-            </a:r>
-          </a:p>
-        </p:txBody>
-      </p:sp>
-      <p:sp>
-        <p:nvSpPr>
-          <p:cNvPr id="7" name="文本框 6"/>
-          <p:cNvSpPr txBox="1"/>
-          <p:nvPr/>
-        </p:nvSpPr>
-        <p:spPr>
-          <a:xfrm>
-            <a:off x="2330333" y="6081431"/>
-            <a:ext cx="2440092" cy="461665"/>
-          </a:xfrm>
-          <a:prstGeom prst="rect">
-            <a:avLst/>
-          </a:prstGeom>
-          <a:noFill/>
-        </p:spPr>
-        <p:txBody>
-          <a:bodyPr wrap="none" rtlCol="0">
-            <a:spAutoFit/>
-          </a:bodyPr>
-          <a:lstStyle/>
-          <a:p>
-            <a:r>
-              <a:rPr lang="zh-CN" altLang="en-US" sz="2400" b="1" dirty="0">
-                <a:solidFill>
-                  <a:schemeClr val="accent2"/>
-                </a:solidFill>
-              </a:rPr>
-              <a:t>用户 </a:t>
-            </a:r>
-            <a:r>
-              <a:rPr lang="en-US" altLang="zh-CN" sz="2400" b="1" dirty="0">
-                <a:solidFill>
-                  <a:schemeClr val="accent2"/>
-                </a:solidFill>
-              </a:rPr>
-              <a:t>– </a:t>
-            </a:r>
-            <a:r>
-              <a:rPr lang="zh-CN" altLang="en-US" sz="2400" b="1" dirty="0">
-                <a:solidFill>
-                  <a:schemeClr val="accent2"/>
-                </a:solidFill>
-              </a:rPr>
-              <a:t>概念 矩阵</a:t>
-            </a:r>
-          </a:p>
-        </p:txBody>
-      </p:sp>
-      <p:sp>
-        <p:nvSpPr>
-          <p:cNvPr id="8" name="文本框 7"/>
-          <p:cNvSpPr txBox="1"/>
-          <p:nvPr/>
-        </p:nvSpPr>
-        <p:spPr>
-          <a:xfrm>
-            <a:off x="4064449" y="3566927"/>
-            <a:ext cx="2109873" cy="461665"/>
-          </a:xfrm>
-          <a:prstGeom prst="rect">
-            <a:avLst/>
-          </a:prstGeom>
-          <a:noFill/>
-        </p:spPr>
-        <p:txBody>
-          <a:bodyPr wrap="none" rtlCol="0">
-            <a:spAutoFit/>
-          </a:bodyPr>
-          <a:lstStyle/>
-          <a:p>
-            <a:r>
-              <a:rPr lang="zh-CN" altLang="en-US" sz="2400" b="1" dirty="0">
-                <a:solidFill>
-                  <a:schemeClr val="accent2"/>
-                </a:solidFill>
-              </a:rPr>
-              <a:t>概念强度矩阵</a:t>
-            </a:r>
-          </a:p>
-        </p:txBody>
-      </p:sp>
-      <p:sp>
-        <p:nvSpPr>
-          <p:cNvPr id="9" name="文本框 8"/>
-          <p:cNvSpPr txBox="1"/>
-          <p:nvPr/>
-        </p:nvSpPr>
-        <p:spPr>
-          <a:xfrm>
-            <a:off x="5796120" y="5022846"/>
-            <a:ext cx="2440092" cy="461665"/>
-          </a:xfrm>
-          <a:prstGeom prst="rect">
-            <a:avLst/>
-          </a:prstGeom>
-          <a:noFill/>
-        </p:spPr>
-        <p:txBody>
-          <a:bodyPr wrap="none" rtlCol="0">
-            <a:spAutoFit/>
-          </a:bodyPr>
-          <a:lstStyle/>
-          <a:p>
-            <a:r>
-              <a:rPr lang="zh-CN" altLang="en-US" sz="2400" b="1" dirty="0">
-                <a:solidFill>
-                  <a:schemeClr val="accent2"/>
-                </a:solidFill>
-              </a:rPr>
-              <a:t>电影 </a:t>
-            </a:r>
-            <a:r>
-              <a:rPr lang="en-US" altLang="zh-CN" sz="2400" b="1" dirty="0">
-                <a:solidFill>
-                  <a:schemeClr val="accent2"/>
-                </a:solidFill>
-              </a:rPr>
-              <a:t>– </a:t>
-            </a:r>
-            <a:r>
-              <a:rPr lang="zh-CN" altLang="en-US" sz="2400" b="1" dirty="0">
-                <a:solidFill>
-                  <a:schemeClr val="accent2"/>
-                </a:solidFill>
-              </a:rPr>
-              <a:t>概念 矩阵</a:t>
-            </a:r>
-          </a:p>
-        </p:txBody>
-      </p:sp>
-      <p:sp>
-        <p:nvSpPr>
-          <p:cNvPr id="10" name="文本框 9"/>
-          <p:cNvSpPr txBox="1"/>
-          <p:nvPr/>
-        </p:nvSpPr>
-        <p:spPr>
-          <a:xfrm>
-            <a:off x="4292979" y="4871134"/>
-            <a:ext cx="646331" cy="369332"/>
-          </a:xfrm>
-          <a:prstGeom prst="rect">
-            <a:avLst/>
-          </a:prstGeom>
-          <a:noFill/>
-        </p:spPr>
-        <p:txBody>
-          <a:bodyPr wrap="none" rtlCol="0">
-            <a:spAutoFit/>
-          </a:bodyPr>
-          <a:lstStyle/>
-          <a:p>
-            <a:r>
-              <a:rPr lang="zh-CN" altLang="en-US" b="1" dirty="0">
-                <a:solidFill>
-                  <a:schemeClr val="accent5"/>
-                </a:solidFill>
-              </a:rPr>
-              <a:t>科幻</a:t>
-            </a:r>
-          </a:p>
-        </p:txBody>
-      </p:sp>
-      <p:sp>
-        <p:nvSpPr>
-          <p:cNvPr id="11" name="文本框 10"/>
-          <p:cNvSpPr txBox="1"/>
-          <p:nvPr/>
-        </p:nvSpPr>
-        <p:spPr>
-          <a:xfrm>
-            <a:off x="4853229" y="4870343"/>
-            <a:ext cx="649537" cy="369332"/>
-          </a:xfrm>
-          <a:prstGeom prst="rect">
-            <a:avLst/>
-          </a:prstGeom>
-          <a:noFill/>
-        </p:spPr>
-        <p:txBody>
-          <a:bodyPr wrap="none" rtlCol="0">
-            <a:spAutoFit/>
-          </a:bodyPr>
-          <a:lstStyle/>
-          <a:p>
-            <a:r>
-              <a:rPr lang="zh-CN" altLang="en-US" b="1" dirty="0">
-                <a:solidFill>
-                  <a:schemeClr val="accent5"/>
-                </a:solidFill>
-              </a:rPr>
-              <a:t>浪漫</a:t>
-            </a:r>
-          </a:p>
-        </p:txBody>
-      </p:sp>
-      <p:sp>
-        <p:nvSpPr>
-          <p:cNvPr id="12" name="文本框 11"/>
-          <p:cNvSpPr txBox="1"/>
-          <p:nvPr/>
-        </p:nvSpPr>
-        <p:spPr>
-          <a:xfrm>
-            <a:off x="8496069" y="4028590"/>
-            <a:ext cx="646331" cy="369332"/>
-          </a:xfrm>
-          <a:prstGeom prst="rect">
-            <a:avLst/>
-          </a:prstGeom>
-          <a:noFill/>
-        </p:spPr>
-        <p:txBody>
-          <a:bodyPr wrap="none" rtlCol="0">
-            <a:spAutoFit/>
-          </a:bodyPr>
-          <a:lstStyle/>
-          <a:p>
-            <a:r>
-              <a:rPr lang="zh-CN" altLang="en-US" b="1" dirty="0">
-                <a:solidFill>
-                  <a:schemeClr val="accent5"/>
-                </a:solidFill>
-              </a:rPr>
-              <a:t>科幻</a:t>
-            </a:r>
-          </a:p>
-        </p:txBody>
-      </p:sp>
-      <p:sp>
-        <p:nvSpPr>
-          <p:cNvPr id="13" name="文本框 12"/>
-          <p:cNvSpPr txBox="1"/>
-          <p:nvPr/>
-        </p:nvSpPr>
-        <p:spPr>
-          <a:xfrm>
-            <a:off x="8494465" y="4409109"/>
-            <a:ext cx="649537" cy="369332"/>
-          </a:xfrm>
-          <a:prstGeom prst="rect">
-            <a:avLst/>
-          </a:prstGeom>
-          <a:noFill/>
-        </p:spPr>
-        <p:txBody>
-          <a:bodyPr wrap="none" rtlCol="0">
-            <a:spAutoFit/>
-          </a:bodyPr>
-          <a:lstStyle/>
-          <a:p>
-            <a:r>
-              <a:rPr lang="zh-CN" altLang="en-US" b="1" dirty="0">
-                <a:solidFill>
-                  <a:schemeClr val="accent5"/>
-                </a:solidFill>
-              </a:rPr>
-              <a:t>浪漫</a:t>
-            </a:r>
-          </a:p>
-        </p:txBody>
-      </p:sp>
     </p:spTree>
     <p:extLst>
       <p:ext uri="{BB962C8B-B14F-4D97-AF65-F5344CB8AC3E}">
-        <p14:creationId xmlns:p14="http://schemas.microsoft.com/office/powerpoint/2010/main" val="1956538739"/>
+        <p14:creationId xmlns:p14="http://schemas.microsoft.com/office/powerpoint/2010/main" val="3832996021"/>
       </p:ext>
     </p:extLst>
   </p:cSld>
@@ -6142,16 +8239,20 @@
             <p:ph type="title"/>
           </p:nvPr>
         </p:nvSpPr>
-        <p:spPr/>
-        <p:txBody>
-          <a:bodyPr/>
-          <a:lstStyle/>
-          <a:p>
-            <a:r>
-              <a:rPr lang="en-US" altLang="zh-CN" dirty="0"/>
-              <a:t>SVD</a:t>
-            </a:r>
-            <a:endParaRPr lang="zh-CN" altLang="en-US" dirty="0"/>
+        <p:spPr>
+          <a:xfrm>
+            <a:off x="601355" y="262251"/>
+            <a:ext cx="7886700" cy="1325563"/>
+          </a:xfrm>
+        </p:spPr>
+        <p:txBody>
+          <a:bodyPr/>
+          <a:lstStyle/>
+          <a:p>
+            <a:r>
+              <a:rPr lang="zh-CN" altLang="en-US" dirty="0"/>
+              <a:t>用户电影观看矩阵</a:t>
+            </a:r>
           </a:p>
         </p:txBody>
       </p:sp>
@@ -6165,7 +8266,12 @@
             <p:ph idx="1"/>
           </p:nvPr>
         </p:nvSpPr>
-        <p:spPr/>
+        <p:spPr>
+          <a:xfrm>
+            <a:off x="601355" y="1566318"/>
+            <a:ext cx="7886700" cy="4351338"/>
+          </a:xfrm>
+        </p:spPr>
         <p:txBody>
           <a:bodyPr/>
           <a:lstStyle/>
@@ -6176,7 +8282,7 @@
       </p:sp>
       <p:pic>
         <p:nvPicPr>
-          <p:cNvPr id="4" name="图片 3"/>
+          <p:cNvPr id="5" name="图片 4"/>
           <p:cNvPicPr>
             <a:picLocks noChangeAspect="1"/>
           </p:cNvPicPr>
@@ -6190,18 +8296,489 @@
         </p:blipFill>
         <p:spPr>
           <a:xfrm>
-            <a:off x="628652" y="1825626"/>
-            <a:ext cx="8088927" cy="4223732"/>
+            <a:off x="136368" y="1566318"/>
+            <a:ext cx="8816677" cy="4674168"/>
           </a:xfrm>
           <a:prstGeom prst="rect">
             <a:avLst/>
           </a:prstGeom>
         </p:spPr>
       </p:pic>
+      <p:sp>
+        <p:nvSpPr>
+          <p:cNvPr id="6" name="文本框 5"/>
+          <p:cNvSpPr txBox="1"/>
+          <p:nvPr/>
+        </p:nvSpPr>
+        <p:spPr>
+          <a:xfrm>
+            <a:off x="3057101" y="2251881"/>
+            <a:ext cx="646331" cy="369332"/>
+          </a:xfrm>
+          <a:prstGeom prst="rect">
+            <a:avLst/>
+          </a:prstGeom>
+          <a:noFill/>
+        </p:spPr>
+        <p:txBody>
+          <a:bodyPr wrap="none" rtlCol="0">
+            <a:spAutoFit/>
+          </a:bodyPr>
+          <a:lstStyle/>
+          <a:p>
+            <a:r>
+              <a:rPr lang="zh-CN" altLang="en-US" b="1" dirty="0">
+                <a:solidFill>
+                  <a:schemeClr val="accent5"/>
+                </a:solidFill>
+              </a:rPr>
+              <a:t>科幻</a:t>
+            </a:r>
+          </a:p>
+        </p:txBody>
+      </p:sp>
+      <p:sp>
+        <p:nvSpPr>
+          <p:cNvPr id="7" name="文本框 6"/>
+          <p:cNvSpPr txBox="1"/>
+          <p:nvPr/>
+        </p:nvSpPr>
+        <p:spPr>
+          <a:xfrm>
+            <a:off x="3715374" y="2251881"/>
+            <a:ext cx="649537" cy="369332"/>
+          </a:xfrm>
+          <a:prstGeom prst="rect">
+            <a:avLst/>
+          </a:prstGeom>
+          <a:noFill/>
+        </p:spPr>
+        <p:txBody>
+          <a:bodyPr wrap="none" rtlCol="0">
+            <a:spAutoFit/>
+          </a:bodyPr>
+          <a:lstStyle/>
+          <a:p>
+            <a:r>
+              <a:rPr lang="zh-CN" altLang="en-US" b="1" dirty="0">
+                <a:solidFill>
+                  <a:schemeClr val="accent5"/>
+                </a:solidFill>
+              </a:rPr>
+              <a:t>浪漫</a:t>
+            </a:r>
+          </a:p>
+        </p:txBody>
+      </p:sp>
+      <p:sp>
+        <p:nvSpPr>
+          <p:cNvPr id="9" name="文本框 8"/>
+          <p:cNvSpPr txBox="1"/>
+          <p:nvPr/>
+        </p:nvSpPr>
+        <p:spPr>
+          <a:xfrm>
+            <a:off x="3057099" y="1655282"/>
+            <a:ext cx="2440092" cy="461665"/>
+          </a:xfrm>
+          <a:prstGeom prst="rect">
+            <a:avLst/>
+          </a:prstGeom>
+          <a:noFill/>
+        </p:spPr>
+        <p:txBody>
+          <a:bodyPr wrap="none" rtlCol="0">
+            <a:spAutoFit/>
+          </a:bodyPr>
+          <a:lstStyle/>
+          <a:p>
+            <a:r>
+              <a:rPr lang="zh-CN" altLang="en-US" sz="2400" b="1" dirty="0">
+                <a:solidFill>
+                  <a:schemeClr val="accent2"/>
+                </a:solidFill>
+              </a:rPr>
+              <a:t>用户 </a:t>
+            </a:r>
+            <a:r>
+              <a:rPr lang="en-US" altLang="zh-CN" sz="2400" b="1" dirty="0">
+                <a:solidFill>
+                  <a:schemeClr val="accent2"/>
+                </a:solidFill>
+              </a:rPr>
+              <a:t>– </a:t>
+            </a:r>
+            <a:r>
+              <a:rPr lang="zh-CN" altLang="en-US" sz="2400" b="1" dirty="0">
+                <a:solidFill>
+                  <a:schemeClr val="accent2"/>
+                </a:solidFill>
+              </a:rPr>
+              <a:t>概念 矩阵</a:t>
+            </a:r>
+          </a:p>
+        </p:txBody>
+      </p:sp>
+      <p:sp>
+        <p:nvSpPr>
+          <p:cNvPr id="10" name="文本框 9"/>
+          <p:cNvSpPr txBox="1"/>
+          <p:nvPr/>
+        </p:nvSpPr>
+        <p:spPr>
+          <a:xfrm>
+            <a:off x="5813948" y="2621215"/>
+            <a:ext cx="2109873" cy="461665"/>
+          </a:xfrm>
+          <a:prstGeom prst="rect">
+            <a:avLst/>
+          </a:prstGeom>
+          <a:noFill/>
+        </p:spPr>
+        <p:txBody>
+          <a:bodyPr wrap="none" rtlCol="0">
+            <a:spAutoFit/>
+          </a:bodyPr>
+          <a:lstStyle/>
+          <a:p>
+            <a:r>
+              <a:rPr lang="zh-CN" altLang="en-US" sz="2400" b="1" dirty="0">
+                <a:solidFill>
+                  <a:schemeClr val="accent2"/>
+                </a:solidFill>
+              </a:rPr>
+              <a:t>概念强度矩阵</a:t>
+            </a:r>
+          </a:p>
+        </p:txBody>
+      </p:sp>
+      <p:sp>
+        <p:nvSpPr>
+          <p:cNvPr id="11" name="文本框 10"/>
+          <p:cNvSpPr txBox="1"/>
+          <p:nvPr/>
+        </p:nvSpPr>
+        <p:spPr>
+          <a:xfrm>
+            <a:off x="5813946" y="6330130"/>
+            <a:ext cx="2440092" cy="461665"/>
+          </a:xfrm>
+          <a:prstGeom prst="rect">
+            <a:avLst/>
+          </a:prstGeom>
+          <a:noFill/>
+        </p:spPr>
+        <p:txBody>
+          <a:bodyPr wrap="none" rtlCol="0">
+            <a:spAutoFit/>
+          </a:bodyPr>
+          <a:lstStyle/>
+          <a:p>
+            <a:r>
+              <a:rPr lang="zh-CN" altLang="en-US" sz="2400" b="1" dirty="0">
+                <a:solidFill>
+                  <a:schemeClr val="accent2"/>
+                </a:solidFill>
+              </a:rPr>
+              <a:t>电影 </a:t>
+            </a:r>
+            <a:r>
+              <a:rPr lang="en-US" altLang="zh-CN" sz="2400" b="1" dirty="0">
+                <a:solidFill>
+                  <a:schemeClr val="accent2"/>
+                </a:solidFill>
+              </a:rPr>
+              <a:t>– </a:t>
+            </a:r>
+            <a:r>
+              <a:rPr lang="zh-CN" altLang="en-US" sz="2400" b="1" dirty="0">
+                <a:solidFill>
+                  <a:schemeClr val="accent2"/>
+                </a:solidFill>
+              </a:rPr>
+              <a:t>概念 矩阵</a:t>
+            </a:r>
+          </a:p>
+        </p:txBody>
+      </p:sp>
+      <p:sp>
+        <p:nvSpPr>
+          <p:cNvPr id="12" name="文本框 11"/>
+          <p:cNvSpPr txBox="1"/>
+          <p:nvPr/>
+        </p:nvSpPr>
+        <p:spPr>
+          <a:xfrm>
+            <a:off x="4506138" y="5199798"/>
+            <a:ext cx="646331" cy="369332"/>
+          </a:xfrm>
+          <a:prstGeom prst="rect">
+            <a:avLst/>
+          </a:prstGeom>
+          <a:noFill/>
+        </p:spPr>
+        <p:txBody>
+          <a:bodyPr wrap="none" rtlCol="0">
+            <a:spAutoFit/>
+          </a:bodyPr>
+          <a:lstStyle/>
+          <a:p>
+            <a:r>
+              <a:rPr lang="zh-CN" altLang="en-US" b="1" dirty="0">
+                <a:solidFill>
+                  <a:schemeClr val="accent5"/>
+                </a:solidFill>
+              </a:rPr>
+              <a:t>科幻</a:t>
+            </a:r>
+          </a:p>
+        </p:txBody>
+      </p:sp>
+      <p:sp>
+        <p:nvSpPr>
+          <p:cNvPr id="13" name="文本框 12"/>
+          <p:cNvSpPr txBox="1"/>
+          <p:nvPr/>
+        </p:nvSpPr>
+        <p:spPr>
+          <a:xfrm>
+            <a:off x="4502932" y="5569130"/>
+            <a:ext cx="649537" cy="369332"/>
+          </a:xfrm>
+          <a:prstGeom prst="rect">
+            <a:avLst/>
+          </a:prstGeom>
+          <a:noFill/>
+        </p:spPr>
+        <p:txBody>
+          <a:bodyPr wrap="none" rtlCol="0">
+            <a:spAutoFit/>
+          </a:bodyPr>
+          <a:lstStyle/>
+          <a:p>
+            <a:r>
+              <a:rPr lang="zh-CN" altLang="en-US" b="1" dirty="0">
+                <a:solidFill>
+                  <a:schemeClr val="accent5"/>
+                </a:solidFill>
+              </a:rPr>
+              <a:t>浪漫</a:t>
+            </a:r>
+          </a:p>
+        </p:txBody>
+      </p:sp>
+      <p:sp>
+        <p:nvSpPr>
+          <p:cNvPr id="14" name="文本框 13"/>
+          <p:cNvSpPr txBox="1"/>
+          <p:nvPr/>
+        </p:nvSpPr>
+        <p:spPr>
+          <a:xfrm>
+            <a:off x="6035222" y="4612944"/>
+            <a:ext cx="646331" cy="369332"/>
+          </a:xfrm>
+          <a:prstGeom prst="rect">
+            <a:avLst/>
+          </a:prstGeom>
+          <a:noFill/>
+        </p:spPr>
+        <p:txBody>
+          <a:bodyPr wrap="none" rtlCol="0">
+            <a:spAutoFit/>
+          </a:bodyPr>
+          <a:lstStyle/>
+          <a:p>
+            <a:r>
+              <a:rPr lang="zh-CN" altLang="en-US" b="1" dirty="0">
+                <a:solidFill>
+                  <a:schemeClr val="accent5"/>
+                </a:solidFill>
+              </a:rPr>
+              <a:t>科幻</a:t>
+            </a:r>
+          </a:p>
+        </p:txBody>
+      </p:sp>
+      <p:sp>
+        <p:nvSpPr>
+          <p:cNvPr id="15" name="文本框 14"/>
+          <p:cNvSpPr txBox="1"/>
+          <p:nvPr/>
+        </p:nvSpPr>
+        <p:spPr>
+          <a:xfrm>
+            <a:off x="6597075" y="4612944"/>
+            <a:ext cx="649537" cy="369332"/>
+          </a:xfrm>
+          <a:prstGeom prst="rect">
+            <a:avLst/>
+          </a:prstGeom>
+          <a:noFill/>
+        </p:spPr>
+        <p:txBody>
+          <a:bodyPr wrap="none" rtlCol="0">
+            <a:spAutoFit/>
+          </a:bodyPr>
+          <a:lstStyle/>
+          <a:p>
+            <a:r>
+              <a:rPr lang="zh-CN" altLang="en-US" b="1" dirty="0">
+                <a:solidFill>
+                  <a:schemeClr val="accent5"/>
+                </a:solidFill>
+              </a:rPr>
+              <a:t>浪漫</a:t>
+            </a:r>
+          </a:p>
+        </p:txBody>
+      </p:sp>
+      <p:sp>
+        <p:nvSpPr>
+          <p:cNvPr id="16" name="文本框 15"/>
+          <p:cNvSpPr txBox="1"/>
+          <p:nvPr/>
+        </p:nvSpPr>
+        <p:spPr>
+          <a:xfrm>
+            <a:off x="121691" y="5778823"/>
+            <a:ext cx="4435830" cy="830997"/>
+          </a:xfrm>
+          <a:prstGeom prst="rect">
+            <a:avLst/>
+          </a:prstGeom>
+          <a:noFill/>
+        </p:spPr>
+        <p:txBody>
+          <a:bodyPr wrap="none" rtlCol="0">
+            <a:spAutoFit/>
+          </a:bodyPr>
+          <a:lstStyle/>
+          <a:p>
+            <a:pPr algn="ctr"/>
+            <a:r>
+              <a:rPr lang="zh-CN" altLang="en-US" sz="2400" b="1" dirty="0">
+                <a:solidFill>
+                  <a:schemeClr val="accent5"/>
+                </a:solidFill>
+              </a:rPr>
+              <a:t>在实际中，</a:t>
+            </a:r>
+            <a:r>
+              <a:rPr lang="en-US" altLang="zh-CN" sz="2400" b="1" dirty="0">
+                <a:solidFill>
+                  <a:schemeClr val="accent5"/>
+                </a:solidFill>
+              </a:rPr>
+              <a:t>U</a:t>
+            </a:r>
+            <a:r>
+              <a:rPr lang="zh-CN" altLang="en-US" sz="2400" b="1" dirty="0">
+                <a:solidFill>
+                  <a:schemeClr val="accent5"/>
+                </a:solidFill>
+              </a:rPr>
+              <a:t>，</a:t>
+            </a:r>
+            <a:r>
+              <a:rPr lang="en-US" altLang="zh-CN" sz="2400" b="1" dirty="0">
+                <a:solidFill>
+                  <a:schemeClr val="accent5"/>
+                </a:solidFill>
+              </a:rPr>
+              <a:t>V</a:t>
+            </a:r>
+            <a:r>
+              <a:rPr lang="zh-CN" altLang="en-US" sz="2400" b="1" dirty="0">
+                <a:solidFill>
+                  <a:schemeClr val="accent5"/>
+                </a:solidFill>
+              </a:rPr>
+              <a:t>中没有这么多</a:t>
+            </a:r>
+            <a:r>
+              <a:rPr lang="en-US" altLang="zh-CN" sz="2400" b="1" dirty="0">
+                <a:solidFill>
+                  <a:schemeClr val="accent5"/>
+                </a:solidFill>
+              </a:rPr>
+              <a:t>0</a:t>
+            </a:r>
+          </a:p>
+          <a:p>
+            <a:pPr algn="ctr"/>
+            <a:r>
+              <a:rPr lang="zh-CN" altLang="en-US" sz="2400" b="1" dirty="0">
+                <a:solidFill>
+                  <a:schemeClr val="accent5"/>
+                </a:solidFill>
+              </a:rPr>
+              <a:t>概念分得没有这么清</a:t>
+            </a:r>
+          </a:p>
+        </p:txBody>
+      </p:sp>
+      <p:sp>
+        <p:nvSpPr>
+          <p:cNvPr id="17" name="矩形 16"/>
+          <p:cNvSpPr/>
+          <p:nvPr/>
+        </p:nvSpPr>
+        <p:spPr>
+          <a:xfrm>
+            <a:off x="1282892" y="4148921"/>
+            <a:ext cx="354841" cy="1050879"/>
+          </a:xfrm>
+          <a:prstGeom prst="rect">
+            <a:avLst/>
+          </a:prstGeom>
+          <a:gradFill>
+            <a:gsLst>
+              <a:gs pos="100000">
+                <a:schemeClr val="accent1">
+                  <a:lumMod val="110000"/>
+                  <a:satMod val="105000"/>
+                  <a:tint val="67000"/>
+                  <a:alpha val="0"/>
+                </a:schemeClr>
+              </a:gs>
+              <a:gs pos="100000">
+                <a:schemeClr val="accent1">
+                  <a:lumMod val="105000"/>
+                  <a:satMod val="109000"/>
+                  <a:tint val="81000"/>
+                </a:schemeClr>
+              </a:gs>
+            </a:gsLst>
+          </a:gradFill>
+        </p:spPr>
+        <p:style>
+          <a:lnRef idx="1">
+            <a:schemeClr val="accent1"/>
+          </a:lnRef>
+          <a:fillRef idx="2">
+            <a:schemeClr val="accent1"/>
+          </a:fillRef>
+          <a:effectRef idx="1">
+            <a:schemeClr val="accent1"/>
+          </a:effectRef>
+          <a:fontRef idx="minor">
+            <a:schemeClr val="dk1"/>
+          </a:fontRef>
+        </p:style>
+        <p:txBody>
+          <a:bodyPr rtlCol="0" anchor="ctr"/>
+          <a:lstStyle/>
+          <a:p>
+            <a:pPr algn="ctr"/>
+            <a:endParaRPr lang="zh-CN" altLang="en-US"/>
+          </a:p>
+        </p:txBody>
+      </p:sp>
     </p:spTree>
     <p:extLst>
       <p:ext uri="{BB962C8B-B14F-4D97-AF65-F5344CB8AC3E}">
-        <p14:creationId xmlns:p14="http://schemas.microsoft.com/office/powerpoint/2010/main" val="3832996021"/>
+        <p14:creationId xmlns:p14="http://schemas.microsoft.com/office/powerpoint/2010/main" val="1972606392"/>
       </p:ext>
     </p:extLst>
   </p:cSld>
@@ -6238,19 +8815,18 @@
             <p:ph type="title"/>
           </p:nvPr>
         </p:nvSpPr>
-        <p:spPr>
-          <a:xfrm>
-            <a:off x="601355" y="262251"/>
-            <a:ext cx="7886700" cy="1325563"/>
-          </a:xfrm>
-        </p:spPr>
-        <p:txBody>
-          <a:bodyPr/>
-          <a:lstStyle/>
-          <a:p>
-            <a:r>
-              <a:rPr lang="zh-CN" altLang="en-US" dirty="0"/>
-              <a:t>用户电影观看矩阵</a:t>
+        <p:spPr/>
+        <p:txBody>
+          <a:bodyPr/>
+          <a:lstStyle/>
+          <a:p>
+            <a:r>
+              <a:rPr lang="en-US" altLang="zh-CN" dirty="0"/>
+              <a:t>SVD</a:t>
+            </a:r>
+            <a:r>
+              <a:rPr lang="zh-CN" altLang="en-US" dirty="0"/>
+              <a:t>的理解</a:t>
             </a:r>
           </a:p>
         </p:txBody>
@@ -6265,23 +8841,32 @@
             <p:ph idx="1"/>
           </p:nvPr>
         </p:nvSpPr>
-        <p:spPr>
-          <a:xfrm>
-            <a:off x="601355" y="1566318"/>
-            <a:ext cx="7886700" cy="4351338"/>
-          </a:xfrm>
-        </p:spPr>
-        <p:txBody>
-          <a:bodyPr/>
-          <a:lstStyle/>
-          <a:p>
-            <a:endParaRPr lang="zh-CN" altLang="en-US"/>
+        <p:spPr/>
+        <p:txBody>
+          <a:bodyPr/>
+          <a:lstStyle/>
+          <a:p>
+            <a:r>
+              <a:rPr lang="en-US" altLang="zh-CN" dirty="0"/>
+              <a:t>V</a:t>
+            </a:r>
+            <a:r>
+              <a:rPr lang="zh-CN" altLang="en-US" dirty="0"/>
+              <a:t>是把电影按照用户进行概念分类后的结果</a:t>
+            </a:r>
+            <a:endParaRPr lang="en-US" altLang="zh-CN" dirty="0"/>
+          </a:p>
+          <a:p>
+            <a:r>
+              <a:rPr lang="zh-CN" altLang="en-US" dirty="0"/>
+              <a:t>五部电影，投影到“科幻”“浪漫”两个概念上</a:t>
+            </a:r>
           </a:p>
         </p:txBody>
       </p:sp>
       <p:pic>
         <p:nvPicPr>
-          <p:cNvPr id="5" name="图片 4"/>
+          <p:cNvPr id="4" name="图片 3"/>
           <p:cNvPicPr>
             <a:picLocks noChangeAspect="1"/>
           </p:cNvPicPr>
@@ -6295,474 +8880,67 @@
         </p:blipFill>
         <p:spPr>
           <a:xfrm>
-            <a:off x="136368" y="1566318"/>
-            <a:ext cx="8816677" cy="4674168"/>
+            <a:off x="3920818" y="3583604"/>
+            <a:ext cx="4905375" cy="1428750"/>
           </a:xfrm>
           <a:prstGeom prst="rect">
             <a:avLst/>
           </a:prstGeom>
         </p:spPr>
       </p:pic>
-      <p:sp>
-        <p:nvSpPr>
-          <p:cNvPr id="6" name="文本框 5"/>
-          <p:cNvSpPr txBox="1"/>
+      <p:pic>
+        <p:nvPicPr>
+          <p:cNvPr id="5" name="图片 4"/>
+          <p:cNvPicPr>
+            <a:picLocks noChangeAspect="1"/>
+          </p:cNvPicPr>
           <p:nvPr/>
-        </p:nvSpPr>
-        <p:spPr>
-          <a:xfrm>
-            <a:off x="3057101" y="2251881"/>
-            <a:ext cx="646331" cy="369332"/>
+        </p:nvPicPr>
+        <p:blipFill>
+          <a:blip r:embed="rId3"/>
+          <a:stretch>
+            <a:fillRect/>
+          </a:stretch>
+        </p:blipFill>
+        <p:spPr>
+          <a:xfrm>
+            <a:off x="427702" y="3028879"/>
+            <a:ext cx="2369618" cy="3148084"/>
           </a:xfrm>
           <a:prstGeom prst="rect">
             <a:avLst/>
           </a:prstGeom>
-          <a:noFill/>
-        </p:spPr>
-        <p:txBody>
-          <a:bodyPr wrap="none" rtlCol="0">
-            <a:spAutoFit/>
-          </a:bodyPr>
-          <a:lstStyle/>
-          <a:p>
-            <a:r>
-              <a:rPr lang="zh-CN" altLang="en-US" b="1" dirty="0">
-                <a:solidFill>
-                  <a:schemeClr val="accent5"/>
-                </a:solidFill>
-              </a:rPr>
-              <a:t>科幻</a:t>
-            </a:r>
-          </a:p>
-        </p:txBody>
-      </p:sp>
-      <p:sp>
-        <p:nvSpPr>
-          <p:cNvPr id="7" name="文本框 6"/>
-          <p:cNvSpPr txBox="1"/>
+        </p:spPr>
+      </p:pic>
+      <p:sp>
+        <p:nvSpPr>
+          <p:cNvPr id="6" name="右箭头 5"/>
+          <p:cNvSpPr/>
           <p:nvPr/>
         </p:nvSpPr>
         <p:spPr>
           <a:xfrm>
-            <a:off x="3715374" y="2251881"/>
-            <a:ext cx="649537" cy="369332"/>
-          </a:xfrm>
-          <a:prstGeom prst="rect">
+            <a:off x="2998270" y="4086808"/>
+            <a:ext cx="700275" cy="532263"/>
+          </a:xfrm>
+          <a:prstGeom prst="rightArrow">
             <a:avLst/>
           </a:prstGeom>
-          <a:noFill/>
-        </p:spPr>
-        <p:txBody>
-          <a:bodyPr wrap="none" rtlCol="0">
-            <a:spAutoFit/>
-          </a:bodyPr>
-          <a:lstStyle/>
-          <a:p>
-            <a:r>
-              <a:rPr lang="zh-CN" altLang="en-US" b="1" dirty="0">
-                <a:solidFill>
-                  <a:schemeClr val="accent5"/>
-                </a:solidFill>
-              </a:rPr>
-              <a:t>浪漫</a:t>
-            </a:r>
-          </a:p>
-        </p:txBody>
-      </p:sp>
-      <p:sp>
-        <p:nvSpPr>
-          <p:cNvPr id="9" name="文本框 8"/>
-          <p:cNvSpPr txBox="1"/>
-          <p:nvPr/>
-        </p:nvSpPr>
-        <p:spPr>
-          <a:xfrm>
-            <a:off x="3057099" y="1655282"/>
-            <a:ext cx="2440092" cy="461665"/>
-          </a:xfrm>
-          <a:prstGeom prst="rect">
-            <a:avLst/>
-          </a:prstGeom>
-          <a:noFill/>
-        </p:spPr>
-        <p:txBody>
-          <a:bodyPr wrap="none" rtlCol="0">
-            <a:spAutoFit/>
-          </a:bodyPr>
-          <a:lstStyle/>
-          <a:p>
-            <a:r>
-              <a:rPr lang="zh-CN" altLang="en-US" sz="2400" b="1" dirty="0">
-                <a:solidFill>
-                  <a:schemeClr val="accent2"/>
-                </a:solidFill>
-              </a:rPr>
-              <a:t>用户 </a:t>
-            </a:r>
-            <a:r>
-              <a:rPr lang="en-US" altLang="zh-CN" sz="2400" b="1" dirty="0">
-                <a:solidFill>
-                  <a:schemeClr val="accent2"/>
-                </a:solidFill>
-              </a:rPr>
-              <a:t>– </a:t>
-            </a:r>
-            <a:r>
-              <a:rPr lang="zh-CN" altLang="en-US" sz="2400" b="1" dirty="0">
-                <a:solidFill>
-                  <a:schemeClr val="accent2"/>
-                </a:solidFill>
-              </a:rPr>
-              <a:t>概念 矩阵</a:t>
-            </a:r>
-          </a:p>
-        </p:txBody>
-      </p:sp>
-      <p:sp>
-        <p:nvSpPr>
-          <p:cNvPr id="10" name="文本框 9"/>
-          <p:cNvSpPr txBox="1"/>
-          <p:nvPr/>
-        </p:nvSpPr>
-        <p:spPr>
-          <a:xfrm>
-            <a:off x="5813948" y="2621215"/>
-            <a:ext cx="2109873" cy="461665"/>
-          </a:xfrm>
-          <a:prstGeom prst="rect">
-            <a:avLst/>
-          </a:prstGeom>
-          <a:noFill/>
-        </p:spPr>
-        <p:txBody>
-          <a:bodyPr wrap="none" rtlCol="0">
-            <a:spAutoFit/>
-          </a:bodyPr>
-          <a:lstStyle/>
-          <a:p>
-            <a:r>
-              <a:rPr lang="zh-CN" altLang="en-US" sz="2400" b="1" dirty="0">
-                <a:solidFill>
-                  <a:schemeClr val="accent2"/>
-                </a:solidFill>
-              </a:rPr>
-              <a:t>概念强度矩阵</a:t>
-            </a:r>
-          </a:p>
-        </p:txBody>
-      </p:sp>
-      <p:sp>
-        <p:nvSpPr>
-          <p:cNvPr id="11" name="文本框 10"/>
-          <p:cNvSpPr txBox="1"/>
-          <p:nvPr/>
-        </p:nvSpPr>
-        <p:spPr>
-          <a:xfrm>
-            <a:off x="5813946" y="6330130"/>
-            <a:ext cx="2440092" cy="461665"/>
-          </a:xfrm>
-          <a:prstGeom prst="rect">
-            <a:avLst/>
-          </a:prstGeom>
-          <a:noFill/>
-        </p:spPr>
-        <p:txBody>
-          <a:bodyPr wrap="none" rtlCol="0">
-            <a:spAutoFit/>
-          </a:bodyPr>
-          <a:lstStyle/>
-          <a:p>
-            <a:r>
-              <a:rPr lang="zh-CN" altLang="en-US" sz="2400" b="1" dirty="0">
-                <a:solidFill>
-                  <a:schemeClr val="accent2"/>
-                </a:solidFill>
-              </a:rPr>
-              <a:t>电影 </a:t>
-            </a:r>
-            <a:r>
-              <a:rPr lang="en-US" altLang="zh-CN" sz="2400" b="1" dirty="0">
-                <a:solidFill>
-                  <a:schemeClr val="accent2"/>
-                </a:solidFill>
-              </a:rPr>
-              <a:t>– </a:t>
-            </a:r>
-            <a:r>
-              <a:rPr lang="zh-CN" altLang="en-US" sz="2400" b="1" dirty="0">
-                <a:solidFill>
-                  <a:schemeClr val="accent2"/>
-                </a:solidFill>
-              </a:rPr>
-              <a:t>概念 矩阵</a:t>
-            </a:r>
-          </a:p>
-        </p:txBody>
-      </p:sp>
-      <p:sp>
-        <p:nvSpPr>
-          <p:cNvPr id="12" name="文本框 11"/>
-          <p:cNvSpPr txBox="1"/>
-          <p:nvPr/>
-        </p:nvSpPr>
-        <p:spPr>
-          <a:xfrm>
-            <a:off x="4506138" y="5199798"/>
-            <a:ext cx="646331" cy="369332"/>
-          </a:xfrm>
-          <a:prstGeom prst="rect">
-            <a:avLst/>
-          </a:prstGeom>
-          <a:noFill/>
-        </p:spPr>
-        <p:txBody>
-          <a:bodyPr wrap="none" rtlCol="0">
-            <a:spAutoFit/>
-          </a:bodyPr>
-          <a:lstStyle/>
-          <a:p>
-            <a:r>
-              <a:rPr lang="zh-CN" altLang="en-US" b="1" dirty="0">
-                <a:solidFill>
-                  <a:schemeClr val="accent5"/>
-                </a:solidFill>
-              </a:rPr>
-              <a:t>科幻</a:t>
-            </a:r>
-          </a:p>
-        </p:txBody>
-      </p:sp>
-      <p:sp>
-        <p:nvSpPr>
-          <p:cNvPr id="13" name="文本框 12"/>
-          <p:cNvSpPr txBox="1"/>
-          <p:nvPr/>
-        </p:nvSpPr>
-        <p:spPr>
-          <a:xfrm>
-            <a:off x="4502932" y="5569130"/>
-            <a:ext cx="649537" cy="369332"/>
-          </a:xfrm>
-          <a:prstGeom prst="rect">
-            <a:avLst/>
-          </a:prstGeom>
-          <a:noFill/>
-        </p:spPr>
-        <p:txBody>
-          <a:bodyPr wrap="none" rtlCol="0">
-            <a:spAutoFit/>
-          </a:bodyPr>
-          <a:lstStyle/>
-          <a:p>
-            <a:r>
-              <a:rPr lang="zh-CN" altLang="en-US" b="1" dirty="0">
-                <a:solidFill>
-                  <a:schemeClr val="accent5"/>
-                </a:solidFill>
-              </a:rPr>
-              <a:t>浪漫</a:t>
-            </a:r>
-          </a:p>
-        </p:txBody>
-      </p:sp>
-      <p:sp>
-        <p:nvSpPr>
-          <p:cNvPr id="14" name="文本框 13"/>
-          <p:cNvSpPr txBox="1"/>
-          <p:nvPr/>
-        </p:nvSpPr>
-        <p:spPr>
-          <a:xfrm>
-            <a:off x="6035222" y="4612944"/>
-            <a:ext cx="646331" cy="369332"/>
-          </a:xfrm>
-          <a:prstGeom prst="rect">
-            <a:avLst/>
-          </a:prstGeom>
-          <a:noFill/>
-        </p:spPr>
-        <p:txBody>
-          <a:bodyPr wrap="none" rtlCol="0">
-            <a:spAutoFit/>
-          </a:bodyPr>
-          <a:lstStyle/>
-          <a:p>
-            <a:r>
-              <a:rPr lang="zh-CN" altLang="en-US" b="1" dirty="0">
-                <a:solidFill>
-                  <a:schemeClr val="accent5"/>
-                </a:solidFill>
-              </a:rPr>
-              <a:t>科幻</a:t>
-            </a:r>
-          </a:p>
-        </p:txBody>
-      </p:sp>
-      <p:sp>
-        <p:nvSpPr>
-          <p:cNvPr id="15" name="文本框 14"/>
-          <p:cNvSpPr txBox="1"/>
-          <p:nvPr/>
-        </p:nvSpPr>
-        <p:spPr>
-          <a:xfrm>
-            <a:off x="6597075" y="4612944"/>
-            <a:ext cx="649537" cy="369332"/>
-          </a:xfrm>
-          <a:prstGeom prst="rect">
-            <a:avLst/>
-          </a:prstGeom>
-          <a:noFill/>
-        </p:spPr>
-        <p:txBody>
-          <a:bodyPr wrap="none" rtlCol="0">
-            <a:spAutoFit/>
-          </a:bodyPr>
-          <a:lstStyle/>
-          <a:p>
-            <a:r>
-              <a:rPr lang="zh-CN" altLang="en-US" b="1" dirty="0">
-                <a:solidFill>
-                  <a:schemeClr val="accent5"/>
-                </a:solidFill>
-              </a:rPr>
-              <a:t>浪漫</a:t>
-            </a:r>
-          </a:p>
-        </p:txBody>
-      </p:sp>
-      <p:sp>
-        <p:nvSpPr>
-          <p:cNvPr id="16" name="文本框 15"/>
-          <p:cNvSpPr txBox="1"/>
-          <p:nvPr/>
-        </p:nvSpPr>
-        <p:spPr>
-          <a:xfrm>
-            <a:off x="121691" y="5778823"/>
-            <a:ext cx="4435830" cy="830997"/>
-          </a:xfrm>
-          <a:prstGeom prst="rect">
-            <a:avLst/>
-          </a:prstGeom>
-          <a:noFill/>
-        </p:spPr>
-        <p:txBody>
-          <a:bodyPr wrap="none" rtlCol="0">
-            <a:spAutoFit/>
-          </a:bodyPr>
-          <a:lstStyle/>
-          <a:p>
-            <a:pPr algn="ctr"/>
-            <a:r>
-              <a:rPr lang="zh-CN" altLang="en-US" sz="2400" b="1" dirty="0">
-                <a:solidFill>
-                  <a:schemeClr val="accent5"/>
-                </a:solidFill>
-              </a:rPr>
-              <a:t>在实际中，</a:t>
-            </a:r>
-            <a:r>
-              <a:rPr lang="en-US" altLang="zh-CN" sz="2400" b="1" dirty="0">
-                <a:solidFill>
-                  <a:schemeClr val="accent5"/>
-                </a:solidFill>
-              </a:rPr>
-              <a:t>U</a:t>
-            </a:r>
-            <a:r>
-              <a:rPr lang="zh-CN" altLang="en-US" sz="2400" b="1" dirty="0">
-                <a:solidFill>
-                  <a:schemeClr val="accent5"/>
-                </a:solidFill>
-              </a:rPr>
-              <a:t>，</a:t>
-            </a:r>
-            <a:r>
-              <a:rPr lang="en-US" altLang="zh-CN" sz="2400" b="1" dirty="0">
-                <a:solidFill>
-                  <a:schemeClr val="accent5"/>
-                </a:solidFill>
-              </a:rPr>
-              <a:t>V</a:t>
-            </a:r>
-            <a:r>
-              <a:rPr lang="zh-CN" altLang="en-US" sz="2400" b="1" dirty="0">
-                <a:solidFill>
-                  <a:schemeClr val="accent5"/>
-                </a:solidFill>
-              </a:rPr>
-              <a:t>中没有这么多</a:t>
-            </a:r>
-            <a:r>
-              <a:rPr lang="en-US" altLang="zh-CN" sz="2400" b="1" dirty="0">
-                <a:solidFill>
-                  <a:schemeClr val="accent5"/>
-                </a:solidFill>
-              </a:rPr>
-              <a:t>0</a:t>
-            </a:r>
-          </a:p>
-          <a:p>
-            <a:pPr algn="ctr"/>
-            <a:r>
-              <a:rPr lang="zh-CN" altLang="en-US" sz="2400" b="1" dirty="0">
-                <a:solidFill>
-                  <a:schemeClr val="accent5"/>
-                </a:solidFill>
-              </a:rPr>
-              <a:t>概念分得没有这么清</a:t>
-            </a:r>
-          </a:p>
-        </p:txBody>
-      </p:sp>
-      <p:sp>
-        <p:nvSpPr>
-          <p:cNvPr id="17" name="矩形 16"/>
-          <p:cNvSpPr/>
-          <p:nvPr/>
-        </p:nvSpPr>
-        <p:spPr>
-          <a:xfrm>
-            <a:off x="1282892" y="4148921"/>
-            <a:ext cx="354841" cy="1050879"/>
-          </a:xfrm>
-          <a:prstGeom prst="rect">
-            <a:avLst/>
-          </a:prstGeom>
-          <a:gradFill>
-            <a:gsLst>
-              <a:gs pos="100000">
-                <a:schemeClr val="accent1">
-                  <a:lumMod val="110000"/>
-                  <a:satMod val="105000"/>
-                  <a:tint val="67000"/>
-                  <a:alpha val="0"/>
-                </a:schemeClr>
-              </a:gs>
-              <a:gs pos="100000">
-                <a:schemeClr val="accent1">
-                  <a:lumMod val="105000"/>
-                  <a:satMod val="109000"/>
-                  <a:tint val="81000"/>
-                </a:schemeClr>
-              </a:gs>
-            </a:gsLst>
-          </a:gradFill>
         </p:spPr>
         <p:style>
-          <a:lnRef idx="1">
-            <a:schemeClr val="accent1"/>
+          <a:lnRef idx="2">
+            <a:schemeClr val="accent1">
+              <a:shade val="50000"/>
+            </a:schemeClr>
           </a:lnRef>
-          <a:fillRef idx="2">
+          <a:fillRef idx="1">
             <a:schemeClr val="accent1"/>
           </a:fillRef>
-          <a:effectRef idx="1">
+          <a:effectRef idx="0">
             <a:schemeClr val="accent1"/>
           </a:effectRef>
           <a:fontRef idx="minor">
-            <a:schemeClr val="dk1"/>
+            <a:schemeClr val="lt1"/>
           </a:fontRef>
         </p:style>
         <p:txBody>
@@ -6777,7 +8955,7 @@
     </p:spTree>
     <p:extLst>
       <p:ext uri="{BB962C8B-B14F-4D97-AF65-F5344CB8AC3E}">
-        <p14:creationId xmlns:p14="http://schemas.microsoft.com/office/powerpoint/2010/main" val="1972606392"/>
+        <p14:creationId xmlns:p14="http://schemas.microsoft.com/office/powerpoint/2010/main" val="1020804598"/>
       </p:ext>
     </p:extLst>
   </p:cSld>
@@ -6847,25 +9025,29 @@
           <a:p>
             <a:r>
               <a:rPr lang="en-US" altLang="zh-CN" dirty="0"/>
-              <a:t>V</a:t>
-            </a:r>
-            <a:r>
-              <a:rPr lang="zh-CN" altLang="en-US" dirty="0"/>
-              <a:t>是把电影按照用户进行概念分类后的结果</a:t>
+              <a:t>                </a:t>
+            </a:r>
+            <a:r>
+              <a:rPr lang="zh-CN" altLang="en-US" dirty="0"/>
+              <a:t>是将用户按照电影进行概念分类后的结果</a:t>
             </a:r>
             <a:endParaRPr lang="en-US" altLang="zh-CN" dirty="0"/>
           </a:p>
           <a:p>
             <a:r>
-              <a:rPr lang="zh-CN" altLang="en-US" dirty="0"/>
-              <a:t>五部电影，投影到“科幻”“浪漫”两个概念上</a:t>
+              <a:rPr lang="en-US" altLang="zh-CN" dirty="0"/>
+              <a:t>7</a:t>
+            </a:r>
+            <a:r>
+              <a:rPr lang="zh-CN" altLang="en-US" dirty="0"/>
+              <a:t>个用户，投影到“科幻”“浪漫”两个概念上</a:t>
             </a:r>
           </a:p>
         </p:txBody>
       </p:sp>
       <p:pic>
         <p:nvPicPr>
-          <p:cNvPr id="4" name="图片 3"/>
+          <p:cNvPr id="5" name="图片 4"/>
           <p:cNvPicPr>
             <a:picLocks noChangeAspect="1"/>
           </p:cNvPicPr>
@@ -6879,8 +9061,8 @@
         </p:blipFill>
         <p:spPr>
           <a:xfrm>
-            <a:off x="3920818" y="3583604"/>
-            <a:ext cx="4905375" cy="1428750"/>
+            <a:off x="850994" y="1825625"/>
+            <a:ext cx="1409700" cy="457200"/>
           </a:xfrm>
           <a:prstGeom prst="rect">
             <a:avLst/>
@@ -6889,7 +9071,7 @@
       </p:pic>
       <p:pic>
         <p:nvPicPr>
-          <p:cNvPr id="5" name="图片 4"/>
+          <p:cNvPr id="6" name="图片 5"/>
           <p:cNvPicPr>
             <a:picLocks noChangeAspect="1"/>
           </p:cNvPicPr>
@@ -6903,24 +9085,48 @@
         </p:blipFill>
         <p:spPr>
           <a:xfrm>
-            <a:off x="427702" y="3028879"/>
-            <a:ext cx="2369618" cy="3148084"/>
+            <a:off x="5359803" y="3493827"/>
+            <a:ext cx="2982390" cy="2982390"/>
           </a:xfrm>
           <a:prstGeom prst="rect">
             <a:avLst/>
           </a:prstGeom>
         </p:spPr>
       </p:pic>
-      <p:sp>
-        <p:nvSpPr>
-          <p:cNvPr id="6" name="右箭头 5"/>
+      <p:pic>
+        <p:nvPicPr>
+          <p:cNvPr id="7" name="图片 6"/>
+          <p:cNvPicPr>
+            <a:picLocks noChangeAspect="1"/>
+          </p:cNvPicPr>
+          <p:nvPr/>
+        </p:nvPicPr>
+        <p:blipFill>
+          <a:blip r:embed="rId4"/>
+          <a:stretch>
+            <a:fillRect/>
+          </a:stretch>
+        </p:blipFill>
+        <p:spPr>
+          <a:xfrm>
+            <a:off x="1048993" y="3582134"/>
+            <a:ext cx="2308356" cy="2967886"/>
+          </a:xfrm>
+          <a:prstGeom prst="rect">
+            <a:avLst/>
+          </a:prstGeom>
+        </p:spPr>
+      </p:pic>
+      <p:sp>
+        <p:nvSpPr>
+          <p:cNvPr id="8" name="右箭头 7"/>
           <p:cNvSpPr/>
           <p:nvPr/>
         </p:nvSpPr>
         <p:spPr>
           <a:xfrm>
-            <a:off x="2998270" y="4086808"/>
-            <a:ext cx="700275" cy="532263"/>
+            <a:off x="3998793" y="4722125"/>
+            <a:ext cx="805218" cy="532262"/>
           </a:xfrm>
           <a:prstGeom prst="rightArrow">
             <a:avLst/>
@@ -6954,7 +9160,7 @@
     </p:spTree>
     <p:extLst>
       <p:ext uri="{BB962C8B-B14F-4D97-AF65-F5344CB8AC3E}">
-        <p14:creationId xmlns:p14="http://schemas.microsoft.com/office/powerpoint/2010/main" val="1020804598"/>
+        <p14:creationId xmlns:p14="http://schemas.microsoft.com/office/powerpoint/2010/main" val="2980263005"/>
       </p:ext>
     </p:extLst>
   </p:cSld>
@@ -6991,18 +9197,27 @@
             <p:ph type="title"/>
           </p:nvPr>
         </p:nvSpPr>
-        <p:spPr/>
-        <p:txBody>
-          <a:bodyPr/>
-          <a:lstStyle/>
-          <a:p>
+        <p:spPr>
+          <a:xfrm>
+            <a:off x="751480" y="365770"/>
+            <a:ext cx="7886700" cy="1325563"/>
+          </a:xfrm>
+        </p:spPr>
+        <p:txBody>
+          <a:bodyPr/>
+          <a:lstStyle/>
+          <a:p>
+            <a:r>
+              <a:rPr lang="zh-CN" altLang="en-US" dirty="0"/>
+              <a:t>基于</a:t>
+            </a:r>
             <a:r>
               <a:rPr lang="en-US" altLang="zh-CN" dirty="0"/>
               <a:t>SVD</a:t>
             </a:r>
             <a:r>
               <a:rPr lang="zh-CN" altLang="en-US" dirty="0"/>
-              <a:t>的理解</a:t>
+              <a:t>的降维</a:t>
             </a:r>
           </a:p>
         </p:txBody>
@@ -7017,36 +9232,26 @@
             <p:ph idx="1"/>
           </p:nvPr>
         </p:nvSpPr>
-        <p:spPr/>
-        <p:txBody>
-          <a:bodyPr/>
-          <a:lstStyle/>
-          <a:p>
-            <a:r>
-              <a:rPr lang="en-US" altLang="zh-CN" dirty="0"/>
-              <a:t>                </a:t>
-            </a:r>
-            <a:r>
-              <a:rPr lang="zh-CN" altLang="en-US" dirty="0"/>
-              <a:t>是将用户按照电影进行概念分类后的结果</a:t>
-            </a:r>
-            <a:endParaRPr lang="en-US" altLang="zh-CN" dirty="0"/>
-          </a:p>
-          <a:p>
-            <a:r>
-              <a:rPr lang="en-US" altLang="zh-CN" dirty="0"/>
-              <a:t>7</a:t>
-            </a:r>
-            <a:r>
-              <a:rPr lang="zh-CN" altLang="en-US" dirty="0"/>
-              <a:t>个用户，投影到“科幻”“浪漫”两个概念上</a:t>
+        <p:spPr>
+          <a:xfrm>
+            <a:off x="751480" y="1787229"/>
+            <a:ext cx="7886700" cy="4024609"/>
+          </a:xfrm>
+        </p:spPr>
+        <p:txBody>
+          <a:bodyPr/>
+          <a:lstStyle/>
+          <a:p>
+            <a:r>
+              <a:rPr lang="zh-CN" altLang="en-US" dirty="0"/>
+              <a:t>降概念强度最低那一维</a:t>
             </a:r>
           </a:p>
         </p:txBody>
       </p:sp>
       <p:pic>
         <p:nvPicPr>
-          <p:cNvPr id="5" name="图片 4"/>
+          <p:cNvPr id="6" name="图片 5"/>
           <p:cNvPicPr>
             <a:picLocks noChangeAspect="1"/>
           </p:cNvPicPr>
@@ -7060,106 +9265,149 @@
         </p:blipFill>
         <p:spPr>
           <a:xfrm>
-            <a:off x="850994" y="1825625"/>
-            <a:ext cx="1409700" cy="457200"/>
+            <a:off x="751480" y="2951064"/>
+            <a:ext cx="8004376" cy="2995711"/>
           </a:xfrm>
           <a:prstGeom prst="rect">
             <a:avLst/>
           </a:prstGeom>
         </p:spPr>
       </p:pic>
-      <p:pic>
-        <p:nvPicPr>
-          <p:cNvPr id="6" name="图片 5"/>
-          <p:cNvPicPr>
-            <a:picLocks noChangeAspect="1"/>
-          </p:cNvPicPr>
+      <p:sp>
+        <p:nvSpPr>
+          <p:cNvPr id="7" name="文本框 6"/>
+          <p:cNvSpPr txBox="1"/>
           <p:nvPr/>
-        </p:nvPicPr>
-        <p:blipFill>
-          <a:blip r:embed="rId3"/>
-          <a:stretch>
-            <a:fillRect/>
-          </a:stretch>
-        </p:blipFill>
-        <p:spPr>
-          <a:xfrm>
-            <a:off x="5359803" y="3493827"/>
-            <a:ext cx="2982390" cy="2982390"/>
+        </p:nvSpPr>
+        <p:spPr>
+          <a:xfrm>
+            <a:off x="2715905" y="2489399"/>
+            <a:ext cx="2440092" cy="461665"/>
           </a:xfrm>
           <a:prstGeom prst="rect">
             <a:avLst/>
           </a:prstGeom>
-        </p:spPr>
-      </p:pic>
-      <p:pic>
-        <p:nvPicPr>
-          <p:cNvPr id="7" name="图片 6"/>
-          <p:cNvPicPr>
-            <a:picLocks noChangeAspect="1"/>
-          </p:cNvPicPr>
+          <a:noFill/>
+        </p:spPr>
+        <p:txBody>
+          <a:bodyPr wrap="none" rtlCol="0">
+            <a:spAutoFit/>
+          </a:bodyPr>
+          <a:lstStyle/>
+          <a:p>
+            <a:r>
+              <a:rPr lang="zh-CN" altLang="en-US" sz="2400" b="1" dirty="0">
+                <a:solidFill>
+                  <a:schemeClr val="accent2"/>
+                </a:solidFill>
+              </a:rPr>
+              <a:t>用户 </a:t>
+            </a:r>
+            <a:r>
+              <a:rPr lang="en-US" altLang="zh-CN" sz="2400" b="1" dirty="0">
+                <a:solidFill>
+                  <a:schemeClr val="accent2"/>
+                </a:solidFill>
+              </a:rPr>
+              <a:t>– </a:t>
+            </a:r>
+            <a:r>
+              <a:rPr lang="zh-CN" altLang="en-US" sz="2400" b="1" dirty="0">
+                <a:solidFill>
+                  <a:schemeClr val="accent2"/>
+                </a:solidFill>
+              </a:rPr>
+              <a:t>概念 矩阵</a:t>
+            </a:r>
+          </a:p>
+        </p:txBody>
+      </p:sp>
+      <p:sp>
+        <p:nvSpPr>
+          <p:cNvPr id="8" name="文本框 7"/>
+          <p:cNvSpPr txBox="1"/>
           <p:nvPr/>
-        </p:nvPicPr>
-        <p:blipFill>
-          <a:blip r:embed="rId4"/>
-          <a:stretch>
-            <a:fillRect/>
-          </a:stretch>
-        </p:blipFill>
-        <p:spPr>
-          <a:xfrm>
-            <a:off x="1048993" y="3582134"/>
-            <a:ext cx="2308356" cy="2967886"/>
+        </p:nvSpPr>
+        <p:spPr>
+          <a:xfrm>
+            <a:off x="5117526" y="3073195"/>
+            <a:ext cx="2109873" cy="461665"/>
           </a:xfrm>
           <a:prstGeom prst="rect">
             <a:avLst/>
           </a:prstGeom>
-        </p:spPr>
-      </p:pic>
-      <p:sp>
-        <p:nvSpPr>
-          <p:cNvPr id="8" name="右箭头 7"/>
-          <p:cNvSpPr/>
+          <a:noFill/>
+        </p:spPr>
+        <p:txBody>
+          <a:bodyPr wrap="none" rtlCol="0">
+            <a:spAutoFit/>
+          </a:bodyPr>
+          <a:lstStyle/>
+          <a:p>
+            <a:r>
+              <a:rPr lang="zh-CN" altLang="en-US" sz="2400" b="1" dirty="0">
+                <a:solidFill>
+                  <a:schemeClr val="accent2"/>
+                </a:solidFill>
+              </a:rPr>
+              <a:t>概念强度矩阵</a:t>
+            </a:r>
+          </a:p>
+        </p:txBody>
+      </p:sp>
+      <p:sp>
+        <p:nvSpPr>
+          <p:cNvPr id="9" name="文本框 8"/>
+          <p:cNvSpPr txBox="1"/>
           <p:nvPr/>
         </p:nvSpPr>
         <p:spPr>
           <a:xfrm>
-            <a:off x="3998793" y="4722125"/>
-            <a:ext cx="805218" cy="532262"/>
-          </a:xfrm>
-          <a:prstGeom prst="rightArrow">
+            <a:off x="5827593" y="6042671"/>
+            <a:ext cx="2440092" cy="461665"/>
+          </a:xfrm>
+          <a:prstGeom prst="rect">
             <a:avLst/>
           </a:prstGeom>
-        </p:spPr>
-        <p:style>
-          <a:lnRef idx="2">
-            <a:schemeClr val="accent1">
-              <a:shade val="50000"/>
-            </a:schemeClr>
-          </a:lnRef>
-          <a:fillRef idx="1">
-            <a:schemeClr val="accent1"/>
-          </a:fillRef>
-          <a:effectRef idx="0">
-            <a:schemeClr val="accent1"/>
-          </a:effectRef>
-          <a:fontRef idx="minor">
-            <a:schemeClr val="lt1"/>
-          </a:fontRef>
-        </p:style>
-        <p:txBody>
-          <a:bodyPr rtlCol="0" anchor="ctr"/>
-          <a:lstStyle/>
-          <a:p>
-            <a:pPr algn="ctr"/>
-            <a:endParaRPr lang="zh-CN" altLang="en-US"/>
+          <a:noFill/>
+        </p:spPr>
+        <p:txBody>
+          <a:bodyPr wrap="none" rtlCol="0">
+            <a:spAutoFit/>
+          </a:bodyPr>
+          <a:lstStyle/>
+          <a:p>
+            <a:r>
+              <a:rPr lang="zh-CN" altLang="en-US" sz="2400" b="1" dirty="0">
+                <a:solidFill>
+                  <a:schemeClr val="accent2"/>
+                </a:solidFill>
+              </a:rPr>
+              <a:t>电影 </a:t>
+            </a:r>
+            <a:r>
+              <a:rPr lang="en-US" altLang="zh-CN" sz="2400" b="1" dirty="0">
+                <a:solidFill>
+                  <a:schemeClr val="accent2"/>
+                </a:solidFill>
+              </a:rPr>
+              <a:t>– </a:t>
+            </a:r>
+            <a:r>
+              <a:rPr lang="zh-CN" altLang="en-US" sz="2400" b="1" dirty="0">
+                <a:solidFill>
+                  <a:schemeClr val="accent2"/>
+                </a:solidFill>
+              </a:rPr>
+              <a:t>概念 矩阵</a:t>
+            </a:r>
           </a:p>
         </p:txBody>
       </p:sp>
     </p:spTree>
     <p:extLst>
       <p:ext uri="{BB962C8B-B14F-4D97-AF65-F5344CB8AC3E}">
-        <p14:creationId xmlns:p14="http://schemas.microsoft.com/office/powerpoint/2010/main" val="2980263005"/>
+        <p14:creationId xmlns:p14="http://schemas.microsoft.com/office/powerpoint/2010/main" val="195295800"/>
       </p:ext>
     </p:extLst>
   </p:cSld>
